--- a/Initial_Autonomous_Diagram.pptx
+++ b/Initial_Autonomous_Diagram.pptx
@@ -4,8 +4,12 @@
   <p:sldMasterIdLst>
     <p:sldMasterId id="2147483648" r:id="rId1"/>
   </p:sldMasterIdLst>
+  <p:notesMasterIdLst>
+    <p:notesMasterId r:id="rId4"/>
+  </p:notesMasterIdLst>
   <p:sldIdLst>
     <p:sldId id="257" r:id="rId2"/>
+    <p:sldId id="260" r:id="rId3"/>
   </p:sldIdLst>
   <p:sldSz cx="12192000" cy="6858000"/>
   <p:notesSz cx="6858000" cy="9144000"/>
@@ -116,6 +120,355 @@
 <p1510:revInfo xmlns:a="http://schemas.openxmlformats.org/drawingml/2006/main" xmlns:r="http://schemas.openxmlformats.org/officeDocument/2006/relationships" xmlns:p1510="http://schemas.microsoft.com/office/powerpoint/2015/10/main"/>
 </file>
 
+<file path=ppt/notesMasters/notesMaster1.xml><?xml version="1.0" encoding="utf-8"?>
+<p:notesMaster xmlns:a="http://schemas.openxmlformats.org/drawingml/2006/main" xmlns:r="http://schemas.openxmlformats.org/officeDocument/2006/relationships" xmlns:p="http://schemas.openxmlformats.org/presentationml/2006/main">
+  <p:cSld>
+    <p:bg>
+      <p:bgRef idx="1001">
+        <a:schemeClr val="bg1"/>
+      </p:bgRef>
+    </p:bg>
+    <p:spTree>
+      <p:nvGrpSpPr>
+        <p:cNvPr id="1" name=""/>
+        <p:cNvGrpSpPr/>
+        <p:nvPr/>
+      </p:nvGrpSpPr>
+      <p:grpSpPr>
+        <a:xfrm>
+          <a:off x="0" y="0"/>
+          <a:ext cx="0" cy="0"/>
+          <a:chOff x="0" y="0"/>
+          <a:chExt cx="0" cy="0"/>
+        </a:xfrm>
+      </p:grpSpPr>
+      <p:sp>
+        <p:nvSpPr>
+          <p:cNvPr id="2" name="Header Placeholder 1"/>
+          <p:cNvSpPr>
+            <a:spLocks noGrp="1"/>
+          </p:cNvSpPr>
+          <p:nvPr>
+            <p:ph type="hdr" sz="quarter"/>
+          </p:nvPr>
+        </p:nvSpPr>
+        <p:spPr>
+          <a:xfrm>
+            <a:off x="0" y="0"/>
+            <a:ext cx="2971800" cy="458788"/>
+          </a:xfrm>
+          <a:prstGeom prst="rect">
+            <a:avLst/>
+          </a:prstGeom>
+        </p:spPr>
+        <p:txBody>
+          <a:bodyPr vert="horz" lIns="91440" tIns="45720" rIns="91440" bIns="45720" rtlCol="0"/>
+          <a:lstStyle>
+            <a:lvl1pPr algn="l">
+              <a:defRPr sz="1200"/>
+            </a:lvl1pPr>
+          </a:lstStyle>
+          <a:p>
+            <a:endParaRPr lang="en-US"/>
+          </a:p>
+        </p:txBody>
+      </p:sp>
+      <p:sp>
+        <p:nvSpPr>
+          <p:cNvPr id="3" name="Date Placeholder 2"/>
+          <p:cNvSpPr>
+            <a:spLocks noGrp="1"/>
+          </p:cNvSpPr>
+          <p:nvPr>
+            <p:ph type="dt" idx="1"/>
+          </p:nvPr>
+        </p:nvSpPr>
+        <p:spPr>
+          <a:xfrm>
+            <a:off x="3884613" y="0"/>
+            <a:ext cx="2971800" cy="458788"/>
+          </a:xfrm>
+          <a:prstGeom prst="rect">
+            <a:avLst/>
+          </a:prstGeom>
+        </p:spPr>
+        <p:txBody>
+          <a:bodyPr vert="horz" lIns="91440" tIns="45720" rIns="91440" bIns="45720" rtlCol="0"/>
+          <a:lstStyle>
+            <a:lvl1pPr algn="r">
+              <a:defRPr sz="1200"/>
+            </a:lvl1pPr>
+          </a:lstStyle>
+          <a:p>
+            <a:fld id="{3B8D210D-B02D-4CC9-AE5E-F417CF7F3D9F}" type="datetimeFigureOut">
+              <a:rPr lang="en-US" smtClean="0"/>
+              <a:t>1/18/2018</a:t>
+            </a:fld>
+            <a:endParaRPr lang="en-US"/>
+          </a:p>
+        </p:txBody>
+      </p:sp>
+      <p:sp>
+        <p:nvSpPr>
+          <p:cNvPr id="4" name="Slide Image Placeholder 3"/>
+          <p:cNvSpPr>
+            <a:spLocks noGrp="1" noRot="1" noChangeAspect="1"/>
+          </p:cNvSpPr>
+          <p:nvPr>
+            <p:ph type="sldImg" idx="2"/>
+          </p:nvPr>
+        </p:nvSpPr>
+        <p:spPr>
+          <a:xfrm>
+            <a:off x="685800" y="1143000"/>
+            <a:ext cx="5486400" cy="3086100"/>
+          </a:xfrm>
+          <a:prstGeom prst="rect">
+            <a:avLst/>
+          </a:prstGeom>
+          <a:noFill/>
+          <a:ln w="12700">
+            <a:solidFill>
+              <a:prstClr val="black"/>
+            </a:solidFill>
+          </a:ln>
+        </p:spPr>
+        <p:txBody>
+          <a:bodyPr vert="horz" lIns="91440" tIns="45720" rIns="91440" bIns="45720" rtlCol="0" anchor="ctr"/>
+          <a:lstStyle/>
+          <a:p>
+            <a:endParaRPr lang="en-US"/>
+          </a:p>
+        </p:txBody>
+      </p:sp>
+      <p:sp>
+        <p:nvSpPr>
+          <p:cNvPr id="5" name="Notes Placeholder 4"/>
+          <p:cNvSpPr>
+            <a:spLocks noGrp="1"/>
+          </p:cNvSpPr>
+          <p:nvPr>
+            <p:ph type="body" sz="quarter" idx="3"/>
+          </p:nvPr>
+        </p:nvSpPr>
+        <p:spPr>
+          <a:xfrm>
+            <a:off x="685800" y="4400550"/>
+            <a:ext cx="5486400" cy="3600450"/>
+          </a:xfrm>
+          <a:prstGeom prst="rect">
+            <a:avLst/>
+          </a:prstGeom>
+        </p:spPr>
+        <p:txBody>
+          <a:bodyPr vert="horz" lIns="91440" tIns="45720" rIns="91440" bIns="45720" rtlCol="0"/>
+          <a:lstStyle/>
+          <a:p>
+            <a:pPr lvl="0"/>
+            <a:r>
+              <a:rPr lang="en-US"/>
+              <a:t>Edit Master text styles</a:t>
+            </a:r>
+          </a:p>
+          <a:p>
+            <a:pPr lvl="1"/>
+            <a:r>
+              <a:rPr lang="en-US"/>
+              <a:t>Second level</a:t>
+            </a:r>
+          </a:p>
+          <a:p>
+            <a:pPr lvl="2"/>
+            <a:r>
+              <a:rPr lang="en-US"/>
+              <a:t>Third level</a:t>
+            </a:r>
+          </a:p>
+          <a:p>
+            <a:pPr lvl="3"/>
+            <a:r>
+              <a:rPr lang="en-US"/>
+              <a:t>Fourth level</a:t>
+            </a:r>
+          </a:p>
+          <a:p>
+            <a:pPr lvl="4"/>
+            <a:r>
+              <a:rPr lang="en-US"/>
+              <a:t>Fifth level</a:t>
+            </a:r>
+          </a:p>
+        </p:txBody>
+      </p:sp>
+      <p:sp>
+        <p:nvSpPr>
+          <p:cNvPr id="6" name="Footer Placeholder 5"/>
+          <p:cNvSpPr>
+            <a:spLocks noGrp="1"/>
+          </p:cNvSpPr>
+          <p:nvPr>
+            <p:ph type="ftr" sz="quarter" idx="4"/>
+          </p:nvPr>
+        </p:nvSpPr>
+        <p:spPr>
+          <a:xfrm>
+            <a:off x="0" y="8685213"/>
+            <a:ext cx="2971800" cy="458787"/>
+          </a:xfrm>
+          <a:prstGeom prst="rect">
+            <a:avLst/>
+          </a:prstGeom>
+        </p:spPr>
+        <p:txBody>
+          <a:bodyPr vert="horz" lIns="91440" tIns="45720" rIns="91440" bIns="45720" rtlCol="0" anchor="b"/>
+          <a:lstStyle>
+            <a:lvl1pPr algn="l">
+              <a:defRPr sz="1200"/>
+            </a:lvl1pPr>
+          </a:lstStyle>
+          <a:p>
+            <a:endParaRPr lang="en-US"/>
+          </a:p>
+        </p:txBody>
+      </p:sp>
+      <p:sp>
+        <p:nvSpPr>
+          <p:cNvPr id="7" name="Slide Number Placeholder 6"/>
+          <p:cNvSpPr>
+            <a:spLocks noGrp="1"/>
+          </p:cNvSpPr>
+          <p:nvPr>
+            <p:ph type="sldNum" sz="quarter" idx="5"/>
+          </p:nvPr>
+        </p:nvSpPr>
+        <p:spPr>
+          <a:xfrm>
+            <a:off x="3884613" y="8685213"/>
+            <a:ext cx="2971800" cy="458787"/>
+          </a:xfrm>
+          <a:prstGeom prst="rect">
+            <a:avLst/>
+          </a:prstGeom>
+        </p:spPr>
+        <p:txBody>
+          <a:bodyPr vert="horz" lIns="91440" tIns="45720" rIns="91440" bIns="45720" rtlCol="0" anchor="b"/>
+          <a:lstStyle>
+            <a:lvl1pPr algn="r">
+              <a:defRPr sz="1200"/>
+            </a:lvl1pPr>
+          </a:lstStyle>
+          <a:p>
+            <a:fld id="{F4C3A1A1-1896-4509-A6CA-AA2C43B4028C}" type="slidenum">
+              <a:rPr lang="en-US" smtClean="0"/>
+              <a:t>‹#›</a:t>
+            </a:fld>
+            <a:endParaRPr lang="en-US"/>
+          </a:p>
+        </p:txBody>
+      </p:sp>
+    </p:spTree>
+    <p:extLst>
+      <p:ext uri="{BB962C8B-B14F-4D97-AF65-F5344CB8AC3E}">
+        <p14:creationId xmlns:p14="http://schemas.microsoft.com/office/powerpoint/2010/main" val="3771861177"/>
+      </p:ext>
+    </p:extLst>
+  </p:cSld>
+  <p:clrMap bg1="lt1" tx1="dk1" bg2="lt2" tx2="dk2" accent1="accent1" accent2="accent2" accent3="accent3" accent4="accent4" accent5="accent5" accent6="accent6" hlink="hlink" folHlink="folHlink"/>
+  <p:notesStyle>
+    <a:lvl1pPr marL="0" algn="l" defTabSz="914400" rtl="0" eaLnBrk="1" latinLnBrk="0" hangingPunct="1">
+      <a:defRPr sz="1200" kern="1200">
+        <a:solidFill>
+          <a:schemeClr val="tx1"/>
+        </a:solidFill>
+        <a:latin typeface="+mn-lt"/>
+        <a:ea typeface="+mn-ea"/>
+        <a:cs typeface="+mn-cs"/>
+      </a:defRPr>
+    </a:lvl1pPr>
+    <a:lvl2pPr marL="457200" algn="l" defTabSz="914400" rtl="0" eaLnBrk="1" latinLnBrk="0" hangingPunct="1">
+      <a:defRPr sz="1200" kern="1200">
+        <a:solidFill>
+          <a:schemeClr val="tx1"/>
+        </a:solidFill>
+        <a:latin typeface="+mn-lt"/>
+        <a:ea typeface="+mn-ea"/>
+        <a:cs typeface="+mn-cs"/>
+      </a:defRPr>
+    </a:lvl2pPr>
+    <a:lvl3pPr marL="914400" algn="l" defTabSz="914400" rtl="0" eaLnBrk="1" latinLnBrk="0" hangingPunct="1">
+      <a:defRPr sz="1200" kern="1200">
+        <a:solidFill>
+          <a:schemeClr val="tx1"/>
+        </a:solidFill>
+        <a:latin typeface="+mn-lt"/>
+        <a:ea typeface="+mn-ea"/>
+        <a:cs typeface="+mn-cs"/>
+      </a:defRPr>
+    </a:lvl3pPr>
+    <a:lvl4pPr marL="1371600" algn="l" defTabSz="914400" rtl="0" eaLnBrk="1" latinLnBrk="0" hangingPunct="1">
+      <a:defRPr sz="1200" kern="1200">
+        <a:solidFill>
+          <a:schemeClr val="tx1"/>
+        </a:solidFill>
+        <a:latin typeface="+mn-lt"/>
+        <a:ea typeface="+mn-ea"/>
+        <a:cs typeface="+mn-cs"/>
+      </a:defRPr>
+    </a:lvl4pPr>
+    <a:lvl5pPr marL="1828800" algn="l" defTabSz="914400" rtl="0" eaLnBrk="1" latinLnBrk="0" hangingPunct="1">
+      <a:defRPr sz="1200" kern="1200">
+        <a:solidFill>
+          <a:schemeClr val="tx1"/>
+        </a:solidFill>
+        <a:latin typeface="+mn-lt"/>
+        <a:ea typeface="+mn-ea"/>
+        <a:cs typeface="+mn-cs"/>
+      </a:defRPr>
+    </a:lvl5pPr>
+    <a:lvl6pPr marL="2286000" algn="l" defTabSz="914400" rtl="0" eaLnBrk="1" latinLnBrk="0" hangingPunct="1">
+      <a:defRPr sz="1200" kern="1200">
+        <a:solidFill>
+          <a:schemeClr val="tx1"/>
+        </a:solidFill>
+        <a:latin typeface="+mn-lt"/>
+        <a:ea typeface="+mn-ea"/>
+        <a:cs typeface="+mn-cs"/>
+      </a:defRPr>
+    </a:lvl6pPr>
+    <a:lvl7pPr marL="2743200" algn="l" defTabSz="914400" rtl="0" eaLnBrk="1" latinLnBrk="0" hangingPunct="1">
+      <a:defRPr sz="1200" kern="1200">
+        <a:solidFill>
+          <a:schemeClr val="tx1"/>
+        </a:solidFill>
+        <a:latin typeface="+mn-lt"/>
+        <a:ea typeface="+mn-ea"/>
+        <a:cs typeface="+mn-cs"/>
+      </a:defRPr>
+    </a:lvl7pPr>
+    <a:lvl8pPr marL="3200400" algn="l" defTabSz="914400" rtl="0" eaLnBrk="1" latinLnBrk="0" hangingPunct="1">
+      <a:defRPr sz="1200" kern="1200">
+        <a:solidFill>
+          <a:schemeClr val="tx1"/>
+        </a:solidFill>
+        <a:latin typeface="+mn-lt"/>
+        <a:ea typeface="+mn-ea"/>
+        <a:cs typeface="+mn-cs"/>
+      </a:defRPr>
+    </a:lvl8pPr>
+    <a:lvl9pPr marL="3657600" algn="l" defTabSz="914400" rtl="0" eaLnBrk="1" latinLnBrk="0" hangingPunct="1">
+      <a:defRPr sz="1200" kern="1200">
+        <a:solidFill>
+          <a:schemeClr val="tx1"/>
+        </a:solidFill>
+        <a:latin typeface="+mn-lt"/>
+        <a:ea typeface="+mn-ea"/>
+        <a:cs typeface="+mn-cs"/>
+      </a:defRPr>
+    </a:lvl9pPr>
+  </p:notesStyle>
+</p:notesMaster>
+</file>
+
 <file path=ppt/slideLayouts/slideLayout1.xml><?xml version="1.0" encoding="utf-8"?>
 <p:sldLayout xmlns:a="http://schemas.openxmlformats.org/drawingml/2006/main" xmlns:r="http://schemas.openxmlformats.org/officeDocument/2006/relationships" xmlns:p="http://schemas.openxmlformats.org/presentationml/2006/main" type="title" preserve="1">
   <p:cSld name="Title Slide">
@@ -263,7 +616,7 @@
           <a:p>
             <a:fld id="{EF98BD90-45E9-4E46-A139-F417D8BE9175}" type="datetimeFigureOut">
               <a:rPr lang="en-US" smtClean="0"/>
-              <a:t>1/15/2018</a:t>
+              <a:t>1/18/2018</a:t>
             </a:fld>
             <a:endParaRPr lang="en-US"/>
           </a:p>
@@ -461,7 +814,7 @@
           <a:p>
             <a:fld id="{EF98BD90-45E9-4E46-A139-F417D8BE9175}" type="datetimeFigureOut">
               <a:rPr lang="en-US" smtClean="0"/>
-              <a:t>1/15/2018</a:t>
+              <a:t>1/18/2018</a:t>
             </a:fld>
             <a:endParaRPr lang="en-US"/>
           </a:p>
@@ -669,7 +1022,7 @@
           <a:p>
             <a:fld id="{EF98BD90-45E9-4E46-A139-F417D8BE9175}" type="datetimeFigureOut">
               <a:rPr lang="en-US" smtClean="0"/>
-              <a:t>1/15/2018</a:t>
+              <a:t>1/18/2018</a:t>
             </a:fld>
             <a:endParaRPr lang="en-US"/>
           </a:p>
@@ -867,7 +1220,7 @@
           <a:p>
             <a:fld id="{EF98BD90-45E9-4E46-A139-F417D8BE9175}" type="datetimeFigureOut">
               <a:rPr lang="en-US" smtClean="0"/>
-              <a:t>1/15/2018</a:t>
+              <a:t>1/18/2018</a:t>
             </a:fld>
             <a:endParaRPr lang="en-US"/>
           </a:p>
@@ -1142,7 +1495,7 @@
           <a:p>
             <a:fld id="{EF98BD90-45E9-4E46-A139-F417D8BE9175}" type="datetimeFigureOut">
               <a:rPr lang="en-US" smtClean="0"/>
-              <a:t>1/15/2018</a:t>
+              <a:t>1/18/2018</a:t>
             </a:fld>
             <a:endParaRPr lang="en-US"/>
           </a:p>
@@ -1407,7 +1760,7 @@
           <a:p>
             <a:fld id="{EF98BD90-45E9-4E46-A139-F417D8BE9175}" type="datetimeFigureOut">
               <a:rPr lang="en-US" smtClean="0"/>
-              <a:t>1/15/2018</a:t>
+              <a:t>1/18/2018</a:t>
             </a:fld>
             <a:endParaRPr lang="en-US"/>
           </a:p>
@@ -1819,7 +2172,7 @@
           <a:p>
             <a:fld id="{EF98BD90-45E9-4E46-A139-F417D8BE9175}" type="datetimeFigureOut">
               <a:rPr lang="en-US" smtClean="0"/>
-              <a:t>1/15/2018</a:t>
+              <a:t>1/18/2018</a:t>
             </a:fld>
             <a:endParaRPr lang="en-US"/>
           </a:p>
@@ -1960,7 +2313,7 @@
           <a:p>
             <a:fld id="{EF98BD90-45E9-4E46-A139-F417D8BE9175}" type="datetimeFigureOut">
               <a:rPr lang="en-US" smtClean="0"/>
-              <a:t>1/15/2018</a:t>
+              <a:t>1/18/2018</a:t>
             </a:fld>
             <a:endParaRPr lang="en-US"/>
           </a:p>
@@ -2073,7 +2426,7 @@
           <a:p>
             <a:fld id="{EF98BD90-45E9-4E46-A139-F417D8BE9175}" type="datetimeFigureOut">
               <a:rPr lang="en-US" smtClean="0"/>
-              <a:t>1/15/2018</a:t>
+              <a:t>1/18/2018</a:t>
             </a:fld>
             <a:endParaRPr lang="en-US"/>
           </a:p>
@@ -2384,7 +2737,7 @@
           <a:p>
             <a:fld id="{EF98BD90-45E9-4E46-A139-F417D8BE9175}" type="datetimeFigureOut">
               <a:rPr lang="en-US" smtClean="0"/>
-              <a:t>1/15/2018</a:t>
+              <a:t>1/18/2018</a:t>
             </a:fld>
             <a:endParaRPr lang="en-US"/>
           </a:p>
@@ -2672,7 +3025,7 @@
           <a:p>
             <a:fld id="{EF98BD90-45E9-4E46-A139-F417D8BE9175}" type="datetimeFigureOut">
               <a:rPr lang="en-US" smtClean="0"/>
-              <a:t>1/15/2018</a:t>
+              <a:t>1/18/2018</a:t>
             </a:fld>
             <a:endParaRPr lang="en-US"/>
           </a:p>
@@ -2913,7 +3266,7 @@
           <a:p>
             <a:fld id="{EF98BD90-45E9-4E46-A139-F417D8BE9175}" type="datetimeFigureOut">
               <a:rPr lang="en-US" smtClean="0"/>
-              <a:t>1/15/2018</a:t>
+              <a:t>1/18/2018</a:t>
             </a:fld>
             <a:endParaRPr lang="en-US"/>
           </a:p>
@@ -3332,10 +3685,10 @@
       </p:grpSpPr>
       <p:sp>
         <p:nvSpPr>
-          <p:cNvPr id="48" name="Rectangle: Rounded Corners 47">
-            <a:extLst>
-              <a:ext uri="{FF2B5EF4-FFF2-40B4-BE49-F238E27FC236}">
-                <a16:creationId xmlns:a16="http://schemas.microsoft.com/office/drawing/2014/main" id="{384CFC8D-6319-45B6-B997-D8FC0961E4BE}"/>
+          <p:cNvPr id="96" name="Rectangle: Rounded Corners 95">
+            <a:extLst>
+              <a:ext uri="{FF2B5EF4-FFF2-40B4-BE49-F238E27FC236}">
+                <a16:creationId xmlns:a16="http://schemas.microsoft.com/office/drawing/2014/main" id="{4C9A7CE2-D3DC-4373-9789-6859725FA605}"/>
               </a:ext>
             </a:extLst>
           </p:cNvPr>
@@ -3344,12 +3697,18 @@
         </p:nvSpPr>
         <p:spPr>
           <a:xfrm>
-            <a:off x="493275" y="3563959"/>
-            <a:ext cx="2073070" cy="1666393"/>
+            <a:off x="4152900" y="235187"/>
+            <a:ext cx="3886200" cy="609600"/>
           </a:xfrm>
           <a:prstGeom prst="roundRect">
             <a:avLst/>
           </a:prstGeom>
+          <a:solidFill>
+            <a:srgbClr val="00B0F0"/>
+          </a:solidFill>
+          <a:ln>
+            <a:noFill/>
+          </a:ln>
         </p:spPr>
         <p:style>
           <a:lnRef idx="2">
@@ -3372,33 +3731,16 @@
           <a:lstStyle/>
           <a:p>
             <a:pPr algn="ctr"/>
-            <a:r>
-              <a:rPr lang="en-US" dirty="0"/>
-              <a:t>Determine:</a:t>
-            </a:r>
-          </a:p>
-          <a:p>
-            <a:pPr algn="ctr"/>
-            <a:r>
-              <a:rPr lang="en-US" dirty="0"/>
-              <a:t>Robot Location</a:t>
-            </a:r>
-          </a:p>
-          <a:p>
-            <a:pPr algn="ctr"/>
-            <a:r>
-              <a:rPr lang="en-US" dirty="0"/>
-              <a:t>Drop-off Location</a:t>
-            </a:r>
-          </a:p>
-        </p:txBody>
-      </p:sp>
-      <p:sp>
-        <p:nvSpPr>
-          <p:cNvPr id="53" name="Rectangle: Rounded Corners 52">
-            <a:extLst>
-              <a:ext uri="{FF2B5EF4-FFF2-40B4-BE49-F238E27FC236}">
-                <a16:creationId xmlns:a16="http://schemas.microsoft.com/office/drawing/2014/main" id="{19D296FA-C70E-4C03-8BB2-201BDEF630CD}"/>
+            <a:endParaRPr lang="en-US"/>
+          </a:p>
+        </p:txBody>
+      </p:sp>
+      <p:sp>
+        <p:nvSpPr>
+          <p:cNvPr id="97" name="Rectangle: Rounded Corners 96">
+            <a:extLst>
+              <a:ext uri="{FF2B5EF4-FFF2-40B4-BE49-F238E27FC236}">
+                <a16:creationId xmlns:a16="http://schemas.microsoft.com/office/drawing/2014/main" id="{A8838581-577C-479B-9645-55C7ADF0A394}"/>
               </a:ext>
             </a:extLst>
           </p:cNvPr>
@@ -3407,12 +3749,18 @@
         </p:nvSpPr>
         <p:spPr>
           <a:xfrm>
-            <a:off x="3154592" y="2262578"/>
-            <a:ext cx="3224818" cy="4269463"/>
+            <a:off x="2800350" y="1574902"/>
+            <a:ext cx="581025" cy="542925"/>
           </a:xfrm>
           <a:prstGeom prst="roundRect">
             <a:avLst/>
           </a:prstGeom>
+          <a:solidFill>
+            <a:srgbClr val="00B050"/>
+          </a:solidFill>
+          <a:ln>
+            <a:noFill/>
+          </a:ln>
         </p:spPr>
         <p:style>
           <a:lnRef idx="2">
@@ -3435,174 +3783,19 @@
           <a:lstStyle/>
           <a:p>
             <a:pPr algn="ctr"/>
-            <a:endParaRPr lang="en-US"/>
-          </a:p>
-        </p:txBody>
-      </p:sp>
-      <p:cxnSp>
-        <p:nvCxnSpPr>
-          <p:cNvPr id="55" name="Straight Connector 54">
-            <a:extLst>
-              <a:ext uri="{FF2B5EF4-FFF2-40B4-BE49-F238E27FC236}">
-                <a16:creationId xmlns:a16="http://schemas.microsoft.com/office/drawing/2014/main" id="{EBD3ED1A-F134-45BD-BC03-B02E0D8A9338}"/>
-              </a:ext>
-            </a:extLst>
-          </p:cNvPr>
-          <p:cNvCxnSpPr>
-            <a:cxnSpLocks/>
-            <a:stCxn id="53" idx="0"/>
-            <a:endCxn id="53" idx="2"/>
-          </p:cNvCxnSpPr>
-          <p:nvPr/>
-        </p:nvCxnSpPr>
-        <p:spPr>
-          <a:xfrm>
-            <a:off x="4767001" y="2262578"/>
-            <a:ext cx="0" cy="4269463"/>
-          </a:xfrm>
-          <a:prstGeom prst="line">
-            <a:avLst/>
-          </a:prstGeom>
-          <a:ln w="38100">
-            <a:solidFill>
-              <a:schemeClr val="bg1"/>
-            </a:solidFill>
-          </a:ln>
-        </p:spPr>
-        <p:style>
-          <a:lnRef idx="1">
-            <a:schemeClr val="accent1"/>
-          </a:lnRef>
-          <a:fillRef idx="0">
-            <a:schemeClr val="accent1"/>
-          </a:fillRef>
-          <a:effectRef idx="0">
-            <a:schemeClr val="accent1"/>
-          </a:effectRef>
-          <a:fontRef idx="minor">
-            <a:schemeClr val="tx1"/>
-          </a:fontRef>
-        </p:style>
-      </p:cxnSp>
-      <p:cxnSp>
-        <p:nvCxnSpPr>
-          <p:cNvPr id="56" name="Straight Connector 55">
-            <a:extLst>
-              <a:ext uri="{FF2B5EF4-FFF2-40B4-BE49-F238E27FC236}">
-                <a16:creationId xmlns:a16="http://schemas.microsoft.com/office/drawing/2014/main" id="{BC2CD091-27D5-4A59-9C00-3159C7489CA6}"/>
-              </a:ext>
-            </a:extLst>
-          </p:cNvPr>
-          <p:cNvCxnSpPr>
-            <a:cxnSpLocks/>
-          </p:cNvCxnSpPr>
-          <p:nvPr/>
-        </p:nvCxnSpPr>
-        <p:spPr>
-          <a:xfrm flipH="1">
-            <a:off x="3138222" y="2798244"/>
-            <a:ext cx="3312007" cy="0"/>
-          </a:xfrm>
-          <a:prstGeom prst="line">
-            <a:avLst/>
-          </a:prstGeom>
-          <a:ln w="38100">
-            <a:solidFill>
-              <a:schemeClr val="bg1"/>
-            </a:solidFill>
-          </a:ln>
-        </p:spPr>
-        <p:style>
-          <a:lnRef idx="1">
-            <a:schemeClr val="accent1"/>
-          </a:lnRef>
-          <a:fillRef idx="0">
-            <a:schemeClr val="accent1"/>
-          </a:fillRef>
-          <a:effectRef idx="0">
-            <a:schemeClr val="accent1"/>
-          </a:effectRef>
-          <a:fontRef idx="minor">
-            <a:schemeClr val="tx1"/>
-          </a:fontRef>
-        </p:style>
-      </p:cxnSp>
-      <p:sp>
-        <p:nvSpPr>
-          <p:cNvPr id="63" name="TextBox 62">
-            <a:extLst>
-              <a:ext uri="{FF2B5EF4-FFF2-40B4-BE49-F238E27FC236}">
-                <a16:creationId xmlns:a16="http://schemas.microsoft.com/office/drawing/2014/main" id="{F1F0DA36-44EE-4B21-BA0E-2C5F06BEACF2}"/>
-              </a:ext>
-            </a:extLst>
-          </p:cNvPr>
-          <p:cNvSpPr txBox="1"/>
-          <p:nvPr/>
-        </p:nvSpPr>
-        <p:spPr>
-          <a:xfrm>
-            <a:off x="3769625" y="2234003"/>
-            <a:ext cx="357790" cy="584775"/>
-          </a:xfrm>
-          <a:prstGeom prst="rect">
-            <a:avLst/>
-          </a:prstGeom>
-          <a:noFill/>
-        </p:spPr>
-        <p:txBody>
-          <a:bodyPr wrap="none" rtlCol="0">
-            <a:spAutoFit/>
-          </a:bodyPr>
-          <a:lstStyle/>
-          <a:p>
             <a:r>
               <a:rPr lang="en-US" sz="3200" dirty="0"/>
-              <a:t>L</a:t>
-            </a:r>
-          </a:p>
-        </p:txBody>
-      </p:sp>
-      <p:sp>
-        <p:nvSpPr>
-          <p:cNvPr id="64" name="TextBox 63">
-            <a:extLst>
-              <a:ext uri="{FF2B5EF4-FFF2-40B4-BE49-F238E27FC236}">
-                <a16:creationId xmlns:a16="http://schemas.microsoft.com/office/drawing/2014/main" id="{ED399435-9376-4DCD-AAD3-DFFA1A7A73C7}"/>
-              </a:ext>
-            </a:extLst>
-          </p:cNvPr>
-          <p:cNvSpPr txBox="1"/>
-          <p:nvPr/>
-        </p:nvSpPr>
-        <p:spPr>
-          <a:xfrm>
-            <a:off x="5235553" y="2223736"/>
-            <a:ext cx="407484" cy="584775"/>
-          </a:xfrm>
-          <a:prstGeom prst="rect">
-            <a:avLst/>
-          </a:prstGeom>
-          <a:noFill/>
-        </p:spPr>
-        <p:txBody>
-          <a:bodyPr wrap="none" rtlCol="0">
-            <a:spAutoFit/>
-          </a:bodyPr>
-          <a:lstStyle/>
-          <a:p>
-            <a:r>
-              <a:rPr lang="en-US" sz="3200" dirty="0"/>
-              <a:t>R</a:t>
-            </a:r>
-          </a:p>
-        </p:txBody>
-      </p:sp>
-      <p:sp>
-        <p:nvSpPr>
-          <p:cNvPr id="66" name="Rectangle: Rounded Corners 65">
-            <a:extLst>
-              <a:ext uri="{FF2B5EF4-FFF2-40B4-BE49-F238E27FC236}">
-                <a16:creationId xmlns:a16="http://schemas.microsoft.com/office/drawing/2014/main" id="{BEEA7366-3F31-40CB-BFCD-36BB2BB1A3EB}"/>
+              <a:t>A</a:t>
+            </a:r>
+          </a:p>
+        </p:txBody>
+      </p:sp>
+      <p:sp>
+        <p:nvSpPr>
+          <p:cNvPr id="98" name="Rectangle: Rounded Corners 97">
+            <a:extLst>
+              <a:ext uri="{FF2B5EF4-FFF2-40B4-BE49-F238E27FC236}">
+                <a16:creationId xmlns:a16="http://schemas.microsoft.com/office/drawing/2014/main" id="{608F46EC-C302-4650-A41A-37438D90A9F5}"/>
               </a:ext>
             </a:extLst>
           </p:cNvPr>
@@ -3611,14 +3804,14 @@
         </p:nvSpPr>
         <p:spPr>
           <a:xfrm>
-            <a:off x="3222240" y="2926458"/>
-            <a:ext cx="1413220" cy="1023444"/>
+            <a:off x="5776912" y="1574902"/>
+            <a:ext cx="581025" cy="542925"/>
           </a:xfrm>
           <a:prstGeom prst="roundRect">
             <a:avLst/>
           </a:prstGeom>
           <a:solidFill>
-            <a:srgbClr val="00B050"/>
+            <a:srgbClr val="FFC000"/>
           </a:solidFill>
           <a:ln>
             <a:noFill/>
@@ -3646,19 +3839,18 @@
           <a:p>
             <a:pPr algn="ctr"/>
             <a:r>
-              <a:rPr lang="en-US" dirty="0"/>
-              <a:t>↑ Y, → Z</a:t>
-            </a:r>
-            <a:endParaRPr lang="en-US" sz="1600" dirty="0"/>
-          </a:p>
-        </p:txBody>
-      </p:sp>
-      <p:sp>
-        <p:nvSpPr>
-          <p:cNvPr id="75" name="Rectangle: Rounded Corners 74">
-            <a:extLst>
-              <a:ext uri="{FF2B5EF4-FFF2-40B4-BE49-F238E27FC236}">
-                <a16:creationId xmlns:a16="http://schemas.microsoft.com/office/drawing/2014/main" id="{B75C2FFB-CA94-47D8-B059-4337AC97C6A1}"/>
+              <a:rPr lang="en-US" sz="3200" dirty="0"/>
+              <a:t>B</a:t>
+            </a:r>
+          </a:p>
+        </p:txBody>
+      </p:sp>
+      <p:sp>
+        <p:nvSpPr>
+          <p:cNvPr id="99" name="Rectangle: Rounded Corners 98">
+            <a:extLst>
+              <a:ext uri="{FF2B5EF4-FFF2-40B4-BE49-F238E27FC236}">
+                <a16:creationId xmlns:a16="http://schemas.microsoft.com/office/drawing/2014/main" id="{E515E69B-59C9-47AC-A092-374FC5AD1395}"/>
               </a:ext>
             </a:extLst>
           </p:cNvPr>
@@ -3667,64 +3859,8 @@
         </p:nvSpPr>
         <p:spPr>
           <a:xfrm>
-            <a:off x="3222240" y="4044331"/>
-            <a:ext cx="1413220" cy="1023444"/>
-          </a:xfrm>
-          <a:prstGeom prst="roundRect">
-            <a:avLst/>
-          </a:prstGeom>
-          <a:solidFill>
-            <a:srgbClr val="FFC000"/>
-          </a:solidFill>
-          <a:ln>
-            <a:noFill/>
-          </a:ln>
-        </p:spPr>
-        <p:style>
-          <a:lnRef idx="2">
-            <a:schemeClr val="accent1">
-              <a:shade val="50000"/>
-            </a:schemeClr>
-          </a:lnRef>
-          <a:fillRef idx="1">
-            <a:schemeClr val="accent1"/>
-          </a:fillRef>
-          <a:effectRef idx="0">
-            <a:schemeClr val="accent1"/>
-          </a:effectRef>
-          <a:fontRef idx="minor">
-            <a:schemeClr val="lt1"/>
-          </a:fontRef>
-        </p:style>
-        <p:txBody>
-          <a:bodyPr rtlCol="0" anchor="ctr"/>
-          <a:lstStyle/>
-          <a:p>
-            <a:pPr algn="ctr"/>
-            <a:r>
-              <a:rPr lang="en-US" dirty="0"/>
-              <a:t>← X, ↑ Y, turn → </a:t>
-            </a:r>
-            <a:endParaRPr lang="en-US" sz="1600" dirty="0"/>
-          </a:p>
-        </p:txBody>
-      </p:sp>
-      <p:sp>
-        <p:nvSpPr>
-          <p:cNvPr id="76" name="Rectangle: Rounded Corners 75">
-            <a:extLst>
-              <a:ext uri="{FF2B5EF4-FFF2-40B4-BE49-F238E27FC236}">
-                <a16:creationId xmlns:a16="http://schemas.microsoft.com/office/drawing/2014/main" id="{38B2E6D1-7629-4760-AA7A-86870AC31988}"/>
-              </a:ext>
-            </a:extLst>
-          </p:cNvPr>
-          <p:cNvSpPr/>
-          <p:nvPr/>
-        </p:nvSpPr>
-        <p:spPr>
-          <a:xfrm>
-            <a:off x="3222240" y="5156405"/>
-            <a:ext cx="1413220" cy="1023444"/>
+            <a:off x="8753474" y="1574901"/>
+            <a:ext cx="581025" cy="542925"/>
           </a:xfrm>
           <a:prstGeom prst="roundRect">
             <a:avLst/>
@@ -3760,647 +3896,6 @@
           <a:p>
             <a:pPr algn="ctr"/>
             <a:r>
-              <a:rPr lang="en-US" sz="1600" dirty="0"/>
-              <a:t>← (2X + Z), ↑ Y, turn → </a:t>
-            </a:r>
-          </a:p>
-        </p:txBody>
-      </p:sp>
-      <p:sp>
-        <p:nvSpPr>
-          <p:cNvPr id="78" name="Rectangle: Rounded Corners 77">
-            <a:extLst>
-              <a:ext uri="{FF2B5EF4-FFF2-40B4-BE49-F238E27FC236}">
-                <a16:creationId xmlns:a16="http://schemas.microsoft.com/office/drawing/2014/main" id="{CEA29E1D-1AB6-40F6-97CC-B5D697ECDA84}"/>
-              </a:ext>
-            </a:extLst>
-          </p:cNvPr>
-          <p:cNvSpPr/>
-          <p:nvPr/>
-        </p:nvSpPr>
-        <p:spPr>
-          <a:xfrm>
-            <a:off x="4873843" y="2926458"/>
-            <a:ext cx="1413220" cy="1023444"/>
-          </a:xfrm>
-          <a:prstGeom prst="roundRect">
-            <a:avLst/>
-          </a:prstGeom>
-          <a:solidFill>
-            <a:srgbClr val="00B050"/>
-          </a:solidFill>
-          <a:ln>
-            <a:noFill/>
-          </a:ln>
-        </p:spPr>
-        <p:style>
-          <a:lnRef idx="2">
-            <a:schemeClr val="accent1">
-              <a:shade val="50000"/>
-            </a:schemeClr>
-          </a:lnRef>
-          <a:fillRef idx="1">
-            <a:schemeClr val="accent1"/>
-          </a:fillRef>
-          <a:effectRef idx="0">
-            <a:schemeClr val="accent1"/>
-          </a:effectRef>
-          <a:fontRef idx="minor">
-            <a:schemeClr val="lt1"/>
-          </a:fontRef>
-        </p:style>
-        <p:txBody>
-          <a:bodyPr rtlCol="0" anchor="ctr"/>
-          <a:lstStyle/>
-          <a:p>
-            <a:pPr algn="ctr"/>
-            <a:r>
-              <a:rPr lang="en-US" dirty="0"/>
-              <a:t>→ (2X + Z), ↑ Y, turn ← </a:t>
-            </a:r>
-            <a:endParaRPr lang="en-US" sz="1600" dirty="0"/>
-          </a:p>
-        </p:txBody>
-      </p:sp>
-      <p:sp>
-        <p:nvSpPr>
-          <p:cNvPr id="79" name="Rectangle: Rounded Corners 78">
-            <a:extLst>
-              <a:ext uri="{FF2B5EF4-FFF2-40B4-BE49-F238E27FC236}">
-                <a16:creationId xmlns:a16="http://schemas.microsoft.com/office/drawing/2014/main" id="{2B05A100-F704-40BD-9591-E8990128A2E8}"/>
-              </a:ext>
-            </a:extLst>
-          </p:cNvPr>
-          <p:cNvSpPr/>
-          <p:nvPr/>
-        </p:nvSpPr>
-        <p:spPr>
-          <a:xfrm>
-            <a:off x="4873843" y="4044331"/>
-            <a:ext cx="1413220" cy="1023444"/>
-          </a:xfrm>
-          <a:prstGeom prst="roundRect">
-            <a:avLst/>
-          </a:prstGeom>
-          <a:solidFill>
-            <a:srgbClr val="FFC000"/>
-          </a:solidFill>
-          <a:ln>
-            <a:noFill/>
-          </a:ln>
-        </p:spPr>
-        <p:style>
-          <a:lnRef idx="2">
-            <a:schemeClr val="accent1">
-              <a:shade val="50000"/>
-            </a:schemeClr>
-          </a:lnRef>
-          <a:fillRef idx="1">
-            <a:schemeClr val="accent1"/>
-          </a:fillRef>
-          <a:effectRef idx="0">
-            <a:schemeClr val="accent1"/>
-          </a:effectRef>
-          <a:fontRef idx="minor">
-            <a:schemeClr val="lt1"/>
-          </a:fontRef>
-        </p:style>
-        <p:txBody>
-          <a:bodyPr rtlCol="0" anchor="ctr"/>
-          <a:lstStyle/>
-          <a:p>
-            <a:pPr algn="ctr"/>
-            <a:r>
-              <a:rPr lang="en-US" sz="1600" dirty="0"/>
-              <a:t>→ X, ↑ Y, turn ←</a:t>
-            </a:r>
-          </a:p>
-        </p:txBody>
-      </p:sp>
-      <p:sp>
-        <p:nvSpPr>
-          <p:cNvPr id="80" name="Rectangle: Rounded Corners 79">
-            <a:extLst>
-              <a:ext uri="{FF2B5EF4-FFF2-40B4-BE49-F238E27FC236}">
-                <a16:creationId xmlns:a16="http://schemas.microsoft.com/office/drawing/2014/main" id="{4EB27213-D3CC-45A3-AA34-1F8A508B078C}"/>
-              </a:ext>
-            </a:extLst>
-          </p:cNvPr>
-          <p:cNvSpPr/>
-          <p:nvPr/>
-        </p:nvSpPr>
-        <p:spPr>
-          <a:xfrm>
-            <a:off x="4873843" y="5156405"/>
-            <a:ext cx="1413220" cy="1023444"/>
-          </a:xfrm>
-          <a:prstGeom prst="roundRect">
-            <a:avLst/>
-          </a:prstGeom>
-          <a:solidFill>
-            <a:schemeClr val="accent2">
-              <a:lumMod val="75000"/>
-            </a:schemeClr>
-          </a:solidFill>
-          <a:ln>
-            <a:noFill/>
-          </a:ln>
-        </p:spPr>
-        <p:style>
-          <a:lnRef idx="2">
-            <a:schemeClr val="accent1">
-              <a:shade val="50000"/>
-            </a:schemeClr>
-          </a:lnRef>
-          <a:fillRef idx="1">
-            <a:schemeClr val="accent1"/>
-          </a:fillRef>
-          <a:effectRef idx="0">
-            <a:schemeClr val="accent1"/>
-          </a:effectRef>
-          <a:fontRef idx="minor">
-            <a:schemeClr val="lt1"/>
-          </a:fontRef>
-        </p:style>
-        <p:txBody>
-          <a:bodyPr rtlCol="0" anchor="ctr"/>
-          <a:lstStyle/>
-          <a:p>
-            <a:pPr algn="ctr"/>
-            <a:r>
-              <a:rPr lang="en-US" sz="1600" dirty="0"/>
-              <a:t>↑ Y, ← Z</a:t>
-            </a:r>
-          </a:p>
-        </p:txBody>
-      </p:sp>
-      <p:sp>
-        <p:nvSpPr>
-          <p:cNvPr id="91" name="Rectangle: Rounded Corners 90">
-            <a:extLst>
-              <a:ext uri="{FF2B5EF4-FFF2-40B4-BE49-F238E27FC236}">
-                <a16:creationId xmlns:a16="http://schemas.microsoft.com/office/drawing/2014/main" id="{B07557A8-9E5A-40FF-8E0A-C8B638675164}"/>
-              </a:ext>
-            </a:extLst>
-          </p:cNvPr>
-          <p:cNvSpPr/>
-          <p:nvPr/>
-        </p:nvSpPr>
-        <p:spPr>
-          <a:xfrm>
-            <a:off x="6964131" y="3885590"/>
-            <a:ext cx="2055376" cy="1023435"/>
-          </a:xfrm>
-          <a:prstGeom prst="roundRect">
-            <a:avLst/>
-          </a:prstGeom>
-        </p:spPr>
-        <p:style>
-          <a:lnRef idx="2">
-            <a:schemeClr val="accent1">
-              <a:shade val="50000"/>
-            </a:schemeClr>
-          </a:lnRef>
-          <a:fillRef idx="1">
-            <a:schemeClr val="accent1"/>
-          </a:fillRef>
-          <a:effectRef idx="0">
-            <a:schemeClr val="accent1"/>
-          </a:effectRef>
-          <a:fontRef idx="minor">
-            <a:schemeClr val="lt1"/>
-          </a:fontRef>
-        </p:style>
-        <p:txBody>
-          <a:bodyPr rtlCol="0" anchor="ctr"/>
-          <a:lstStyle/>
-          <a:p>
-            <a:pPr algn="ctr"/>
-            <a:r>
-              <a:rPr lang="en-US" dirty="0"/>
-              <a:t>Drop off block</a:t>
-            </a:r>
-          </a:p>
-        </p:txBody>
-      </p:sp>
-      <p:sp>
-        <p:nvSpPr>
-          <p:cNvPr id="92" name="Rectangle: Rounded Corners 91">
-            <a:extLst>
-              <a:ext uri="{FF2B5EF4-FFF2-40B4-BE49-F238E27FC236}">
-                <a16:creationId xmlns:a16="http://schemas.microsoft.com/office/drawing/2014/main" id="{4E415B47-11EE-4877-A289-AFFE939F3504}"/>
-              </a:ext>
-            </a:extLst>
-          </p:cNvPr>
-          <p:cNvSpPr/>
-          <p:nvPr/>
-        </p:nvSpPr>
-        <p:spPr>
-          <a:xfrm>
-            <a:off x="9632803" y="3885590"/>
-            <a:ext cx="2055376" cy="1023435"/>
-          </a:xfrm>
-          <a:prstGeom prst="roundRect">
-            <a:avLst/>
-          </a:prstGeom>
-        </p:spPr>
-        <p:style>
-          <a:lnRef idx="2">
-            <a:schemeClr val="accent1">
-              <a:shade val="50000"/>
-            </a:schemeClr>
-          </a:lnRef>
-          <a:fillRef idx="1">
-            <a:schemeClr val="accent1"/>
-          </a:fillRef>
-          <a:effectRef idx="0">
-            <a:schemeClr val="accent1"/>
-          </a:effectRef>
-          <a:fontRef idx="minor">
-            <a:schemeClr val="lt1"/>
-          </a:fontRef>
-        </p:style>
-        <p:txBody>
-          <a:bodyPr rtlCol="0" anchor="ctr"/>
-          <a:lstStyle/>
-          <a:p>
-            <a:pPr algn="ctr"/>
-            <a:r>
-              <a:rPr lang="en-US" dirty="0"/>
-              <a:t>Start teleop</a:t>
-            </a:r>
-          </a:p>
-        </p:txBody>
-      </p:sp>
-      <p:sp>
-        <p:nvSpPr>
-          <p:cNvPr id="93" name="Arrow: Right 92">
-            <a:extLst>
-              <a:ext uri="{FF2B5EF4-FFF2-40B4-BE49-F238E27FC236}">
-                <a16:creationId xmlns:a16="http://schemas.microsoft.com/office/drawing/2014/main" id="{EC3641A7-EB36-445D-9E91-BFD78426A410}"/>
-              </a:ext>
-            </a:extLst>
-          </p:cNvPr>
-          <p:cNvSpPr/>
-          <p:nvPr/>
-        </p:nvSpPr>
-        <p:spPr>
-          <a:xfrm>
-            <a:off x="2632115" y="3949902"/>
-            <a:ext cx="497778" cy="871537"/>
-          </a:xfrm>
-          <a:prstGeom prst="rightArrow">
-            <a:avLst/>
-          </a:prstGeom>
-          <a:solidFill>
-            <a:srgbClr val="3ABCCE"/>
-          </a:solidFill>
-          <a:ln>
-            <a:noFill/>
-          </a:ln>
-        </p:spPr>
-        <p:style>
-          <a:lnRef idx="2">
-            <a:schemeClr val="accent1">
-              <a:shade val="50000"/>
-            </a:schemeClr>
-          </a:lnRef>
-          <a:fillRef idx="1">
-            <a:schemeClr val="accent1"/>
-          </a:fillRef>
-          <a:effectRef idx="0">
-            <a:schemeClr val="accent1"/>
-          </a:effectRef>
-          <a:fontRef idx="minor">
-            <a:schemeClr val="lt1"/>
-          </a:fontRef>
-        </p:style>
-        <p:txBody>
-          <a:bodyPr rtlCol="0" anchor="ctr"/>
-          <a:lstStyle/>
-          <a:p>
-            <a:pPr algn="ctr"/>
-            <a:endParaRPr lang="en-US"/>
-          </a:p>
-        </p:txBody>
-      </p:sp>
-      <p:sp>
-        <p:nvSpPr>
-          <p:cNvPr id="94" name="Arrow: Right 93">
-            <a:extLst>
-              <a:ext uri="{FF2B5EF4-FFF2-40B4-BE49-F238E27FC236}">
-                <a16:creationId xmlns:a16="http://schemas.microsoft.com/office/drawing/2014/main" id="{E27142F3-012E-4C77-A437-46606B393C0D}"/>
-              </a:ext>
-            </a:extLst>
-          </p:cNvPr>
-          <p:cNvSpPr/>
-          <p:nvPr/>
-        </p:nvSpPr>
-        <p:spPr>
-          <a:xfrm>
-            <a:off x="6447058" y="3961538"/>
-            <a:ext cx="497778" cy="871537"/>
-          </a:xfrm>
-          <a:prstGeom prst="rightArrow">
-            <a:avLst/>
-          </a:prstGeom>
-          <a:solidFill>
-            <a:srgbClr val="3ABCCE"/>
-          </a:solidFill>
-          <a:ln>
-            <a:noFill/>
-          </a:ln>
-        </p:spPr>
-        <p:style>
-          <a:lnRef idx="2">
-            <a:schemeClr val="accent1">
-              <a:shade val="50000"/>
-            </a:schemeClr>
-          </a:lnRef>
-          <a:fillRef idx="1">
-            <a:schemeClr val="accent1"/>
-          </a:fillRef>
-          <a:effectRef idx="0">
-            <a:schemeClr val="accent1"/>
-          </a:effectRef>
-          <a:fontRef idx="minor">
-            <a:schemeClr val="lt1"/>
-          </a:fontRef>
-        </p:style>
-        <p:txBody>
-          <a:bodyPr rtlCol="0" anchor="ctr"/>
-          <a:lstStyle/>
-          <a:p>
-            <a:pPr algn="ctr"/>
-            <a:endParaRPr lang="en-US"/>
-          </a:p>
-        </p:txBody>
-      </p:sp>
-      <p:sp>
-        <p:nvSpPr>
-          <p:cNvPr id="95" name="Arrow: Right 94">
-            <a:extLst>
-              <a:ext uri="{FF2B5EF4-FFF2-40B4-BE49-F238E27FC236}">
-                <a16:creationId xmlns:a16="http://schemas.microsoft.com/office/drawing/2014/main" id="{03A25D2B-A74A-41A7-8071-6AE94798439E}"/>
-              </a:ext>
-            </a:extLst>
-          </p:cNvPr>
-          <p:cNvSpPr/>
-          <p:nvPr/>
-        </p:nvSpPr>
-        <p:spPr>
-          <a:xfrm>
-            <a:off x="9101688" y="3961388"/>
-            <a:ext cx="497778" cy="871537"/>
-          </a:xfrm>
-          <a:prstGeom prst="rightArrow">
-            <a:avLst/>
-          </a:prstGeom>
-          <a:solidFill>
-            <a:srgbClr val="3ABCCE"/>
-          </a:solidFill>
-          <a:ln>
-            <a:noFill/>
-          </a:ln>
-        </p:spPr>
-        <p:style>
-          <a:lnRef idx="2">
-            <a:schemeClr val="accent1">
-              <a:shade val="50000"/>
-            </a:schemeClr>
-          </a:lnRef>
-          <a:fillRef idx="1">
-            <a:schemeClr val="accent1"/>
-          </a:fillRef>
-          <a:effectRef idx="0">
-            <a:schemeClr val="accent1"/>
-          </a:effectRef>
-          <a:fontRef idx="minor">
-            <a:schemeClr val="lt1"/>
-          </a:fontRef>
-        </p:style>
-        <p:txBody>
-          <a:bodyPr rtlCol="0" anchor="ctr"/>
-          <a:lstStyle/>
-          <a:p>
-            <a:pPr algn="ctr"/>
-            <a:endParaRPr lang="en-US"/>
-          </a:p>
-        </p:txBody>
-      </p:sp>
-      <p:sp>
-        <p:nvSpPr>
-          <p:cNvPr id="96" name="Rectangle: Rounded Corners 95">
-            <a:extLst>
-              <a:ext uri="{FF2B5EF4-FFF2-40B4-BE49-F238E27FC236}">
-                <a16:creationId xmlns:a16="http://schemas.microsoft.com/office/drawing/2014/main" id="{4C9A7CE2-D3DC-4373-9789-6859725FA605}"/>
-              </a:ext>
-            </a:extLst>
-          </p:cNvPr>
-          <p:cNvSpPr/>
-          <p:nvPr/>
-        </p:nvSpPr>
-        <p:spPr>
-          <a:xfrm>
-            <a:off x="4152900" y="235187"/>
-            <a:ext cx="3886200" cy="609600"/>
-          </a:xfrm>
-          <a:prstGeom prst="roundRect">
-            <a:avLst/>
-          </a:prstGeom>
-          <a:solidFill>
-            <a:srgbClr val="00B0F0"/>
-          </a:solidFill>
-          <a:ln>
-            <a:noFill/>
-          </a:ln>
-        </p:spPr>
-        <p:style>
-          <a:lnRef idx="2">
-            <a:schemeClr val="accent1">
-              <a:shade val="50000"/>
-            </a:schemeClr>
-          </a:lnRef>
-          <a:fillRef idx="1">
-            <a:schemeClr val="accent1"/>
-          </a:fillRef>
-          <a:effectRef idx="0">
-            <a:schemeClr val="accent1"/>
-          </a:effectRef>
-          <a:fontRef idx="minor">
-            <a:schemeClr val="lt1"/>
-          </a:fontRef>
-        </p:style>
-        <p:txBody>
-          <a:bodyPr rtlCol="0" anchor="ctr"/>
-          <a:lstStyle/>
-          <a:p>
-            <a:pPr algn="ctr"/>
-            <a:endParaRPr lang="en-US"/>
-          </a:p>
-        </p:txBody>
-      </p:sp>
-      <p:sp>
-        <p:nvSpPr>
-          <p:cNvPr id="97" name="Rectangle: Rounded Corners 96">
-            <a:extLst>
-              <a:ext uri="{FF2B5EF4-FFF2-40B4-BE49-F238E27FC236}">
-                <a16:creationId xmlns:a16="http://schemas.microsoft.com/office/drawing/2014/main" id="{A8838581-577C-479B-9645-55C7ADF0A394}"/>
-              </a:ext>
-            </a:extLst>
-          </p:cNvPr>
-          <p:cNvSpPr/>
-          <p:nvPr/>
-        </p:nvSpPr>
-        <p:spPr>
-          <a:xfrm>
-            <a:off x="2800350" y="955777"/>
-            <a:ext cx="581025" cy="542925"/>
-          </a:xfrm>
-          <a:prstGeom prst="roundRect">
-            <a:avLst/>
-          </a:prstGeom>
-          <a:solidFill>
-            <a:srgbClr val="00B050"/>
-          </a:solidFill>
-          <a:ln>
-            <a:noFill/>
-          </a:ln>
-        </p:spPr>
-        <p:style>
-          <a:lnRef idx="2">
-            <a:schemeClr val="accent1">
-              <a:shade val="50000"/>
-            </a:schemeClr>
-          </a:lnRef>
-          <a:fillRef idx="1">
-            <a:schemeClr val="accent1"/>
-          </a:fillRef>
-          <a:effectRef idx="0">
-            <a:schemeClr val="accent1"/>
-          </a:effectRef>
-          <a:fontRef idx="minor">
-            <a:schemeClr val="lt1"/>
-          </a:fontRef>
-        </p:style>
-        <p:txBody>
-          <a:bodyPr rtlCol="0" anchor="ctr"/>
-          <a:lstStyle/>
-          <a:p>
-            <a:pPr algn="ctr"/>
-            <a:r>
-              <a:rPr lang="en-US" sz="3200" dirty="0"/>
-              <a:t>A</a:t>
-            </a:r>
-          </a:p>
-        </p:txBody>
-      </p:sp>
-      <p:sp>
-        <p:nvSpPr>
-          <p:cNvPr id="98" name="Rectangle: Rounded Corners 97">
-            <a:extLst>
-              <a:ext uri="{FF2B5EF4-FFF2-40B4-BE49-F238E27FC236}">
-                <a16:creationId xmlns:a16="http://schemas.microsoft.com/office/drawing/2014/main" id="{608F46EC-C302-4650-A41A-37438D90A9F5}"/>
-              </a:ext>
-            </a:extLst>
-          </p:cNvPr>
-          <p:cNvSpPr/>
-          <p:nvPr/>
-        </p:nvSpPr>
-        <p:spPr>
-          <a:xfrm>
-            <a:off x="5776912" y="955777"/>
-            <a:ext cx="581025" cy="542925"/>
-          </a:xfrm>
-          <a:prstGeom prst="roundRect">
-            <a:avLst/>
-          </a:prstGeom>
-          <a:solidFill>
-            <a:srgbClr val="FFC000"/>
-          </a:solidFill>
-          <a:ln>
-            <a:noFill/>
-          </a:ln>
-        </p:spPr>
-        <p:style>
-          <a:lnRef idx="2">
-            <a:schemeClr val="accent1">
-              <a:shade val="50000"/>
-            </a:schemeClr>
-          </a:lnRef>
-          <a:fillRef idx="1">
-            <a:schemeClr val="accent1"/>
-          </a:fillRef>
-          <a:effectRef idx="0">
-            <a:schemeClr val="accent1"/>
-          </a:effectRef>
-          <a:fontRef idx="minor">
-            <a:schemeClr val="lt1"/>
-          </a:fontRef>
-        </p:style>
-        <p:txBody>
-          <a:bodyPr rtlCol="0" anchor="ctr"/>
-          <a:lstStyle/>
-          <a:p>
-            <a:pPr algn="ctr"/>
-            <a:r>
-              <a:rPr lang="en-US" sz="3200" dirty="0"/>
-              <a:t>B</a:t>
-            </a:r>
-          </a:p>
-        </p:txBody>
-      </p:sp>
-      <p:sp>
-        <p:nvSpPr>
-          <p:cNvPr id="99" name="Rectangle: Rounded Corners 98">
-            <a:extLst>
-              <a:ext uri="{FF2B5EF4-FFF2-40B4-BE49-F238E27FC236}">
-                <a16:creationId xmlns:a16="http://schemas.microsoft.com/office/drawing/2014/main" id="{E515E69B-59C9-47AC-A092-374FC5AD1395}"/>
-              </a:ext>
-            </a:extLst>
-          </p:cNvPr>
-          <p:cNvSpPr/>
-          <p:nvPr/>
-        </p:nvSpPr>
-        <p:spPr>
-          <a:xfrm>
-            <a:off x="8753474" y="955776"/>
-            <a:ext cx="581025" cy="542925"/>
-          </a:xfrm>
-          <a:prstGeom prst="roundRect">
-            <a:avLst/>
-          </a:prstGeom>
-          <a:solidFill>
-            <a:schemeClr val="accent2">
-              <a:lumMod val="75000"/>
-            </a:schemeClr>
-          </a:solidFill>
-          <a:ln>
-            <a:noFill/>
-          </a:ln>
-        </p:spPr>
-        <p:style>
-          <a:lnRef idx="2">
-            <a:schemeClr val="accent1">
-              <a:shade val="50000"/>
-            </a:schemeClr>
-          </a:lnRef>
-          <a:fillRef idx="1">
-            <a:schemeClr val="accent1"/>
-          </a:fillRef>
-          <a:effectRef idx="0">
-            <a:schemeClr val="accent1"/>
-          </a:effectRef>
-          <a:fontRef idx="minor">
-            <a:schemeClr val="lt1"/>
-          </a:fontRef>
-        </p:style>
-        <p:txBody>
-          <a:bodyPr rtlCol="0" anchor="ctr"/>
-          <a:lstStyle/>
-          <a:p>
-            <a:pPr algn="ctr"/>
-            <a:r>
               <a:rPr lang="en-US" sz="3200" dirty="0"/>
               <a:t>C</a:t>
             </a:r>
@@ -4421,7 +3916,7 @@
         </p:nvCxnSpPr>
         <p:spPr>
           <a:xfrm>
-            <a:off x="-28576" y="914849"/>
+            <a:off x="26944" y="1422950"/>
             <a:ext cx="12192000" cy="0"/>
           </a:xfrm>
           <a:prstGeom prst="line">
@@ -4528,47 +4023,6 @@
               </a:ext>
             </a:extLst>
           </p:cNvPr>
-          <p:cNvCxnSpPr/>
-          <p:nvPr/>
-        </p:nvCxnSpPr>
-        <p:spPr>
-          <a:xfrm flipH="1">
-            <a:off x="2381250" y="1227238"/>
-            <a:ext cx="342900" cy="0"/>
-          </a:xfrm>
-          <a:prstGeom prst="line">
-            <a:avLst/>
-          </a:prstGeom>
-          <a:ln w="19050">
-            <a:solidFill>
-              <a:srgbClr val="0070C0"/>
-            </a:solidFill>
-          </a:ln>
-        </p:spPr>
-        <p:style>
-          <a:lnRef idx="1">
-            <a:schemeClr val="accent1"/>
-          </a:lnRef>
-          <a:fillRef idx="0">
-            <a:schemeClr val="accent1"/>
-          </a:fillRef>
-          <a:effectRef idx="0">
-            <a:schemeClr val="accent1"/>
-          </a:effectRef>
-          <a:fontRef idx="minor">
-            <a:schemeClr val="tx1"/>
-          </a:fontRef>
-        </p:style>
-      </p:cxnSp>
-      <p:cxnSp>
-        <p:nvCxnSpPr>
-          <p:cNvPr id="104" name="Straight Connector 103">
-            <a:extLst>
-              <a:ext uri="{FF2B5EF4-FFF2-40B4-BE49-F238E27FC236}">
-                <a16:creationId xmlns:a16="http://schemas.microsoft.com/office/drawing/2014/main" id="{777E7606-67F1-48CA-82F1-B2ADA8C1901D}"/>
-              </a:ext>
-            </a:extLst>
-          </p:cNvPr>
           <p:cNvCxnSpPr>
             <a:cxnSpLocks/>
           </p:cNvCxnSpPr>
@@ -4576,8 +4030,8 @@
         </p:nvCxnSpPr>
         <p:spPr>
           <a:xfrm flipH="1">
-            <a:off x="2393091" y="483205"/>
-            <a:ext cx="1676400" cy="0"/>
+            <a:off x="1884692" y="1808263"/>
+            <a:ext cx="839458" cy="0"/>
           </a:xfrm>
           <a:prstGeom prst="line">
             <a:avLst/>
@@ -4618,9 +4072,9 @@
           <p:nvPr/>
         </p:nvCxnSpPr>
         <p:spPr>
-          <a:xfrm>
-            <a:off x="2549142" y="530869"/>
-            <a:ext cx="0" cy="656334"/>
+          <a:xfrm flipH="1">
+            <a:off x="2549142" y="1126855"/>
+            <a:ext cx="3558" cy="641373"/>
           </a:xfrm>
           <a:prstGeom prst="straightConnector1">
             <a:avLst/>
@@ -4661,8 +4115,8 @@
         </p:nvCxnSpPr>
         <p:spPr>
           <a:xfrm flipV="1">
-            <a:off x="3090862" y="1579664"/>
-            <a:ext cx="0" cy="366980"/>
+            <a:off x="3090862" y="2198790"/>
+            <a:ext cx="0" cy="744435"/>
           </a:xfrm>
           <a:prstGeom prst="line">
             <a:avLst/>
@@ -4690,10 +4144,10 @@
       </p:cxnSp>
       <p:sp>
         <p:nvSpPr>
-          <p:cNvPr id="109" name="TextBox 108">
-            <a:extLst>
-              <a:ext uri="{FF2B5EF4-FFF2-40B4-BE49-F238E27FC236}">
-                <a16:creationId xmlns:a16="http://schemas.microsoft.com/office/drawing/2014/main" id="{6F16C03D-DE01-4859-8BF1-1494E28D4BC5}"/>
+          <p:cNvPr id="110" name="TextBox 109">
+            <a:extLst>
+              <a:ext uri="{FF2B5EF4-FFF2-40B4-BE49-F238E27FC236}">
+                <a16:creationId xmlns:a16="http://schemas.microsoft.com/office/drawing/2014/main" id="{A0203300-0D42-4D61-B867-3E2D4EFDB7DA}"/>
               </a:ext>
             </a:extLst>
           </p:cNvPr>
@@ -4702,8 +4156,8 @@
         </p:nvSpPr>
         <p:spPr>
           <a:xfrm>
-            <a:off x="7111771" y="1653725"/>
-            <a:ext cx="317716" cy="400110"/>
+            <a:off x="2053959" y="1222895"/>
+            <a:ext cx="439544" cy="400110"/>
           </a:xfrm>
           <a:prstGeom prst="rect">
             <a:avLst/>
@@ -4718,52 +4172,17 @@
           <a:p>
             <a:r>
               <a:rPr lang="en-US" sz="2000" dirty="0"/>
-              <a:t>X</a:t>
-            </a:r>
-          </a:p>
-        </p:txBody>
-      </p:sp>
-      <p:sp>
-        <p:nvSpPr>
-          <p:cNvPr id="110" name="TextBox 109">
-            <a:extLst>
-              <a:ext uri="{FF2B5EF4-FFF2-40B4-BE49-F238E27FC236}">
-                <a16:creationId xmlns:a16="http://schemas.microsoft.com/office/drawing/2014/main" id="{A0203300-0D42-4D61-B867-3E2D4EFDB7DA}"/>
-              </a:ext>
-            </a:extLst>
-          </p:cNvPr>
-          <p:cNvSpPr txBox="1"/>
-          <p:nvPr/>
-        </p:nvSpPr>
-        <p:spPr>
-          <a:xfrm>
-            <a:off x="2239441" y="602032"/>
-            <a:ext cx="309700" cy="400110"/>
-          </a:xfrm>
-          <a:prstGeom prst="rect">
-            <a:avLst/>
-          </a:prstGeom>
-          <a:noFill/>
-        </p:spPr>
-        <p:txBody>
-          <a:bodyPr wrap="none" rtlCol="0">
-            <a:spAutoFit/>
-          </a:bodyPr>
-          <a:lstStyle/>
-          <a:p>
-            <a:r>
-              <a:rPr lang="en-US" sz="2000" dirty="0"/>
-              <a:t>Y</a:t>
+              <a:t>Y1</a:t>
             </a:r>
           </a:p>
         </p:txBody>
       </p:sp>
       <p:cxnSp>
         <p:nvCxnSpPr>
-          <p:cNvPr id="111" name="Straight Connector 110">
-            <a:extLst>
-              <a:ext uri="{FF2B5EF4-FFF2-40B4-BE49-F238E27FC236}">
-                <a16:creationId xmlns:a16="http://schemas.microsoft.com/office/drawing/2014/main" id="{B9F78607-9CA3-4688-B943-63929723230F}"/>
+          <p:cNvPr id="112" name="Straight Arrow Connector 111">
+            <a:extLst>
+              <a:ext uri="{FF2B5EF4-FFF2-40B4-BE49-F238E27FC236}">
+                <a16:creationId xmlns:a16="http://schemas.microsoft.com/office/drawing/2014/main" id="{97D0D023-9BEE-4D85-8B1B-C914B95ACF2C}"/>
               </a:ext>
             </a:extLst>
           </p:cNvPr>
@@ -4773,17 +4192,16 @@
           <p:nvPr/>
         </p:nvCxnSpPr>
         <p:spPr>
-          <a:xfrm flipV="1">
-            <a:off x="3805237" y="243506"/>
-            <a:ext cx="0" cy="1703138"/>
-          </a:xfrm>
-          <a:prstGeom prst="line">
+          <a:xfrm flipH="1">
+            <a:off x="3141620" y="2330470"/>
+            <a:ext cx="583699" cy="7621"/>
+          </a:xfrm>
+          <a:prstGeom prst="straightConnector1">
             <a:avLst/>
           </a:prstGeom>
           <a:ln w="19050">
-            <a:solidFill>
-              <a:srgbClr val="0070C0"/>
-            </a:solidFill>
+            <a:headEnd type="triangle"/>
+            <a:tailEnd type="triangle"/>
           </a:ln>
         </p:spPr>
         <p:style>
@@ -4801,12 +4219,47 @@
           </a:fontRef>
         </p:style>
       </p:cxnSp>
+      <p:sp>
+        <p:nvSpPr>
+          <p:cNvPr id="113" name="TextBox 112">
+            <a:extLst>
+              <a:ext uri="{FF2B5EF4-FFF2-40B4-BE49-F238E27FC236}">
+                <a16:creationId xmlns:a16="http://schemas.microsoft.com/office/drawing/2014/main" id="{6D4022A4-2880-4A8D-9CB6-A2A70B2985AE}"/>
+              </a:ext>
+            </a:extLst>
+          </p:cNvPr>
+          <p:cNvSpPr txBox="1"/>
+          <p:nvPr/>
+        </p:nvSpPr>
+        <p:spPr>
+          <a:xfrm>
+            <a:off x="3255125" y="2298367"/>
+            <a:ext cx="447558" cy="400110"/>
+          </a:xfrm>
+          <a:prstGeom prst="rect">
+            <a:avLst/>
+          </a:prstGeom>
+          <a:noFill/>
+        </p:spPr>
+        <p:txBody>
+          <a:bodyPr wrap="none" rtlCol="0">
+            <a:spAutoFit/>
+          </a:bodyPr>
+          <a:lstStyle/>
+          <a:p>
+            <a:r>
+              <a:rPr lang="en-US" sz="2000" dirty="0"/>
+              <a:t>X1</a:t>
+            </a:r>
+          </a:p>
+        </p:txBody>
+      </p:sp>
       <p:cxnSp>
         <p:nvCxnSpPr>
-          <p:cNvPr id="112" name="Straight Arrow Connector 111">
-            <a:extLst>
-              <a:ext uri="{FF2B5EF4-FFF2-40B4-BE49-F238E27FC236}">
-                <a16:creationId xmlns:a16="http://schemas.microsoft.com/office/drawing/2014/main" id="{97D0D023-9BEE-4D85-8B1B-C914B95ACF2C}"/>
+          <p:cNvPr id="114" name="Straight Arrow Connector 113">
+            <a:extLst>
+              <a:ext uri="{FF2B5EF4-FFF2-40B4-BE49-F238E27FC236}">
+                <a16:creationId xmlns:a16="http://schemas.microsoft.com/office/drawing/2014/main" id="{936FAC91-5EC2-4928-9CE7-8D5EF3E7E6A8}"/>
               </a:ext>
             </a:extLst>
           </p:cNvPr>
@@ -4817,8 +4270,8 @@
         </p:nvCxnSpPr>
         <p:spPr>
           <a:xfrm flipH="1">
-            <a:off x="3141620" y="1711345"/>
-            <a:ext cx="583699" cy="7621"/>
+            <a:off x="4582866" y="2320685"/>
+            <a:ext cx="1402210" cy="2436"/>
           </a:xfrm>
           <a:prstGeom prst="straightConnector1">
             <a:avLst/>
@@ -4845,10 +4298,10 @@
       </p:cxnSp>
       <p:sp>
         <p:nvSpPr>
-          <p:cNvPr id="113" name="TextBox 112">
-            <a:extLst>
-              <a:ext uri="{FF2B5EF4-FFF2-40B4-BE49-F238E27FC236}">
-                <a16:creationId xmlns:a16="http://schemas.microsoft.com/office/drawing/2014/main" id="{6D4022A4-2880-4A8D-9CB6-A2A70B2985AE}"/>
+          <p:cNvPr id="115" name="TextBox 114">
+            <a:extLst>
+              <a:ext uri="{FF2B5EF4-FFF2-40B4-BE49-F238E27FC236}">
+                <a16:creationId xmlns:a16="http://schemas.microsoft.com/office/drawing/2014/main" id="{7DE02FAD-D2E1-462C-9B32-7F94C349666E}"/>
               </a:ext>
             </a:extLst>
           </p:cNvPr>
@@ -4857,8 +4310,8 @@
         </p:nvSpPr>
         <p:spPr>
           <a:xfrm>
-            <a:off x="3255125" y="1679242"/>
-            <a:ext cx="304892" cy="400110"/>
+            <a:off x="5137535" y="2297860"/>
+            <a:ext cx="447558" cy="400110"/>
           </a:xfrm>
           <a:prstGeom prst="rect">
             <a:avLst/>
@@ -4873,17 +4326,17 @@
           <a:p>
             <a:r>
               <a:rPr lang="en-US" sz="2000" dirty="0"/>
-              <a:t>Z</a:t>
+              <a:t>X3</a:t>
             </a:r>
           </a:p>
         </p:txBody>
       </p:sp>
       <p:cxnSp>
         <p:nvCxnSpPr>
-          <p:cNvPr id="114" name="Straight Arrow Connector 113">
-            <a:extLst>
-              <a:ext uri="{FF2B5EF4-FFF2-40B4-BE49-F238E27FC236}">
-                <a16:creationId xmlns:a16="http://schemas.microsoft.com/office/drawing/2014/main" id="{936FAC91-5EC2-4928-9CE7-8D5EF3E7E6A8}"/>
+          <p:cNvPr id="116" name="Straight Connector 115">
+            <a:extLst>
+              <a:ext uri="{FF2B5EF4-FFF2-40B4-BE49-F238E27FC236}">
+                <a16:creationId xmlns:a16="http://schemas.microsoft.com/office/drawing/2014/main" id="{CC3D7E98-19CB-4E05-96FA-850F8EC2FCCA}"/>
               </a:ext>
             </a:extLst>
           </p:cNvPr>
@@ -4893,86 +4346,9 @@
           <p:nvPr/>
         </p:nvCxnSpPr>
         <p:spPr>
-          <a:xfrm flipH="1">
-            <a:off x="3868770" y="1701559"/>
-            <a:ext cx="2116306" cy="9548"/>
-          </a:xfrm>
-          <a:prstGeom prst="straightConnector1">
-            <a:avLst/>
-          </a:prstGeom>
-          <a:ln w="19050">
-            <a:headEnd type="triangle"/>
-            <a:tailEnd type="triangle"/>
-          </a:ln>
-        </p:spPr>
-        <p:style>
-          <a:lnRef idx="1">
-            <a:schemeClr val="accent1"/>
-          </a:lnRef>
-          <a:fillRef idx="0">
-            <a:schemeClr val="accent1"/>
-          </a:fillRef>
-          <a:effectRef idx="0">
-            <a:schemeClr val="accent1"/>
-          </a:effectRef>
-          <a:fontRef idx="minor">
-            <a:schemeClr val="tx1"/>
-          </a:fontRef>
-        </p:style>
-      </p:cxnSp>
-      <p:sp>
-        <p:nvSpPr>
-          <p:cNvPr id="115" name="TextBox 114">
-            <a:extLst>
-              <a:ext uri="{FF2B5EF4-FFF2-40B4-BE49-F238E27FC236}">
-                <a16:creationId xmlns:a16="http://schemas.microsoft.com/office/drawing/2014/main" id="{7DE02FAD-D2E1-462C-9B32-7F94C349666E}"/>
-              </a:ext>
-            </a:extLst>
-          </p:cNvPr>
-          <p:cNvSpPr txBox="1"/>
-          <p:nvPr/>
-        </p:nvSpPr>
-        <p:spPr>
-          <a:xfrm>
-            <a:off x="4794588" y="1656026"/>
-            <a:ext cx="317716" cy="400110"/>
-          </a:xfrm>
-          <a:prstGeom prst="rect">
-            <a:avLst/>
-          </a:prstGeom>
-          <a:noFill/>
-        </p:spPr>
-        <p:txBody>
-          <a:bodyPr wrap="none" rtlCol="0">
-            <a:spAutoFit/>
-          </a:bodyPr>
-          <a:lstStyle/>
-          <a:p>
-            <a:r>
-              <a:rPr lang="en-US" sz="2000" dirty="0"/>
-              <a:t>X</a:t>
-            </a:r>
-          </a:p>
-        </p:txBody>
-      </p:sp>
-      <p:cxnSp>
-        <p:nvCxnSpPr>
-          <p:cNvPr id="116" name="Straight Connector 115">
-            <a:extLst>
-              <a:ext uri="{FF2B5EF4-FFF2-40B4-BE49-F238E27FC236}">
-                <a16:creationId xmlns:a16="http://schemas.microsoft.com/office/drawing/2014/main" id="{CC3D7E98-19CB-4E05-96FA-850F8EC2FCCA}"/>
-              </a:ext>
-            </a:extLst>
-          </p:cNvPr>
-          <p:cNvCxnSpPr>
-            <a:cxnSpLocks/>
-          </p:cNvCxnSpPr>
-          <p:nvPr/>
-        </p:nvCxnSpPr>
-        <p:spPr>
           <a:xfrm flipV="1">
-            <a:off x="9040425" y="1579663"/>
-            <a:ext cx="3562" cy="354588"/>
+            <a:off x="9043987" y="2198788"/>
+            <a:ext cx="0" cy="744437"/>
           </a:xfrm>
           <a:prstGeom prst="line">
             <a:avLst/>
@@ -5014,8 +4390,8 @@
         </p:nvCxnSpPr>
         <p:spPr>
           <a:xfrm flipV="1">
-            <a:off x="8324256" y="231553"/>
-            <a:ext cx="24606" cy="1702698"/>
+            <a:off x="8348862" y="231554"/>
+            <a:ext cx="0" cy="2384912"/>
           </a:xfrm>
           <a:prstGeom prst="line">
             <a:avLst/>
@@ -5057,8 +4433,8 @@
         </p:nvCxnSpPr>
         <p:spPr>
           <a:xfrm flipH="1">
-            <a:off x="8143242" y="483205"/>
-            <a:ext cx="1676400" cy="0"/>
+            <a:off x="8114667" y="483205"/>
+            <a:ext cx="2045333" cy="0"/>
           </a:xfrm>
           <a:prstGeom prst="line">
             <a:avLst/>
@@ -5086,51 +4462,10 @@
       </p:cxnSp>
       <p:cxnSp>
         <p:nvCxnSpPr>
-          <p:cNvPr id="119" name="Straight Connector 118">
-            <a:extLst>
-              <a:ext uri="{FF2B5EF4-FFF2-40B4-BE49-F238E27FC236}">
-                <a16:creationId xmlns:a16="http://schemas.microsoft.com/office/drawing/2014/main" id="{309CBCF4-9B14-4FA1-A8AE-A25850A77944}"/>
-              </a:ext>
-            </a:extLst>
-          </p:cNvPr>
-          <p:cNvCxnSpPr/>
-          <p:nvPr/>
-        </p:nvCxnSpPr>
-        <p:spPr>
-          <a:xfrm flipH="1">
-            <a:off x="9414258" y="1187203"/>
-            <a:ext cx="342900" cy="0"/>
-          </a:xfrm>
-          <a:prstGeom prst="line">
-            <a:avLst/>
-          </a:prstGeom>
-          <a:ln w="19050">
-            <a:solidFill>
-              <a:srgbClr val="0070C0"/>
-            </a:solidFill>
-          </a:ln>
-        </p:spPr>
-        <p:style>
-          <a:lnRef idx="1">
-            <a:schemeClr val="accent1"/>
-          </a:lnRef>
-          <a:fillRef idx="0">
-            <a:schemeClr val="accent1"/>
-          </a:fillRef>
-          <a:effectRef idx="0">
-            <a:schemeClr val="accent1"/>
-          </a:effectRef>
-          <a:fontRef idx="minor">
-            <a:schemeClr val="tx1"/>
-          </a:fontRef>
-        </p:style>
-      </p:cxnSp>
-      <p:cxnSp>
-        <p:nvCxnSpPr>
-          <p:cNvPr id="120" name="Straight Arrow Connector 119">
-            <a:extLst>
-              <a:ext uri="{FF2B5EF4-FFF2-40B4-BE49-F238E27FC236}">
-                <a16:creationId xmlns:a16="http://schemas.microsoft.com/office/drawing/2014/main" id="{F22AF70F-349F-4528-B5FC-FB8C513F50C8}"/>
+          <p:cNvPr id="122" name="Straight Arrow Connector 121">
+            <a:extLst>
+              <a:ext uri="{FF2B5EF4-FFF2-40B4-BE49-F238E27FC236}">
+                <a16:creationId xmlns:a16="http://schemas.microsoft.com/office/drawing/2014/main" id="{DC12F660-D0B9-40FE-8FE7-C5AFE81D7F9C}"/>
               </a:ext>
             </a:extLst>
           </p:cNvPr>
@@ -5140,163 +4475,9 @@
           <p:nvPr/>
         </p:nvCxnSpPr>
         <p:spPr>
-          <a:xfrm>
-            <a:off x="9585708" y="523582"/>
-            <a:ext cx="0" cy="616299"/>
-          </a:xfrm>
-          <a:prstGeom prst="straightConnector1">
-            <a:avLst/>
-          </a:prstGeom>
-          <a:ln w="19050">
-            <a:headEnd type="triangle"/>
-            <a:tailEnd type="triangle"/>
-          </a:ln>
-        </p:spPr>
-        <p:style>
-          <a:lnRef idx="1">
-            <a:schemeClr val="accent1"/>
-          </a:lnRef>
-          <a:fillRef idx="0">
-            <a:schemeClr val="accent1"/>
-          </a:fillRef>
-          <a:effectRef idx="0">
-            <a:schemeClr val="accent1"/>
-          </a:effectRef>
-          <a:fontRef idx="minor">
-            <a:schemeClr val="tx1"/>
-          </a:fontRef>
-        </p:style>
-      </p:cxnSp>
-      <p:sp>
-        <p:nvSpPr>
-          <p:cNvPr id="121" name="TextBox 120">
-            <a:extLst>
-              <a:ext uri="{FF2B5EF4-FFF2-40B4-BE49-F238E27FC236}">
-                <a16:creationId xmlns:a16="http://schemas.microsoft.com/office/drawing/2014/main" id="{6813EABA-D260-48D3-B6C0-0186C8F17C1B}"/>
-              </a:ext>
-            </a:extLst>
-          </p:cNvPr>
-          <p:cNvSpPr txBox="1"/>
-          <p:nvPr/>
-        </p:nvSpPr>
-        <p:spPr>
-          <a:xfrm>
-            <a:off x="9585708" y="602032"/>
-            <a:ext cx="309700" cy="400110"/>
-          </a:xfrm>
-          <a:prstGeom prst="rect">
-            <a:avLst/>
-          </a:prstGeom>
-          <a:noFill/>
-        </p:spPr>
-        <p:txBody>
-          <a:bodyPr wrap="none" rtlCol="0">
-            <a:spAutoFit/>
-          </a:bodyPr>
-          <a:lstStyle/>
-          <a:p>
-            <a:r>
-              <a:rPr lang="en-US" sz="2000" dirty="0"/>
-              <a:t>Y</a:t>
-            </a:r>
-          </a:p>
-        </p:txBody>
-      </p:sp>
-      <p:cxnSp>
-        <p:nvCxnSpPr>
-          <p:cNvPr id="122" name="Straight Arrow Connector 121">
-            <a:extLst>
-              <a:ext uri="{FF2B5EF4-FFF2-40B4-BE49-F238E27FC236}">
-                <a16:creationId xmlns:a16="http://schemas.microsoft.com/office/drawing/2014/main" id="{DC12F660-D0B9-40FE-8FE7-C5AFE81D7F9C}"/>
-              </a:ext>
-            </a:extLst>
-          </p:cNvPr>
-          <p:cNvCxnSpPr>
-            <a:cxnSpLocks/>
-          </p:cNvCxnSpPr>
-          <p:nvPr/>
-        </p:nvCxnSpPr>
-        <p:spPr>
           <a:xfrm flipH="1">
-            <a:off x="8397743" y="1683616"/>
+            <a:off x="8397743" y="2291311"/>
             <a:ext cx="583699" cy="7621"/>
-          </a:xfrm>
-          <a:prstGeom prst="straightConnector1">
-            <a:avLst/>
-          </a:prstGeom>
-          <a:ln w="19050">
-            <a:headEnd type="triangle"/>
-            <a:tailEnd type="triangle"/>
-          </a:ln>
-        </p:spPr>
-        <p:style>
-          <a:lnRef idx="1">
-            <a:schemeClr val="accent1"/>
-          </a:lnRef>
-          <a:fillRef idx="0">
-            <a:schemeClr val="accent1"/>
-          </a:fillRef>
-          <a:effectRef idx="0">
-            <a:schemeClr val="accent1"/>
-          </a:effectRef>
-          <a:fontRef idx="minor">
-            <a:schemeClr val="tx1"/>
-          </a:fontRef>
-        </p:style>
-      </p:cxnSp>
-      <p:sp>
-        <p:nvSpPr>
-          <p:cNvPr id="123" name="TextBox 122">
-            <a:extLst>
-              <a:ext uri="{FF2B5EF4-FFF2-40B4-BE49-F238E27FC236}">
-                <a16:creationId xmlns:a16="http://schemas.microsoft.com/office/drawing/2014/main" id="{61849B00-084E-488C-9393-FB871583C80A}"/>
-              </a:ext>
-            </a:extLst>
-          </p:cNvPr>
-          <p:cNvSpPr txBox="1"/>
-          <p:nvPr/>
-        </p:nvSpPr>
-        <p:spPr>
-          <a:xfrm>
-            <a:off x="8534982" y="1653725"/>
-            <a:ext cx="304892" cy="400110"/>
-          </a:xfrm>
-          <a:prstGeom prst="rect">
-            <a:avLst/>
-          </a:prstGeom>
-          <a:noFill/>
-        </p:spPr>
-        <p:txBody>
-          <a:bodyPr wrap="none" rtlCol="0">
-            <a:spAutoFit/>
-          </a:bodyPr>
-          <a:lstStyle/>
-          <a:p>
-            <a:r>
-              <a:rPr lang="en-US" sz="2000" dirty="0"/>
-              <a:t>Z</a:t>
-            </a:r>
-          </a:p>
-        </p:txBody>
-      </p:sp>
-      <p:cxnSp>
-        <p:nvCxnSpPr>
-          <p:cNvPr id="129" name="Straight Arrow Connector 128">
-            <a:extLst>
-              <a:ext uri="{FF2B5EF4-FFF2-40B4-BE49-F238E27FC236}">
-                <a16:creationId xmlns:a16="http://schemas.microsoft.com/office/drawing/2014/main" id="{0A24AFAC-8D6A-4C7B-BC0C-56E5FA4012FC}"/>
-              </a:ext>
-            </a:extLst>
-          </p:cNvPr>
-          <p:cNvCxnSpPr>
-            <a:cxnSpLocks/>
-          </p:cNvCxnSpPr>
-          <p:nvPr/>
-        </p:nvCxnSpPr>
-        <p:spPr>
-          <a:xfrm flipH="1">
-            <a:off x="6136033" y="1694448"/>
-            <a:ext cx="2116306" cy="9548"/>
           </a:xfrm>
           <a:prstGeom prst="straightConnector1">
             <a:avLst/>
@@ -5337,8 +4518,8 @@
         </p:nvCxnSpPr>
         <p:spPr>
           <a:xfrm flipV="1">
-            <a:off x="6077049" y="1535476"/>
-            <a:ext cx="0" cy="366980"/>
+            <a:off x="6067424" y="2183179"/>
+            <a:ext cx="9625" cy="760046"/>
           </a:xfrm>
           <a:prstGeom prst="line">
             <a:avLst/>
@@ -5364,10 +4545,3080 @@
           </a:fontRef>
         </p:style>
       </p:cxnSp>
+      <p:cxnSp>
+        <p:nvCxnSpPr>
+          <p:cNvPr id="59" name="Straight Connector 58">
+            <a:extLst>
+              <a:ext uri="{FF2B5EF4-FFF2-40B4-BE49-F238E27FC236}">
+                <a16:creationId xmlns:a16="http://schemas.microsoft.com/office/drawing/2014/main" id="{D46081AA-04E0-41DC-8DC0-017867A40A78}"/>
+              </a:ext>
+            </a:extLst>
+          </p:cNvPr>
+          <p:cNvCxnSpPr>
+            <a:cxnSpLocks/>
+          </p:cNvCxnSpPr>
+          <p:nvPr/>
+        </p:nvCxnSpPr>
+        <p:spPr>
+          <a:xfrm flipH="1">
+            <a:off x="2393091" y="1079632"/>
+            <a:ext cx="2419498" cy="0"/>
+          </a:xfrm>
+          <a:prstGeom prst="line">
+            <a:avLst/>
+          </a:prstGeom>
+          <a:ln w="19050">
+            <a:solidFill>
+              <a:srgbClr val="0070C0"/>
+            </a:solidFill>
+          </a:ln>
+        </p:spPr>
+        <p:style>
+          <a:lnRef idx="1">
+            <a:schemeClr val="accent1"/>
+          </a:lnRef>
+          <a:fillRef idx="0">
+            <a:schemeClr val="accent1"/>
+          </a:fillRef>
+          <a:effectRef idx="0">
+            <a:schemeClr val="accent1"/>
+          </a:effectRef>
+          <a:fontRef idx="minor">
+            <a:schemeClr val="tx1"/>
+          </a:fontRef>
+        </p:style>
+      </p:cxnSp>
+      <p:cxnSp>
+        <p:nvCxnSpPr>
+          <p:cNvPr id="68" name="Straight Arrow Connector 67">
+            <a:extLst>
+              <a:ext uri="{FF2B5EF4-FFF2-40B4-BE49-F238E27FC236}">
+                <a16:creationId xmlns:a16="http://schemas.microsoft.com/office/drawing/2014/main" id="{5C00D2DA-F4D3-4D72-B41A-0DB87C1D65A7}"/>
+              </a:ext>
+            </a:extLst>
+          </p:cNvPr>
+          <p:cNvCxnSpPr>
+            <a:cxnSpLocks/>
+          </p:cNvCxnSpPr>
+          <p:nvPr/>
+        </p:nvCxnSpPr>
+        <p:spPr>
+          <a:xfrm>
+            <a:off x="2558834" y="539986"/>
+            <a:ext cx="0" cy="478271"/>
+          </a:xfrm>
+          <a:prstGeom prst="straightConnector1">
+            <a:avLst/>
+          </a:prstGeom>
+          <a:ln w="19050">
+            <a:headEnd type="triangle"/>
+            <a:tailEnd type="triangle"/>
+          </a:ln>
+        </p:spPr>
+        <p:style>
+          <a:lnRef idx="1">
+            <a:schemeClr val="accent1"/>
+          </a:lnRef>
+          <a:fillRef idx="0">
+            <a:schemeClr val="accent1"/>
+          </a:fillRef>
+          <a:effectRef idx="0">
+            <a:schemeClr val="accent1"/>
+          </a:effectRef>
+          <a:fontRef idx="minor">
+            <a:schemeClr val="tx1"/>
+          </a:fontRef>
+        </p:style>
+      </p:cxnSp>
+      <p:cxnSp>
+        <p:nvCxnSpPr>
+          <p:cNvPr id="70" name="Straight Connector 69">
+            <a:extLst>
+              <a:ext uri="{FF2B5EF4-FFF2-40B4-BE49-F238E27FC236}">
+                <a16:creationId xmlns:a16="http://schemas.microsoft.com/office/drawing/2014/main" id="{D1257274-659C-453C-89F6-F511FDA6427E}"/>
+              </a:ext>
+            </a:extLst>
+          </p:cNvPr>
+          <p:cNvCxnSpPr>
+            <a:cxnSpLocks/>
+          </p:cNvCxnSpPr>
+          <p:nvPr/>
+        </p:nvCxnSpPr>
+        <p:spPr>
+          <a:xfrm flipV="1">
+            <a:off x="4502826" y="901582"/>
+            <a:ext cx="0" cy="1715526"/>
+          </a:xfrm>
+          <a:prstGeom prst="line">
+            <a:avLst/>
+          </a:prstGeom>
+          <a:ln w="19050">
+            <a:solidFill>
+              <a:srgbClr val="0070C0"/>
+            </a:solidFill>
+          </a:ln>
+        </p:spPr>
+        <p:style>
+          <a:lnRef idx="1">
+            <a:schemeClr val="accent1"/>
+          </a:lnRef>
+          <a:fillRef idx="0">
+            <a:schemeClr val="accent1"/>
+          </a:fillRef>
+          <a:effectRef idx="0">
+            <a:schemeClr val="accent1"/>
+          </a:effectRef>
+          <a:fontRef idx="minor">
+            <a:schemeClr val="tx1"/>
+          </a:fontRef>
+        </p:style>
+      </p:cxnSp>
+      <p:cxnSp>
+        <p:nvCxnSpPr>
+          <p:cNvPr id="74" name="Straight Arrow Connector 73">
+            <a:extLst>
+              <a:ext uri="{FF2B5EF4-FFF2-40B4-BE49-F238E27FC236}">
+                <a16:creationId xmlns:a16="http://schemas.microsoft.com/office/drawing/2014/main" id="{6DCDC755-0852-4B7B-B442-416F5CCBFE7D}"/>
+              </a:ext>
+            </a:extLst>
+          </p:cNvPr>
+          <p:cNvCxnSpPr>
+            <a:cxnSpLocks/>
+          </p:cNvCxnSpPr>
+          <p:nvPr/>
+        </p:nvCxnSpPr>
+        <p:spPr>
+          <a:xfrm flipH="1">
+            <a:off x="3865108" y="2320685"/>
+            <a:ext cx="583699" cy="7621"/>
+          </a:xfrm>
+          <a:prstGeom prst="straightConnector1">
+            <a:avLst/>
+          </a:prstGeom>
+          <a:ln w="19050">
+            <a:headEnd type="triangle"/>
+            <a:tailEnd type="triangle"/>
+          </a:ln>
+        </p:spPr>
+        <p:style>
+          <a:lnRef idx="1">
+            <a:schemeClr val="accent1"/>
+          </a:lnRef>
+          <a:fillRef idx="0">
+            <a:schemeClr val="accent1"/>
+          </a:fillRef>
+          <a:effectRef idx="0">
+            <a:schemeClr val="accent1"/>
+          </a:effectRef>
+          <a:fontRef idx="minor">
+            <a:schemeClr val="tx1"/>
+          </a:fontRef>
+        </p:style>
+      </p:cxnSp>
+      <p:cxnSp>
+        <p:nvCxnSpPr>
+          <p:cNvPr id="77" name="Straight Connector 76">
+            <a:extLst>
+              <a:ext uri="{FF2B5EF4-FFF2-40B4-BE49-F238E27FC236}">
+                <a16:creationId xmlns:a16="http://schemas.microsoft.com/office/drawing/2014/main" id="{B08CE67C-292E-4F7C-A98C-9EF1120E03CF}"/>
+              </a:ext>
+            </a:extLst>
+          </p:cNvPr>
+          <p:cNvCxnSpPr>
+            <a:cxnSpLocks/>
+          </p:cNvCxnSpPr>
+          <p:nvPr/>
+        </p:nvCxnSpPr>
+        <p:spPr>
+          <a:xfrm flipV="1">
+            <a:off x="3807958" y="295285"/>
+            <a:ext cx="0" cy="2321823"/>
+          </a:xfrm>
+          <a:prstGeom prst="line">
+            <a:avLst/>
+          </a:prstGeom>
+          <a:ln w="19050">
+            <a:solidFill>
+              <a:srgbClr val="0070C0"/>
+            </a:solidFill>
+          </a:ln>
+        </p:spPr>
+        <p:style>
+          <a:lnRef idx="1">
+            <a:schemeClr val="accent1"/>
+          </a:lnRef>
+          <a:fillRef idx="0">
+            <a:schemeClr val="accent1"/>
+          </a:fillRef>
+          <a:effectRef idx="0">
+            <a:schemeClr val="accent1"/>
+          </a:effectRef>
+          <a:fontRef idx="minor">
+            <a:schemeClr val="tx1"/>
+          </a:fontRef>
+        </p:style>
+      </p:cxnSp>
+      <p:cxnSp>
+        <p:nvCxnSpPr>
+          <p:cNvPr id="81" name="Straight Connector 80">
+            <a:extLst>
+              <a:ext uri="{FF2B5EF4-FFF2-40B4-BE49-F238E27FC236}">
+                <a16:creationId xmlns:a16="http://schemas.microsoft.com/office/drawing/2014/main" id="{C64169A7-1DC5-434B-897B-CB41105CB7F1}"/>
+              </a:ext>
+            </a:extLst>
+          </p:cNvPr>
+          <p:cNvCxnSpPr>
+            <a:cxnSpLocks/>
+          </p:cNvCxnSpPr>
+          <p:nvPr/>
+        </p:nvCxnSpPr>
+        <p:spPr>
+          <a:xfrm flipH="1">
+            <a:off x="1884692" y="499316"/>
+            <a:ext cx="2214894" cy="10968"/>
+          </a:xfrm>
+          <a:prstGeom prst="line">
+            <a:avLst/>
+          </a:prstGeom>
+          <a:ln w="19050">
+            <a:solidFill>
+              <a:srgbClr val="0070C0"/>
+            </a:solidFill>
+          </a:ln>
+        </p:spPr>
+        <p:style>
+          <a:lnRef idx="1">
+            <a:schemeClr val="accent1"/>
+          </a:lnRef>
+          <a:fillRef idx="0">
+            <a:schemeClr val="accent1"/>
+          </a:fillRef>
+          <a:effectRef idx="0">
+            <a:schemeClr val="accent1"/>
+          </a:effectRef>
+          <a:fontRef idx="minor">
+            <a:schemeClr val="tx1"/>
+          </a:fontRef>
+        </p:style>
+      </p:cxnSp>
+      <p:cxnSp>
+        <p:nvCxnSpPr>
+          <p:cNvPr id="82" name="Straight Connector 81">
+            <a:extLst>
+              <a:ext uri="{FF2B5EF4-FFF2-40B4-BE49-F238E27FC236}">
+                <a16:creationId xmlns:a16="http://schemas.microsoft.com/office/drawing/2014/main" id="{E8EC5352-6F91-4B8C-9D42-A47F279A7816}"/>
+              </a:ext>
+            </a:extLst>
+          </p:cNvPr>
+          <p:cNvCxnSpPr>
+            <a:cxnSpLocks/>
+          </p:cNvCxnSpPr>
+          <p:nvPr/>
+        </p:nvCxnSpPr>
+        <p:spPr>
+          <a:xfrm flipV="1">
+            <a:off x="7603843" y="900940"/>
+            <a:ext cx="0" cy="1715526"/>
+          </a:xfrm>
+          <a:prstGeom prst="line">
+            <a:avLst/>
+          </a:prstGeom>
+          <a:ln w="19050">
+            <a:solidFill>
+              <a:srgbClr val="0070C0"/>
+            </a:solidFill>
+          </a:ln>
+        </p:spPr>
+        <p:style>
+          <a:lnRef idx="1">
+            <a:schemeClr val="accent1"/>
+          </a:lnRef>
+          <a:fillRef idx="0">
+            <a:schemeClr val="accent1"/>
+          </a:fillRef>
+          <a:effectRef idx="0">
+            <a:schemeClr val="accent1"/>
+          </a:effectRef>
+          <a:fontRef idx="minor">
+            <a:schemeClr val="tx1"/>
+          </a:fontRef>
+        </p:style>
+      </p:cxnSp>
+      <p:cxnSp>
+        <p:nvCxnSpPr>
+          <p:cNvPr id="83" name="Straight Connector 82">
+            <a:extLst>
+              <a:ext uri="{FF2B5EF4-FFF2-40B4-BE49-F238E27FC236}">
+                <a16:creationId xmlns:a16="http://schemas.microsoft.com/office/drawing/2014/main" id="{549D5A55-9D46-409A-9760-445114C82779}"/>
+              </a:ext>
+            </a:extLst>
+          </p:cNvPr>
+          <p:cNvCxnSpPr>
+            <a:cxnSpLocks/>
+          </p:cNvCxnSpPr>
+          <p:nvPr/>
+        </p:nvCxnSpPr>
+        <p:spPr>
+          <a:xfrm flipH="1">
+            <a:off x="7325233" y="1054364"/>
+            <a:ext cx="2419498" cy="0"/>
+          </a:xfrm>
+          <a:prstGeom prst="line">
+            <a:avLst/>
+          </a:prstGeom>
+          <a:ln w="19050">
+            <a:solidFill>
+              <a:srgbClr val="0070C0"/>
+            </a:solidFill>
+          </a:ln>
+        </p:spPr>
+        <p:style>
+          <a:lnRef idx="1">
+            <a:schemeClr val="accent1"/>
+          </a:lnRef>
+          <a:fillRef idx="0">
+            <a:schemeClr val="accent1"/>
+          </a:fillRef>
+          <a:effectRef idx="0">
+            <a:schemeClr val="accent1"/>
+          </a:effectRef>
+          <a:fontRef idx="minor">
+            <a:schemeClr val="tx1"/>
+          </a:fontRef>
+        </p:style>
+      </p:cxnSp>
+      <p:cxnSp>
+        <p:nvCxnSpPr>
+          <p:cNvPr id="84" name="Straight Arrow Connector 83">
+            <a:extLst>
+              <a:ext uri="{FF2B5EF4-FFF2-40B4-BE49-F238E27FC236}">
+                <a16:creationId xmlns:a16="http://schemas.microsoft.com/office/drawing/2014/main" id="{680F99FA-AB19-48BC-A8FE-2F2C183E9D0C}"/>
+              </a:ext>
+            </a:extLst>
+          </p:cNvPr>
+          <p:cNvCxnSpPr>
+            <a:cxnSpLocks/>
+          </p:cNvCxnSpPr>
+          <p:nvPr/>
+        </p:nvCxnSpPr>
+        <p:spPr>
+          <a:xfrm flipH="1">
+            <a:off x="6133703" y="2320672"/>
+            <a:ext cx="1402210" cy="2436"/>
+          </a:xfrm>
+          <a:prstGeom prst="straightConnector1">
+            <a:avLst/>
+          </a:prstGeom>
+          <a:ln w="19050">
+            <a:headEnd type="triangle"/>
+            <a:tailEnd type="triangle"/>
+          </a:ln>
+        </p:spPr>
+        <p:style>
+          <a:lnRef idx="1">
+            <a:schemeClr val="accent1"/>
+          </a:lnRef>
+          <a:fillRef idx="0">
+            <a:schemeClr val="accent1"/>
+          </a:fillRef>
+          <a:effectRef idx="0">
+            <a:schemeClr val="accent1"/>
+          </a:effectRef>
+          <a:fontRef idx="minor">
+            <a:schemeClr val="tx1"/>
+          </a:fontRef>
+        </p:style>
+      </p:cxnSp>
+      <p:sp>
+        <p:nvSpPr>
+          <p:cNvPr id="86" name="TextBox 85">
+            <a:extLst>
+              <a:ext uri="{FF2B5EF4-FFF2-40B4-BE49-F238E27FC236}">
+                <a16:creationId xmlns:a16="http://schemas.microsoft.com/office/drawing/2014/main" id="{BEDFAC4A-2196-4414-B9E2-13E2ECE369A0}"/>
+              </a:ext>
+            </a:extLst>
+          </p:cNvPr>
+          <p:cNvSpPr txBox="1"/>
+          <p:nvPr/>
+        </p:nvSpPr>
+        <p:spPr>
+          <a:xfrm>
+            <a:off x="2053959" y="595357"/>
+            <a:ext cx="439544" cy="400110"/>
+          </a:xfrm>
+          <a:prstGeom prst="rect">
+            <a:avLst/>
+          </a:prstGeom>
+          <a:noFill/>
+        </p:spPr>
+        <p:txBody>
+          <a:bodyPr wrap="none" rtlCol="0">
+            <a:spAutoFit/>
+          </a:bodyPr>
+          <a:lstStyle/>
+          <a:p>
+            <a:r>
+              <a:rPr lang="en-US" sz="2000" dirty="0"/>
+              <a:t>Y2</a:t>
+            </a:r>
+          </a:p>
+        </p:txBody>
+      </p:sp>
+      <p:cxnSp>
+        <p:nvCxnSpPr>
+          <p:cNvPr id="87" name="Straight Connector 86">
+            <a:extLst>
+              <a:ext uri="{FF2B5EF4-FFF2-40B4-BE49-F238E27FC236}">
+                <a16:creationId xmlns:a16="http://schemas.microsoft.com/office/drawing/2014/main" id="{506A971F-459F-4B6E-8E8A-A748BA5895D0}"/>
+              </a:ext>
+            </a:extLst>
+          </p:cNvPr>
+          <p:cNvCxnSpPr>
+            <a:cxnSpLocks/>
+          </p:cNvCxnSpPr>
+          <p:nvPr/>
+        </p:nvCxnSpPr>
+        <p:spPr>
+          <a:xfrm flipH="1">
+            <a:off x="9417333" y="1785473"/>
+            <a:ext cx="742667" cy="0"/>
+          </a:xfrm>
+          <a:prstGeom prst="line">
+            <a:avLst/>
+          </a:prstGeom>
+          <a:ln w="19050">
+            <a:solidFill>
+              <a:srgbClr val="0070C0"/>
+            </a:solidFill>
+          </a:ln>
+        </p:spPr>
+        <p:style>
+          <a:lnRef idx="1">
+            <a:schemeClr val="accent1"/>
+          </a:lnRef>
+          <a:fillRef idx="0">
+            <a:schemeClr val="accent1"/>
+          </a:fillRef>
+          <a:effectRef idx="0">
+            <a:schemeClr val="accent1"/>
+          </a:effectRef>
+          <a:fontRef idx="minor">
+            <a:schemeClr val="tx1"/>
+          </a:fontRef>
+        </p:style>
+      </p:cxnSp>
+      <p:cxnSp>
+        <p:nvCxnSpPr>
+          <p:cNvPr id="88" name="Straight Arrow Connector 87">
+            <a:extLst>
+              <a:ext uri="{FF2B5EF4-FFF2-40B4-BE49-F238E27FC236}">
+                <a16:creationId xmlns:a16="http://schemas.microsoft.com/office/drawing/2014/main" id="{B29D1AD7-948B-471A-9C4D-BE109CE71EBD}"/>
+              </a:ext>
+            </a:extLst>
+          </p:cNvPr>
+          <p:cNvCxnSpPr>
+            <a:cxnSpLocks/>
+          </p:cNvCxnSpPr>
+          <p:nvPr/>
+        </p:nvCxnSpPr>
+        <p:spPr>
+          <a:xfrm flipH="1">
+            <a:off x="9585225" y="1104065"/>
+            <a:ext cx="3558" cy="641373"/>
+          </a:xfrm>
+          <a:prstGeom prst="straightConnector1">
+            <a:avLst/>
+          </a:prstGeom>
+          <a:ln w="19050">
+            <a:headEnd type="triangle"/>
+            <a:tailEnd type="triangle"/>
+          </a:ln>
+        </p:spPr>
+        <p:style>
+          <a:lnRef idx="1">
+            <a:schemeClr val="accent1"/>
+          </a:lnRef>
+          <a:fillRef idx="0">
+            <a:schemeClr val="accent1"/>
+          </a:fillRef>
+          <a:effectRef idx="0">
+            <a:schemeClr val="accent1"/>
+          </a:effectRef>
+          <a:fontRef idx="minor">
+            <a:schemeClr val="tx1"/>
+          </a:fontRef>
+        </p:style>
+      </p:cxnSp>
+      <p:sp>
+        <p:nvSpPr>
+          <p:cNvPr id="89" name="TextBox 88">
+            <a:extLst>
+              <a:ext uri="{FF2B5EF4-FFF2-40B4-BE49-F238E27FC236}">
+                <a16:creationId xmlns:a16="http://schemas.microsoft.com/office/drawing/2014/main" id="{71292D4D-5853-4123-934E-B2CFB2EBC734}"/>
+              </a:ext>
+            </a:extLst>
+          </p:cNvPr>
+          <p:cNvSpPr txBox="1"/>
+          <p:nvPr/>
+        </p:nvSpPr>
+        <p:spPr>
+          <a:xfrm>
+            <a:off x="9604441" y="1247486"/>
+            <a:ext cx="439544" cy="400110"/>
+          </a:xfrm>
+          <a:prstGeom prst="rect">
+            <a:avLst/>
+          </a:prstGeom>
+          <a:noFill/>
+        </p:spPr>
+        <p:txBody>
+          <a:bodyPr wrap="none" rtlCol="0">
+            <a:spAutoFit/>
+          </a:bodyPr>
+          <a:lstStyle/>
+          <a:p>
+            <a:r>
+              <a:rPr lang="en-US" sz="2000" dirty="0"/>
+              <a:t>Y1</a:t>
+            </a:r>
+          </a:p>
+        </p:txBody>
+      </p:sp>
+      <p:cxnSp>
+        <p:nvCxnSpPr>
+          <p:cNvPr id="90" name="Straight Arrow Connector 89">
+            <a:extLst>
+              <a:ext uri="{FF2B5EF4-FFF2-40B4-BE49-F238E27FC236}">
+                <a16:creationId xmlns:a16="http://schemas.microsoft.com/office/drawing/2014/main" id="{374532CA-B275-4DEE-B7EA-21611B027D59}"/>
+              </a:ext>
+            </a:extLst>
+          </p:cNvPr>
+          <p:cNvCxnSpPr>
+            <a:cxnSpLocks/>
+          </p:cNvCxnSpPr>
+          <p:nvPr/>
+        </p:nvCxnSpPr>
+        <p:spPr>
+          <a:xfrm>
+            <a:off x="9594917" y="517196"/>
+            <a:ext cx="0" cy="478271"/>
+          </a:xfrm>
+          <a:prstGeom prst="straightConnector1">
+            <a:avLst/>
+          </a:prstGeom>
+          <a:ln w="19050">
+            <a:headEnd type="triangle"/>
+            <a:tailEnd type="triangle"/>
+          </a:ln>
+        </p:spPr>
+        <p:style>
+          <a:lnRef idx="1">
+            <a:schemeClr val="accent1"/>
+          </a:lnRef>
+          <a:fillRef idx="0">
+            <a:schemeClr val="accent1"/>
+          </a:fillRef>
+          <a:effectRef idx="0">
+            <a:schemeClr val="accent1"/>
+          </a:effectRef>
+          <a:fontRef idx="minor">
+            <a:schemeClr val="tx1"/>
+          </a:fontRef>
+        </p:style>
+      </p:cxnSp>
+      <p:sp>
+        <p:nvSpPr>
+          <p:cNvPr id="107" name="TextBox 106">
+            <a:extLst>
+              <a:ext uri="{FF2B5EF4-FFF2-40B4-BE49-F238E27FC236}">
+                <a16:creationId xmlns:a16="http://schemas.microsoft.com/office/drawing/2014/main" id="{8B7B64E8-1117-43F1-AFE5-F75D2E571553}"/>
+              </a:ext>
+            </a:extLst>
+          </p:cNvPr>
+          <p:cNvSpPr txBox="1"/>
+          <p:nvPr/>
+        </p:nvSpPr>
+        <p:spPr>
+          <a:xfrm>
+            <a:off x="9585225" y="577630"/>
+            <a:ext cx="439544" cy="400110"/>
+          </a:xfrm>
+          <a:prstGeom prst="rect">
+            <a:avLst/>
+          </a:prstGeom>
+          <a:noFill/>
+        </p:spPr>
+        <p:txBody>
+          <a:bodyPr wrap="none" rtlCol="0">
+            <a:spAutoFit/>
+          </a:bodyPr>
+          <a:lstStyle/>
+          <a:p>
+            <a:r>
+              <a:rPr lang="en-US" sz="2000" dirty="0"/>
+              <a:t>Y2</a:t>
+            </a:r>
+          </a:p>
+        </p:txBody>
+      </p:sp>
+      <p:sp>
+        <p:nvSpPr>
+          <p:cNvPr id="108" name="TextBox 107">
+            <a:extLst>
+              <a:ext uri="{FF2B5EF4-FFF2-40B4-BE49-F238E27FC236}">
+                <a16:creationId xmlns:a16="http://schemas.microsoft.com/office/drawing/2014/main" id="{3AD3E065-9AE5-4F9B-B6DF-3C0784580D3D}"/>
+              </a:ext>
+            </a:extLst>
+          </p:cNvPr>
+          <p:cNvSpPr txBox="1"/>
+          <p:nvPr/>
+        </p:nvSpPr>
+        <p:spPr>
+          <a:xfrm>
+            <a:off x="3948617" y="2298367"/>
+            <a:ext cx="447558" cy="400110"/>
+          </a:xfrm>
+          <a:prstGeom prst="rect">
+            <a:avLst/>
+          </a:prstGeom>
+          <a:noFill/>
+        </p:spPr>
+        <p:txBody>
+          <a:bodyPr wrap="none" rtlCol="0">
+            <a:spAutoFit/>
+          </a:bodyPr>
+          <a:lstStyle/>
+          <a:p>
+            <a:r>
+              <a:rPr lang="en-US" sz="2000" dirty="0"/>
+              <a:t>X2</a:t>
+            </a:r>
+          </a:p>
+        </p:txBody>
+      </p:sp>
+      <p:cxnSp>
+        <p:nvCxnSpPr>
+          <p:cNvPr id="124" name="Straight Arrow Connector 123">
+            <a:extLst>
+              <a:ext uri="{FF2B5EF4-FFF2-40B4-BE49-F238E27FC236}">
+                <a16:creationId xmlns:a16="http://schemas.microsoft.com/office/drawing/2014/main" id="{0B58AA19-BF66-4CAD-8435-18D720588D87}"/>
+              </a:ext>
+            </a:extLst>
+          </p:cNvPr>
+          <p:cNvCxnSpPr>
+            <a:cxnSpLocks/>
+          </p:cNvCxnSpPr>
+          <p:nvPr/>
+        </p:nvCxnSpPr>
+        <p:spPr>
+          <a:xfrm flipH="1">
+            <a:off x="7674668" y="2310525"/>
+            <a:ext cx="583699" cy="7621"/>
+          </a:xfrm>
+          <a:prstGeom prst="straightConnector1">
+            <a:avLst/>
+          </a:prstGeom>
+          <a:ln w="19050">
+            <a:headEnd type="triangle"/>
+            <a:tailEnd type="triangle"/>
+          </a:ln>
+        </p:spPr>
+        <p:style>
+          <a:lnRef idx="1">
+            <a:schemeClr val="accent1"/>
+          </a:lnRef>
+          <a:fillRef idx="0">
+            <a:schemeClr val="accent1"/>
+          </a:fillRef>
+          <a:effectRef idx="0">
+            <a:schemeClr val="accent1"/>
+          </a:effectRef>
+          <a:fontRef idx="minor">
+            <a:schemeClr val="tx1"/>
+          </a:fontRef>
+        </p:style>
+      </p:cxnSp>
+      <p:sp>
+        <p:nvSpPr>
+          <p:cNvPr id="125" name="TextBox 124">
+            <a:extLst>
+              <a:ext uri="{FF2B5EF4-FFF2-40B4-BE49-F238E27FC236}">
+                <a16:creationId xmlns:a16="http://schemas.microsoft.com/office/drawing/2014/main" id="{6BA12928-3A03-4CCC-A834-D450600262CE}"/>
+              </a:ext>
+            </a:extLst>
+          </p:cNvPr>
+          <p:cNvSpPr txBox="1"/>
+          <p:nvPr/>
+        </p:nvSpPr>
+        <p:spPr>
+          <a:xfrm>
+            <a:off x="6594846" y="2285990"/>
+            <a:ext cx="447558" cy="400110"/>
+          </a:xfrm>
+          <a:prstGeom prst="rect">
+            <a:avLst/>
+          </a:prstGeom>
+          <a:noFill/>
+        </p:spPr>
+        <p:txBody>
+          <a:bodyPr wrap="square" rtlCol="0">
+            <a:spAutoFit/>
+          </a:bodyPr>
+          <a:lstStyle/>
+          <a:p>
+            <a:r>
+              <a:rPr lang="en-US" sz="2000" dirty="0"/>
+              <a:t>X3</a:t>
+            </a:r>
+          </a:p>
+        </p:txBody>
+      </p:sp>
+      <p:sp>
+        <p:nvSpPr>
+          <p:cNvPr id="126" name="TextBox 125">
+            <a:extLst>
+              <a:ext uri="{FF2B5EF4-FFF2-40B4-BE49-F238E27FC236}">
+                <a16:creationId xmlns:a16="http://schemas.microsoft.com/office/drawing/2014/main" id="{F4FD75B2-86D6-40E5-A7ED-F31AFBF3B592}"/>
+              </a:ext>
+            </a:extLst>
+          </p:cNvPr>
+          <p:cNvSpPr txBox="1"/>
+          <p:nvPr/>
+        </p:nvSpPr>
+        <p:spPr>
+          <a:xfrm>
+            <a:off x="7787422" y="2284345"/>
+            <a:ext cx="447558" cy="400110"/>
+          </a:xfrm>
+          <a:prstGeom prst="rect">
+            <a:avLst/>
+          </a:prstGeom>
+          <a:noFill/>
+        </p:spPr>
+        <p:txBody>
+          <a:bodyPr wrap="square" rtlCol="0">
+            <a:spAutoFit/>
+          </a:bodyPr>
+          <a:lstStyle/>
+          <a:p>
+            <a:r>
+              <a:rPr lang="en-US" sz="2000" dirty="0"/>
+              <a:t>X2</a:t>
+            </a:r>
+          </a:p>
+        </p:txBody>
+      </p:sp>
+      <p:sp>
+        <p:nvSpPr>
+          <p:cNvPr id="127" name="TextBox 126">
+            <a:extLst>
+              <a:ext uri="{FF2B5EF4-FFF2-40B4-BE49-F238E27FC236}">
+                <a16:creationId xmlns:a16="http://schemas.microsoft.com/office/drawing/2014/main" id="{3206AED4-0C78-4B89-943E-1D2015D558D6}"/>
+              </a:ext>
+            </a:extLst>
+          </p:cNvPr>
+          <p:cNvSpPr txBox="1"/>
+          <p:nvPr/>
+        </p:nvSpPr>
+        <p:spPr>
+          <a:xfrm>
+            <a:off x="8485356" y="2287700"/>
+            <a:ext cx="447558" cy="400110"/>
+          </a:xfrm>
+          <a:prstGeom prst="rect">
+            <a:avLst/>
+          </a:prstGeom>
+          <a:noFill/>
+        </p:spPr>
+        <p:txBody>
+          <a:bodyPr wrap="none" rtlCol="0">
+            <a:spAutoFit/>
+          </a:bodyPr>
+          <a:lstStyle/>
+          <a:p>
+            <a:r>
+              <a:rPr lang="en-US" sz="2000" dirty="0"/>
+              <a:t>X1</a:t>
+            </a:r>
+          </a:p>
+        </p:txBody>
+      </p:sp>
+      <p:cxnSp>
+        <p:nvCxnSpPr>
+          <p:cNvPr id="128" name="Straight Arrow Connector 127">
+            <a:extLst>
+              <a:ext uri="{FF2B5EF4-FFF2-40B4-BE49-F238E27FC236}">
+                <a16:creationId xmlns:a16="http://schemas.microsoft.com/office/drawing/2014/main" id="{E0E128E4-7064-45AB-AA85-ADC38CCFF3F9}"/>
+              </a:ext>
+            </a:extLst>
+          </p:cNvPr>
+          <p:cNvCxnSpPr>
+            <a:cxnSpLocks/>
+          </p:cNvCxnSpPr>
+          <p:nvPr/>
+        </p:nvCxnSpPr>
+        <p:spPr>
+          <a:xfrm flipH="1">
+            <a:off x="3173211" y="2851953"/>
+            <a:ext cx="2811865" cy="25499"/>
+          </a:xfrm>
+          <a:prstGeom prst="straightConnector1">
+            <a:avLst/>
+          </a:prstGeom>
+          <a:ln w="19050">
+            <a:headEnd type="triangle"/>
+            <a:tailEnd type="triangle"/>
+          </a:ln>
+        </p:spPr>
+        <p:style>
+          <a:lnRef idx="1">
+            <a:schemeClr val="accent1"/>
+          </a:lnRef>
+          <a:fillRef idx="0">
+            <a:schemeClr val="accent1"/>
+          </a:fillRef>
+          <a:effectRef idx="0">
+            <a:schemeClr val="accent1"/>
+          </a:effectRef>
+          <a:fontRef idx="minor">
+            <a:schemeClr val="tx1"/>
+          </a:fontRef>
+        </p:style>
+      </p:cxnSp>
+      <p:sp>
+        <p:nvSpPr>
+          <p:cNvPr id="130" name="TextBox 129">
+            <a:extLst>
+              <a:ext uri="{FF2B5EF4-FFF2-40B4-BE49-F238E27FC236}">
+                <a16:creationId xmlns:a16="http://schemas.microsoft.com/office/drawing/2014/main" id="{126D0343-788C-440E-B0D3-FF3EFB083171}"/>
+              </a:ext>
+            </a:extLst>
+          </p:cNvPr>
+          <p:cNvSpPr txBox="1"/>
+          <p:nvPr/>
+        </p:nvSpPr>
+        <p:spPr>
+          <a:xfrm>
+            <a:off x="4375797" y="2855773"/>
+            <a:ext cx="317716" cy="400110"/>
+          </a:xfrm>
+          <a:prstGeom prst="rect">
+            <a:avLst/>
+          </a:prstGeom>
+          <a:noFill/>
+        </p:spPr>
+        <p:txBody>
+          <a:bodyPr wrap="none" rtlCol="0">
+            <a:spAutoFit/>
+          </a:bodyPr>
+          <a:lstStyle/>
+          <a:p>
+            <a:r>
+              <a:rPr lang="en-US" sz="2000" dirty="0"/>
+              <a:t>X</a:t>
+            </a:r>
+          </a:p>
+        </p:txBody>
+      </p:sp>
+      <p:cxnSp>
+        <p:nvCxnSpPr>
+          <p:cNvPr id="131" name="Straight Arrow Connector 130">
+            <a:extLst>
+              <a:ext uri="{FF2B5EF4-FFF2-40B4-BE49-F238E27FC236}">
+                <a16:creationId xmlns:a16="http://schemas.microsoft.com/office/drawing/2014/main" id="{EAFD7FF9-C6F7-49CB-8CD8-BCE374B1FE6D}"/>
+              </a:ext>
+            </a:extLst>
+          </p:cNvPr>
+          <p:cNvCxnSpPr>
+            <a:cxnSpLocks/>
+          </p:cNvCxnSpPr>
+          <p:nvPr/>
+        </p:nvCxnSpPr>
+        <p:spPr>
+          <a:xfrm flipH="1">
+            <a:off x="6143230" y="2836546"/>
+            <a:ext cx="2818407" cy="12517"/>
+          </a:xfrm>
+          <a:prstGeom prst="straightConnector1">
+            <a:avLst/>
+          </a:prstGeom>
+          <a:ln w="19050">
+            <a:headEnd type="triangle"/>
+            <a:tailEnd type="triangle"/>
+          </a:ln>
+        </p:spPr>
+        <p:style>
+          <a:lnRef idx="1">
+            <a:schemeClr val="accent1"/>
+          </a:lnRef>
+          <a:fillRef idx="0">
+            <a:schemeClr val="accent1"/>
+          </a:fillRef>
+          <a:effectRef idx="0">
+            <a:schemeClr val="accent1"/>
+          </a:effectRef>
+          <a:fontRef idx="minor">
+            <a:schemeClr val="tx1"/>
+          </a:fontRef>
+        </p:style>
+      </p:cxnSp>
+      <p:sp>
+        <p:nvSpPr>
+          <p:cNvPr id="132" name="TextBox 131">
+            <a:extLst>
+              <a:ext uri="{FF2B5EF4-FFF2-40B4-BE49-F238E27FC236}">
+                <a16:creationId xmlns:a16="http://schemas.microsoft.com/office/drawing/2014/main" id="{B92AE358-FD80-435B-B197-3E2A1E8047B7}"/>
+              </a:ext>
+            </a:extLst>
+          </p:cNvPr>
+          <p:cNvSpPr txBox="1"/>
+          <p:nvPr/>
+        </p:nvSpPr>
+        <p:spPr>
+          <a:xfrm>
+            <a:off x="7345814" y="2827384"/>
+            <a:ext cx="317716" cy="400110"/>
+          </a:xfrm>
+          <a:prstGeom prst="rect">
+            <a:avLst/>
+          </a:prstGeom>
+          <a:noFill/>
+        </p:spPr>
+        <p:txBody>
+          <a:bodyPr wrap="none" rtlCol="0">
+            <a:spAutoFit/>
+          </a:bodyPr>
+          <a:lstStyle/>
+          <a:p>
+            <a:r>
+              <a:rPr lang="en-US" sz="2000" dirty="0"/>
+              <a:t>X</a:t>
+            </a:r>
+          </a:p>
+        </p:txBody>
+      </p:sp>
+      <p:sp>
+        <p:nvSpPr>
+          <p:cNvPr id="40" name="Oval 39">
+            <a:extLst>
+              <a:ext uri="{FF2B5EF4-FFF2-40B4-BE49-F238E27FC236}">
+                <a16:creationId xmlns:a16="http://schemas.microsoft.com/office/drawing/2014/main" id="{ACD2E7E8-C39C-459D-9096-D1AFBAA9BBCF}"/>
+              </a:ext>
+            </a:extLst>
+          </p:cNvPr>
+          <p:cNvSpPr/>
+          <p:nvPr/>
+        </p:nvSpPr>
+        <p:spPr>
+          <a:xfrm>
+            <a:off x="3686175" y="391121"/>
+            <a:ext cx="247650" cy="234752"/>
+          </a:xfrm>
+          <a:prstGeom prst="ellipse">
+            <a:avLst/>
+          </a:prstGeom>
+          <a:solidFill>
+            <a:srgbClr val="0070C0"/>
+          </a:solidFill>
+          <a:ln>
+            <a:noFill/>
+          </a:ln>
+        </p:spPr>
+        <p:style>
+          <a:lnRef idx="2">
+            <a:schemeClr val="accent1">
+              <a:shade val="50000"/>
+            </a:schemeClr>
+          </a:lnRef>
+          <a:fillRef idx="1">
+            <a:schemeClr val="accent1"/>
+          </a:fillRef>
+          <a:effectRef idx="0">
+            <a:schemeClr val="accent1"/>
+          </a:effectRef>
+          <a:fontRef idx="minor">
+            <a:schemeClr val="lt1"/>
+          </a:fontRef>
+        </p:style>
+        <p:txBody>
+          <a:bodyPr rtlCol="0" anchor="ctr"/>
+          <a:lstStyle/>
+          <a:p>
+            <a:pPr algn="ctr"/>
+            <a:r>
+              <a:rPr lang="en-US" dirty="0"/>
+              <a:t>1</a:t>
+            </a:r>
+          </a:p>
+        </p:txBody>
+      </p:sp>
+      <p:sp>
+        <p:nvSpPr>
+          <p:cNvPr id="133" name="Oval 132">
+            <a:extLst>
+              <a:ext uri="{FF2B5EF4-FFF2-40B4-BE49-F238E27FC236}">
+                <a16:creationId xmlns:a16="http://schemas.microsoft.com/office/drawing/2014/main" id="{1538B5ED-0030-4A1A-A05D-3236CF8D90A8}"/>
+              </a:ext>
+            </a:extLst>
+          </p:cNvPr>
+          <p:cNvSpPr/>
+          <p:nvPr/>
+        </p:nvSpPr>
+        <p:spPr>
+          <a:xfrm>
+            <a:off x="4379001" y="970795"/>
+            <a:ext cx="247650" cy="234752"/>
+          </a:xfrm>
+          <a:prstGeom prst="ellipse">
+            <a:avLst/>
+          </a:prstGeom>
+          <a:solidFill>
+            <a:srgbClr val="0070C0"/>
+          </a:solidFill>
+          <a:ln>
+            <a:noFill/>
+          </a:ln>
+        </p:spPr>
+        <p:style>
+          <a:lnRef idx="2">
+            <a:schemeClr val="accent1">
+              <a:shade val="50000"/>
+            </a:schemeClr>
+          </a:lnRef>
+          <a:fillRef idx="1">
+            <a:schemeClr val="accent1"/>
+          </a:fillRef>
+          <a:effectRef idx="0">
+            <a:schemeClr val="accent1"/>
+          </a:effectRef>
+          <a:fontRef idx="minor">
+            <a:schemeClr val="lt1"/>
+          </a:fontRef>
+        </p:style>
+        <p:txBody>
+          <a:bodyPr rtlCol="0" anchor="ctr"/>
+          <a:lstStyle/>
+          <a:p>
+            <a:pPr algn="ctr"/>
+            <a:r>
+              <a:rPr lang="en-US" dirty="0"/>
+              <a:t>3</a:t>
+            </a:r>
+          </a:p>
+        </p:txBody>
+      </p:sp>
+      <p:sp>
+        <p:nvSpPr>
+          <p:cNvPr id="134" name="Oval 133">
+            <a:extLst>
+              <a:ext uri="{FF2B5EF4-FFF2-40B4-BE49-F238E27FC236}">
+                <a16:creationId xmlns:a16="http://schemas.microsoft.com/office/drawing/2014/main" id="{9A676B45-2F6F-4690-822E-B1EB0B4A6C22}"/>
+              </a:ext>
+            </a:extLst>
+          </p:cNvPr>
+          <p:cNvSpPr/>
+          <p:nvPr/>
+        </p:nvSpPr>
+        <p:spPr>
+          <a:xfrm>
+            <a:off x="8223413" y="362454"/>
+            <a:ext cx="247650" cy="234752"/>
+          </a:xfrm>
+          <a:prstGeom prst="ellipse">
+            <a:avLst/>
+          </a:prstGeom>
+          <a:solidFill>
+            <a:srgbClr val="0070C0"/>
+          </a:solidFill>
+          <a:ln>
+            <a:noFill/>
+          </a:ln>
+        </p:spPr>
+        <p:style>
+          <a:lnRef idx="2">
+            <a:schemeClr val="accent1">
+              <a:shade val="50000"/>
+            </a:schemeClr>
+          </a:lnRef>
+          <a:fillRef idx="1">
+            <a:schemeClr val="accent1"/>
+          </a:fillRef>
+          <a:effectRef idx="0">
+            <a:schemeClr val="accent1"/>
+          </a:effectRef>
+          <a:fontRef idx="minor">
+            <a:schemeClr val="lt1"/>
+          </a:fontRef>
+        </p:style>
+        <p:txBody>
+          <a:bodyPr rtlCol="0" anchor="ctr"/>
+          <a:lstStyle/>
+          <a:p>
+            <a:pPr algn="ctr"/>
+            <a:r>
+              <a:rPr lang="en-US" dirty="0"/>
+              <a:t>2</a:t>
+            </a:r>
+          </a:p>
+        </p:txBody>
+      </p:sp>
+      <p:sp>
+        <p:nvSpPr>
+          <p:cNvPr id="135" name="Oval 134">
+            <a:extLst>
+              <a:ext uri="{FF2B5EF4-FFF2-40B4-BE49-F238E27FC236}">
+                <a16:creationId xmlns:a16="http://schemas.microsoft.com/office/drawing/2014/main" id="{C464C183-4DD2-4CD8-BB49-2B4754005F14}"/>
+              </a:ext>
+            </a:extLst>
+          </p:cNvPr>
+          <p:cNvSpPr/>
+          <p:nvPr/>
+        </p:nvSpPr>
+        <p:spPr>
+          <a:xfrm>
+            <a:off x="7478185" y="962121"/>
+            <a:ext cx="247650" cy="234752"/>
+          </a:xfrm>
+          <a:prstGeom prst="ellipse">
+            <a:avLst/>
+          </a:prstGeom>
+          <a:solidFill>
+            <a:srgbClr val="0070C0"/>
+          </a:solidFill>
+          <a:ln>
+            <a:noFill/>
+          </a:ln>
+        </p:spPr>
+        <p:style>
+          <a:lnRef idx="2">
+            <a:schemeClr val="accent1">
+              <a:shade val="50000"/>
+            </a:schemeClr>
+          </a:lnRef>
+          <a:fillRef idx="1">
+            <a:schemeClr val="accent1"/>
+          </a:fillRef>
+          <a:effectRef idx="0">
+            <a:schemeClr val="accent1"/>
+          </a:effectRef>
+          <a:fontRef idx="minor">
+            <a:schemeClr val="lt1"/>
+          </a:fontRef>
+        </p:style>
+        <p:txBody>
+          <a:bodyPr rtlCol="0" anchor="ctr"/>
+          <a:lstStyle/>
+          <a:p>
+            <a:pPr algn="ctr"/>
+            <a:r>
+              <a:rPr lang="en-US" dirty="0"/>
+              <a:t>4</a:t>
+            </a:r>
+          </a:p>
+        </p:txBody>
+      </p:sp>
+      <p:cxnSp>
+        <p:nvCxnSpPr>
+          <p:cNvPr id="138" name="Straight Connector 137">
+            <a:extLst>
+              <a:ext uri="{FF2B5EF4-FFF2-40B4-BE49-F238E27FC236}">
+                <a16:creationId xmlns:a16="http://schemas.microsoft.com/office/drawing/2014/main" id="{AFC26050-40A5-457B-84B4-BAB038F51738}"/>
+              </a:ext>
+            </a:extLst>
+          </p:cNvPr>
+          <p:cNvCxnSpPr>
+            <a:cxnSpLocks/>
+          </p:cNvCxnSpPr>
+          <p:nvPr/>
+        </p:nvCxnSpPr>
+        <p:spPr>
+          <a:xfrm flipH="1">
+            <a:off x="2735183" y="2974356"/>
+            <a:ext cx="725898" cy="266239"/>
+          </a:xfrm>
+          <a:prstGeom prst="line">
+            <a:avLst/>
+          </a:prstGeom>
+          <a:ln w="38100">
+            <a:solidFill>
+              <a:schemeClr val="bg1"/>
+            </a:solidFill>
+          </a:ln>
+        </p:spPr>
+        <p:style>
+          <a:lnRef idx="1">
+            <a:schemeClr val="accent1"/>
+          </a:lnRef>
+          <a:fillRef idx="0">
+            <a:schemeClr val="accent1"/>
+          </a:fillRef>
+          <a:effectRef idx="0">
+            <a:schemeClr val="accent1"/>
+          </a:effectRef>
+          <a:fontRef idx="minor">
+            <a:schemeClr val="tx1"/>
+          </a:fontRef>
+        </p:style>
+      </p:cxnSp>
+      <p:cxnSp>
+        <p:nvCxnSpPr>
+          <p:cNvPr id="148" name="Straight Arrow Connector 147">
+            <a:extLst>
+              <a:ext uri="{FF2B5EF4-FFF2-40B4-BE49-F238E27FC236}">
+                <a16:creationId xmlns:a16="http://schemas.microsoft.com/office/drawing/2014/main" id="{A48A3C68-5550-4135-A643-FCD8A72CEDDF}"/>
+              </a:ext>
+            </a:extLst>
+          </p:cNvPr>
+          <p:cNvCxnSpPr>
+            <a:cxnSpLocks/>
+          </p:cNvCxnSpPr>
+          <p:nvPr/>
+        </p:nvCxnSpPr>
+        <p:spPr>
+          <a:xfrm>
+            <a:off x="1980033" y="577630"/>
+            <a:ext cx="0" cy="1167808"/>
+          </a:xfrm>
+          <a:prstGeom prst="straightConnector1">
+            <a:avLst/>
+          </a:prstGeom>
+          <a:ln w="19050">
+            <a:headEnd type="triangle"/>
+            <a:tailEnd type="triangle"/>
+          </a:ln>
+        </p:spPr>
+        <p:style>
+          <a:lnRef idx="1">
+            <a:schemeClr val="accent1"/>
+          </a:lnRef>
+          <a:fillRef idx="0">
+            <a:schemeClr val="accent1"/>
+          </a:fillRef>
+          <a:effectRef idx="0">
+            <a:schemeClr val="accent1"/>
+          </a:effectRef>
+          <a:fontRef idx="minor">
+            <a:schemeClr val="tx1"/>
+          </a:fontRef>
+        </p:style>
+      </p:cxnSp>
+      <p:sp>
+        <p:nvSpPr>
+          <p:cNvPr id="149" name="TextBox 148">
+            <a:extLst>
+              <a:ext uri="{FF2B5EF4-FFF2-40B4-BE49-F238E27FC236}">
+                <a16:creationId xmlns:a16="http://schemas.microsoft.com/office/drawing/2014/main" id="{746EA7F0-20C5-49B4-A092-3625156FA06C}"/>
+              </a:ext>
+            </a:extLst>
+          </p:cNvPr>
+          <p:cNvSpPr txBox="1"/>
+          <p:nvPr/>
+        </p:nvSpPr>
+        <p:spPr>
+          <a:xfrm flipH="1">
+            <a:off x="1624108" y="913533"/>
+            <a:ext cx="582251" cy="400110"/>
+          </a:xfrm>
+          <a:prstGeom prst="rect">
+            <a:avLst/>
+          </a:prstGeom>
+          <a:noFill/>
+        </p:spPr>
+        <p:txBody>
+          <a:bodyPr wrap="square" rtlCol="0">
+            <a:spAutoFit/>
+          </a:bodyPr>
+          <a:lstStyle/>
+          <a:p>
+            <a:r>
+              <a:rPr lang="en-US" sz="2000" dirty="0"/>
+              <a:t>Y</a:t>
+            </a:r>
+          </a:p>
+        </p:txBody>
+      </p:sp>
+      <p:cxnSp>
+        <p:nvCxnSpPr>
+          <p:cNvPr id="150" name="Straight Arrow Connector 149">
+            <a:extLst>
+              <a:ext uri="{FF2B5EF4-FFF2-40B4-BE49-F238E27FC236}">
+                <a16:creationId xmlns:a16="http://schemas.microsoft.com/office/drawing/2014/main" id="{508A2D5F-E2E5-4D9B-94EE-1860672CD3B4}"/>
+              </a:ext>
+            </a:extLst>
+          </p:cNvPr>
+          <p:cNvCxnSpPr>
+            <a:cxnSpLocks/>
+          </p:cNvCxnSpPr>
+          <p:nvPr/>
+        </p:nvCxnSpPr>
+        <p:spPr>
+          <a:xfrm>
+            <a:off x="10116209" y="531453"/>
+            <a:ext cx="12058" cy="1185082"/>
+          </a:xfrm>
+          <a:prstGeom prst="straightConnector1">
+            <a:avLst/>
+          </a:prstGeom>
+          <a:ln w="19050">
+            <a:headEnd type="triangle"/>
+            <a:tailEnd type="triangle"/>
+          </a:ln>
+        </p:spPr>
+        <p:style>
+          <a:lnRef idx="1">
+            <a:schemeClr val="accent1"/>
+          </a:lnRef>
+          <a:fillRef idx="0">
+            <a:schemeClr val="accent1"/>
+          </a:fillRef>
+          <a:effectRef idx="0">
+            <a:schemeClr val="accent1"/>
+          </a:effectRef>
+          <a:fontRef idx="minor">
+            <a:schemeClr val="tx1"/>
+          </a:fontRef>
+        </p:style>
+      </p:cxnSp>
+      <p:sp>
+        <p:nvSpPr>
+          <p:cNvPr id="151" name="TextBox 150">
+            <a:extLst>
+              <a:ext uri="{FF2B5EF4-FFF2-40B4-BE49-F238E27FC236}">
+                <a16:creationId xmlns:a16="http://schemas.microsoft.com/office/drawing/2014/main" id="{94442A9A-04A5-4724-A5A8-0784B002D537}"/>
+              </a:ext>
+            </a:extLst>
+          </p:cNvPr>
+          <p:cNvSpPr txBox="1"/>
+          <p:nvPr/>
+        </p:nvSpPr>
+        <p:spPr>
+          <a:xfrm flipH="1">
+            <a:off x="10107622" y="864310"/>
+            <a:ext cx="582251" cy="400110"/>
+          </a:xfrm>
+          <a:prstGeom prst="rect">
+            <a:avLst/>
+          </a:prstGeom>
+          <a:noFill/>
+        </p:spPr>
+        <p:txBody>
+          <a:bodyPr wrap="square" rtlCol="0">
+            <a:spAutoFit/>
+          </a:bodyPr>
+          <a:lstStyle/>
+          <a:p>
+            <a:r>
+              <a:rPr lang="en-US" sz="2000" dirty="0"/>
+              <a:t>Y</a:t>
+            </a:r>
+          </a:p>
+        </p:txBody>
+      </p:sp>
     </p:spTree>
     <p:extLst>
       <p:ext uri="{BB962C8B-B14F-4D97-AF65-F5344CB8AC3E}">
         <p14:creationId xmlns:p14="http://schemas.microsoft.com/office/powerpoint/2010/main" val="2340805998"/>
+      </p:ext>
+    </p:extLst>
+  </p:cSld>
+  <p:clrMapOvr>
+    <a:masterClrMapping/>
+  </p:clrMapOvr>
+</p:sld>
+</file>
+
+<file path=ppt/slides/slide2.xml><?xml version="1.0" encoding="utf-8"?>
+<p:sld xmlns:a="http://schemas.openxmlformats.org/drawingml/2006/main" xmlns:r="http://schemas.openxmlformats.org/officeDocument/2006/relationships" xmlns:p="http://schemas.openxmlformats.org/presentationml/2006/main">
+  <p:cSld>
+    <p:spTree>
+      <p:nvGrpSpPr>
+        <p:cNvPr id="1" name=""/>
+        <p:cNvGrpSpPr/>
+        <p:nvPr/>
+      </p:nvGrpSpPr>
+      <p:grpSpPr>
+        <a:xfrm>
+          <a:off x="0" y="0"/>
+          <a:ext cx="0" cy="0"/>
+          <a:chOff x="0" y="0"/>
+          <a:chExt cx="0" cy="0"/>
+        </a:xfrm>
+      </p:grpSpPr>
+      <p:sp>
+        <p:nvSpPr>
+          <p:cNvPr id="4" name="Rectangle: Rounded Corners 3">
+            <a:extLst>
+              <a:ext uri="{FF2B5EF4-FFF2-40B4-BE49-F238E27FC236}">
+                <a16:creationId xmlns:a16="http://schemas.microsoft.com/office/drawing/2014/main" id="{795994BD-E03B-460B-AB09-AF75CCF30F4D}"/>
+              </a:ext>
+            </a:extLst>
+          </p:cNvPr>
+          <p:cNvSpPr/>
+          <p:nvPr/>
+        </p:nvSpPr>
+        <p:spPr>
+          <a:xfrm>
+            <a:off x="2288881" y="1025753"/>
+            <a:ext cx="7370472" cy="3335440"/>
+          </a:xfrm>
+          <a:prstGeom prst="roundRect">
+            <a:avLst/>
+          </a:prstGeom>
+          <a:effectLst>
+            <a:softEdge rad="0"/>
+          </a:effectLst>
+        </p:spPr>
+        <p:style>
+          <a:lnRef idx="2">
+            <a:schemeClr val="accent1">
+              <a:shade val="50000"/>
+            </a:schemeClr>
+          </a:lnRef>
+          <a:fillRef idx="1">
+            <a:schemeClr val="accent1"/>
+          </a:fillRef>
+          <a:effectRef idx="0">
+            <a:schemeClr val="accent1"/>
+          </a:effectRef>
+          <a:fontRef idx="minor">
+            <a:schemeClr val="lt1"/>
+          </a:fontRef>
+        </p:style>
+        <p:txBody>
+          <a:bodyPr rtlCol="0" anchor="ctr"/>
+          <a:lstStyle/>
+          <a:p>
+            <a:pPr algn="ctr"/>
+            <a:r>
+              <a:rPr lang="en-US" dirty="0">
+                <a:latin typeface="Arial" panose="020B0604020202020204" pitchFamily="34" charset="0"/>
+                <a:cs typeface="Arial" panose="020B0604020202020204" pitchFamily="34" charset="0"/>
+              </a:rPr>
+              <a:t>1</a:t>
+            </a:r>
+          </a:p>
+        </p:txBody>
+      </p:sp>
+      <p:cxnSp>
+        <p:nvCxnSpPr>
+          <p:cNvPr id="5" name="Straight Connector 4">
+            <a:extLst>
+              <a:ext uri="{FF2B5EF4-FFF2-40B4-BE49-F238E27FC236}">
+                <a16:creationId xmlns:a16="http://schemas.microsoft.com/office/drawing/2014/main" id="{22770C83-1D94-4660-8C92-920DEE20BF6B}"/>
+              </a:ext>
+            </a:extLst>
+          </p:cNvPr>
+          <p:cNvCxnSpPr>
+            <a:cxnSpLocks/>
+            <a:stCxn id="4" idx="0"/>
+            <a:endCxn id="4" idx="2"/>
+          </p:cNvCxnSpPr>
+          <p:nvPr/>
+        </p:nvCxnSpPr>
+        <p:spPr>
+          <a:xfrm>
+            <a:off x="5974117" y="1025753"/>
+            <a:ext cx="0" cy="3335440"/>
+          </a:xfrm>
+          <a:prstGeom prst="line">
+            <a:avLst/>
+          </a:prstGeom>
+          <a:ln w="38100">
+            <a:solidFill>
+              <a:schemeClr val="bg1"/>
+            </a:solidFill>
+          </a:ln>
+        </p:spPr>
+        <p:style>
+          <a:lnRef idx="1">
+            <a:schemeClr val="accent1"/>
+          </a:lnRef>
+          <a:fillRef idx="0">
+            <a:schemeClr val="accent1"/>
+          </a:fillRef>
+          <a:effectRef idx="0">
+            <a:schemeClr val="accent1"/>
+          </a:effectRef>
+          <a:fontRef idx="minor">
+            <a:schemeClr val="tx1"/>
+          </a:fontRef>
+        </p:style>
+      </p:cxnSp>
+      <p:sp>
+        <p:nvSpPr>
+          <p:cNvPr id="6" name="Rectangle: Rounded Corners 5">
+            <a:extLst>
+              <a:ext uri="{FF2B5EF4-FFF2-40B4-BE49-F238E27FC236}">
+                <a16:creationId xmlns:a16="http://schemas.microsoft.com/office/drawing/2014/main" id="{247EE05D-2374-4ED6-BF3C-ECEFFBF030C5}"/>
+              </a:ext>
+            </a:extLst>
+          </p:cNvPr>
+          <p:cNvSpPr/>
+          <p:nvPr/>
+        </p:nvSpPr>
+        <p:spPr>
+          <a:xfrm>
+            <a:off x="2417358" y="1586108"/>
+            <a:ext cx="1621315" cy="799547"/>
+          </a:xfrm>
+          <a:prstGeom prst="roundRect">
+            <a:avLst/>
+          </a:prstGeom>
+          <a:solidFill>
+            <a:srgbClr val="00B050"/>
+          </a:solidFill>
+          <a:ln>
+            <a:noFill/>
+          </a:ln>
+        </p:spPr>
+        <p:style>
+          <a:lnRef idx="2">
+            <a:schemeClr val="accent1">
+              <a:shade val="50000"/>
+            </a:schemeClr>
+          </a:lnRef>
+          <a:fillRef idx="1">
+            <a:schemeClr val="accent1"/>
+          </a:fillRef>
+          <a:effectRef idx="0">
+            <a:schemeClr val="accent1"/>
+          </a:effectRef>
+          <a:fontRef idx="minor">
+            <a:schemeClr val="lt1"/>
+          </a:fontRef>
+        </p:style>
+        <p:txBody>
+          <a:bodyPr rtlCol="0" anchor="ctr"/>
+          <a:lstStyle/>
+          <a:p>
+            <a:pPr algn="ctr"/>
+            <a:r>
+              <a:rPr lang="en-US" dirty="0">
+                <a:latin typeface="Arial" panose="020B0604020202020204" pitchFamily="34" charset="0"/>
+                <a:cs typeface="Arial" panose="020B0604020202020204" pitchFamily="34" charset="0"/>
+              </a:rPr>
+              <a:t>↑ Y, → X1</a:t>
+            </a:r>
+            <a:endParaRPr lang="en-US" sz="1600" dirty="0">
+              <a:latin typeface="Arial" panose="020B0604020202020204" pitchFamily="34" charset="0"/>
+              <a:cs typeface="Arial" panose="020B0604020202020204" pitchFamily="34" charset="0"/>
+            </a:endParaRPr>
+          </a:p>
+        </p:txBody>
+      </p:sp>
+      <p:sp>
+        <p:nvSpPr>
+          <p:cNvPr id="7" name="Rectangle: Rounded Corners 6">
+            <a:extLst>
+              <a:ext uri="{FF2B5EF4-FFF2-40B4-BE49-F238E27FC236}">
+                <a16:creationId xmlns:a16="http://schemas.microsoft.com/office/drawing/2014/main" id="{7B32F3B5-4153-4B78-A1B5-92CAC2FCFE4D}"/>
+              </a:ext>
+            </a:extLst>
+          </p:cNvPr>
+          <p:cNvSpPr/>
+          <p:nvPr/>
+        </p:nvSpPr>
+        <p:spPr>
+          <a:xfrm>
+            <a:off x="2425698" y="2478431"/>
+            <a:ext cx="1621315" cy="799547"/>
+          </a:xfrm>
+          <a:prstGeom prst="roundRect">
+            <a:avLst/>
+          </a:prstGeom>
+          <a:solidFill>
+            <a:srgbClr val="FFC000"/>
+          </a:solidFill>
+          <a:ln>
+            <a:noFill/>
+          </a:ln>
+        </p:spPr>
+        <p:style>
+          <a:lnRef idx="2">
+            <a:schemeClr val="accent1">
+              <a:shade val="50000"/>
+            </a:schemeClr>
+          </a:lnRef>
+          <a:fillRef idx="1">
+            <a:schemeClr val="accent1"/>
+          </a:fillRef>
+          <a:effectRef idx="0">
+            <a:schemeClr val="accent1"/>
+          </a:effectRef>
+          <a:fontRef idx="minor">
+            <a:schemeClr val="lt1"/>
+          </a:fontRef>
+        </p:style>
+        <p:txBody>
+          <a:bodyPr rtlCol="0" anchor="ctr"/>
+          <a:lstStyle/>
+          <a:p>
+            <a:pPr algn="ctr"/>
+            <a:r>
+              <a:rPr lang="en-US" dirty="0">
+                <a:latin typeface="Arial" panose="020B0604020202020204" pitchFamily="34" charset="0"/>
+                <a:cs typeface="Arial" panose="020B0604020202020204" pitchFamily="34" charset="0"/>
+              </a:rPr>
+              <a:t>← (X3 + X2), ↑ Y, turn → </a:t>
+            </a:r>
+            <a:endParaRPr lang="en-US" sz="1600" dirty="0">
+              <a:latin typeface="Arial" panose="020B0604020202020204" pitchFamily="34" charset="0"/>
+              <a:cs typeface="Arial" panose="020B0604020202020204" pitchFamily="34" charset="0"/>
+            </a:endParaRPr>
+          </a:p>
+        </p:txBody>
+      </p:sp>
+      <p:sp>
+        <p:nvSpPr>
+          <p:cNvPr id="8" name="Rectangle: Rounded Corners 7">
+            <a:extLst>
+              <a:ext uri="{FF2B5EF4-FFF2-40B4-BE49-F238E27FC236}">
+                <a16:creationId xmlns:a16="http://schemas.microsoft.com/office/drawing/2014/main" id="{AA0BBC95-4004-4AD8-AB2B-8BC57AD2BB51}"/>
+              </a:ext>
+            </a:extLst>
+          </p:cNvPr>
+          <p:cNvSpPr/>
+          <p:nvPr/>
+        </p:nvSpPr>
+        <p:spPr>
+          <a:xfrm>
+            <a:off x="2423461" y="3370754"/>
+            <a:ext cx="1621315" cy="799547"/>
+          </a:xfrm>
+          <a:prstGeom prst="roundRect">
+            <a:avLst/>
+          </a:prstGeom>
+          <a:solidFill>
+            <a:schemeClr val="accent2">
+              <a:lumMod val="75000"/>
+            </a:schemeClr>
+          </a:solidFill>
+          <a:ln>
+            <a:noFill/>
+          </a:ln>
+        </p:spPr>
+        <p:style>
+          <a:lnRef idx="2">
+            <a:schemeClr val="accent1">
+              <a:shade val="50000"/>
+            </a:schemeClr>
+          </a:lnRef>
+          <a:fillRef idx="1">
+            <a:schemeClr val="accent1"/>
+          </a:fillRef>
+          <a:effectRef idx="0">
+            <a:schemeClr val="accent1"/>
+          </a:effectRef>
+          <a:fontRef idx="minor">
+            <a:schemeClr val="lt1"/>
+          </a:fontRef>
+        </p:style>
+        <p:txBody>
+          <a:bodyPr rtlCol="0" anchor="ctr"/>
+          <a:lstStyle/>
+          <a:p>
+            <a:pPr algn="ctr"/>
+            <a:r>
+              <a:rPr lang="en-US" dirty="0">
+                <a:latin typeface="Arial" panose="020B0604020202020204" pitchFamily="34" charset="0"/>
+                <a:cs typeface="Arial" panose="020B0604020202020204" pitchFamily="34" charset="0"/>
+              </a:rPr>
+              <a:t>← (X + X3 + X2), ↑ Y,    turn → </a:t>
+            </a:r>
+          </a:p>
+        </p:txBody>
+      </p:sp>
+      <p:sp>
+        <p:nvSpPr>
+          <p:cNvPr id="9" name="Rectangle: Rounded Corners 8">
+            <a:extLst>
+              <a:ext uri="{FF2B5EF4-FFF2-40B4-BE49-F238E27FC236}">
+                <a16:creationId xmlns:a16="http://schemas.microsoft.com/office/drawing/2014/main" id="{ACA31AD5-FE77-4247-81A1-BD357073DFB9}"/>
+              </a:ext>
+            </a:extLst>
+          </p:cNvPr>
+          <p:cNvSpPr/>
+          <p:nvPr/>
+        </p:nvSpPr>
+        <p:spPr>
+          <a:xfrm>
+            <a:off x="4238758" y="1586108"/>
+            <a:ext cx="1621315" cy="799547"/>
+          </a:xfrm>
+          <a:prstGeom prst="roundRect">
+            <a:avLst/>
+          </a:prstGeom>
+          <a:solidFill>
+            <a:srgbClr val="00B050"/>
+          </a:solidFill>
+          <a:ln>
+            <a:noFill/>
+          </a:ln>
+        </p:spPr>
+        <p:style>
+          <a:lnRef idx="2">
+            <a:schemeClr val="accent1">
+              <a:shade val="50000"/>
+            </a:schemeClr>
+          </a:lnRef>
+          <a:fillRef idx="1">
+            <a:schemeClr val="accent1"/>
+          </a:fillRef>
+          <a:effectRef idx="0">
+            <a:schemeClr val="accent1"/>
+          </a:effectRef>
+          <a:fontRef idx="minor">
+            <a:schemeClr val="lt1"/>
+          </a:fontRef>
+        </p:style>
+        <p:txBody>
+          <a:bodyPr rtlCol="0" anchor="ctr"/>
+          <a:lstStyle/>
+          <a:p>
+            <a:pPr algn="ctr"/>
+            <a:r>
+              <a:rPr lang="en-US" dirty="0">
+                <a:latin typeface="Arial" panose="020B0604020202020204" pitchFamily="34" charset="0"/>
+                <a:cs typeface="Arial" panose="020B0604020202020204" pitchFamily="34" charset="0"/>
+              </a:rPr>
+              <a:t>→ (X+X3+ X2), ↑ Y,  turn ← </a:t>
+            </a:r>
+            <a:endParaRPr lang="en-US" sz="1600" dirty="0">
+              <a:latin typeface="Arial" panose="020B0604020202020204" pitchFamily="34" charset="0"/>
+              <a:cs typeface="Arial" panose="020B0604020202020204" pitchFamily="34" charset="0"/>
+            </a:endParaRPr>
+          </a:p>
+        </p:txBody>
+      </p:sp>
+      <p:sp>
+        <p:nvSpPr>
+          <p:cNvPr id="10" name="Rectangle: Rounded Corners 9">
+            <a:extLst>
+              <a:ext uri="{FF2B5EF4-FFF2-40B4-BE49-F238E27FC236}">
+                <a16:creationId xmlns:a16="http://schemas.microsoft.com/office/drawing/2014/main" id="{E9054FE0-FA2F-4479-A982-DFEC84A9E82C}"/>
+              </a:ext>
+            </a:extLst>
+          </p:cNvPr>
+          <p:cNvSpPr/>
+          <p:nvPr/>
+        </p:nvSpPr>
+        <p:spPr>
+          <a:xfrm>
+            <a:off x="4232655" y="2483472"/>
+            <a:ext cx="1621315" cy="799547"/>
+          </a:xfrm>
+          <a:prstGeom prst="roundRect">
+            <a:avLst/>
+          </a:prstGeom>
+          <a:solidFill>
+            <a:srgbClr val="FFC000"/>
+          </a:solidFill>
+          <a:ln>
+            <a:noFill/>
+          </a:ln>
+        </p:spPr>
+        <p:style>
+          <a:lnRef idx="2">
+            <a:schemeClr val="accent1">
+              <a:shade val="50000"/>
+            </a:schemeClr>
+          </a:lnRef>
+          <a:fillRef idx="1">
+            <a:schemeClr val="accent1"/>
+          </a:fillRef>
+          <a:effectRef idx="0">
+            <a:schemeClr val="accent1"/>
+          </a:effectRef>
+          <a:fontRef idx="minor">
+            <a:schemeClr val="lt1"/>
+          </a:fontRef>
+        </p:style>
+        <p:txBody>
+          <a:bodyPr rtlCol="0" anchor="ctr"/>
+          <a:lstStyle/>
+          <a:p>
+            <a:pPr algn="ctr"/>
+            <a:r>
+              <a:rPr lang="en-US" dirty="0">
+                <a:latin typeface="Arial" panose="020B0604020202020204" pitchFamily="34" charset="0"/>
+                <a:cs typeface="Arial" panose="020B0604020202020204" pitchFamily="34" charset="0"/>
+              </a:rPr>
+              <a:t>→ (X3 + X2), ↑ Y, turn ←</a:t>
+            </a:r>
+          </a:p>
+        </p:txBody>
+      </p:sp>
+      <p:sp>
+        <p:nvSpPr>
+          <p:cNvPr id="11" name="Rectangle: Rounded Corners 10">
+            <a:extLst>
+              <a:ext uri="{FF2B5EF4-FFF2-40B4-BE49-F238E27FC236}">
+                <a16:creationId xmlns:a16="http://schemas.microsoft.com/office/drawing/2014/main" id="{00F9ECB4-F95D-4DB5-8019-5FC64258879A}"/>
+              </a:ext>
+            </a:extLst>
+          </p:cNvPr>
+          <p:cNvSpPr/>
+          <p:nvPr/>
+        </p:nvSpPr>
+        <p:spPr>
+          <a:xfrm>
+            <a:off x="4221210" y="3365703"/>
+            <a:ext cx="1653049" cy="799547"/>
+          </a:xfrm>
+          <a:prstGeom prst="roundRect">
+            <a:avLst/>
+          </a:prstGeom>
+          <a:solidFill>
+            <a:schemeClr val="accent2">
+              <a:lumMod val="75000"/>
+            </a:schemeClr>
+          </a:solidFill>
+          <a:ln>
+            <a:noFill/>
+          </a:ln>
+        </p:spPr>
+        <p:style>
+          <a:lnRef idx="2">
+            <a:schemeClr val="accent1">
+              <a:shade val="50000"/>
+            </a:schemeClr>
+          </a:lnRef>
+          <a:fillRef idx="1">
+            <a:schemeClr val="accent1"/>
+          </a:fillRef>
+          <a:effectRef idx="0">
+            <a:schemeClr val="accent1"/>
+          </a:effectRef>
+          <a:fontRef idx="minor">
+            <a:schemeClr val="lt1"/>
+          </a:fontRef>
+        </p:style>
+        <p:txBody>
+          <a:bodyPr rtlCol="0" anchor="ctr"/>
+          <a:lstStyle/>
+          <a:p>
+            <a:pPr algn="ctr"/>
+            <a:r>
+              <a:rPr lang="en-US" dirty="0">
+                <a:latin typeface="Arial" panose="020B0604020202020204" pitchFamily="34" charset="0"/>
+                <a:cs typeface="Arial" panose="020B0604020202020204" pitchFamily="34" charset="0"/>
+              </a:rPr>
+              <a:t>↑ Y, ← X1</a:t>
+            </a:r>
+          </a:p>
+        </p:txBody>
+      </p:sp>
+      <p:cxnSp>
+        <p:nvCxnSpPr>
+          <p:cNvPr id="12" name="Straight Connector 11">
+            <a:extLst>
+              <a:ext uri="{FF2B5EF4-FFF2-40B4-BE49-F238E27FC236}">
+                <a16:creationId xmlns:a16="http://schemas.microsoft.com/office/drawing/2014/main" id="{49CD9136-415E-4766-B8AB-B3D838C136D8}"/>
+              </a:ext>
+            </a:extLst>
+          </p:cNvPr>
+          <p:cNvCxnSpPr>
+            <a:cxnSpLocks/>
+          </p:cNvCxnSpPr>
+          <p:nvPr/>
+        </p:nvCxnSpPr>
+        <p:spPr>
+          <a:xfrm>
+            <a:off x="4133990" y="1035913"/>
+            <a:ext cx="0" cy="3335440"/>
+          </a:xfrm>
+          <a:prstGeom prst="line">
+            <a:avLst/>
+          </a:prstGeom>
+          <a:ln w="38100">
+            <a:solidFill>
+              <a:schemeClr val="bg1"/>
+            </a:solidFill>
+          </a:ln>
+        </p:spPr>
+        <p:style>
+          <a:lnRef idx="1">
+            <a:schemeClr val="accent1"/>
+          </a:lnRef>
+          <a:fillRef idx="0">
+            <a:schemeClr val="accent1"/>
+          </a:fillRef>
+          <a:effectRef idx="0">
+            <a:schemeClr val="accent1"/>
+          </a:effectRef>
+          <a:fontRef idx="minor">
+            <a:schemeClr val="tx1"/>
+          </a:fontRef>
+        </p:style>
+      </p:cxnSp>
+      <p:cxnSp>
+        <p:nvCxnSpPr>
+          <p:cNvPr id="13" name="Straight Connector 12">
+            <a:extLst>
+              <a:ext uri="{FF2B5EF4-FFF2-40B4-BE49-F238E27FC236}">
+                <a16:creationId xmlns:a16="http://schemas.microsoft.com/office/drawing/2014/main" id="{2475AA19-E491-4B56-9531-2AFCB3BA4745}"/>
+              </a:ext>
+            </a:extLst>
+          </p:cNvPr>
+          <p:cNvCxnSpPr>
+            <a:cxnSpLocks/>
+          </p:cNvCxnSpPr>
+          <p:nvPr/>
+        </p:nvCxnSpPr>
+        <p:spPr>
+          <a:xfrm>
+            <a:off x="7788683" y="1025753"/>
+            <a:ext cx="0" cy="3335440"/>
+          </a:xfrm>
+          <a:prstGeom prst="line">
+            <a:avLst/>
+          </a:prstGeom>
+          <a:ln w="38100">
+            <a:solidFill>
+              <a:schemeClr val="bg1"/>
+            </a:solidFill>
+          </a:ln>
+        </p:spPr>
+        <p:style>
+          <a:lnRef idx="1">
+            <a:schemeClr val="accent1"/>
+          </a:lnRef>
+          <a:fillRef idx="0">
+            <a:schemeClr val="accent1"/>
+          </a:fillRef>
+          <a:effectRef idx="0">
+            <a:schemeClr val="accent1"/>
+          </a:effectRef>
+          <a:fontRef idx="minor">
+            <a:schemeClr val="tx1"/>
+          </a:fontRef>
+        </p:style>
+      </p:cxnSp>
+      <p:sp>
+        <p:nvSpPr>
+          <p:cNvPr id="14" name="Rectangle: Rounded Corners 13">
+            <a:extLst>
+              <a:ext uri="{FF2B5EF4-FFF2-40B4-BE49-F238E27FC236}">
+                <a16:creationId xmlns:a16="http://schemas.microsoft.com/office/drawing/2014/main" id="{82E37E28-87FB-4B85-B2F6-1705F9C6401E}"/>
+              </a:ext>
+            </a:extLst>
+          </p:cNvPr>
+          <p:cNvSpPr/>
+          <p:nvPr/>
+        </p:nvSpPr>
+        <p:spPr>
+          <a:xfrm>
+            <a:off x="6067629" y="1591994"/>
+            <a:ext cx="1621315" cy="799547"/>
+          </a:xfrm>
+          <a:prstGeom prst="roundRect">
+            <a:avLst/>
+          </a:prstGeom>
+          <a:solidFill>
+            <a:srgbClr val="00B050"/>
+          </a:solidFill>
+          <a:ln>
+            <a:noFill/>
+          </a:ln>
+        </p:spPr>
+        <p:style>
+          <a:lnRef idx="2">
+            <a:schemeClr val="accent1">
+              <a:shade val="50000"/>
+            </a:schemeClr>
+          </a:lnRef>
+          <a:fillRef idx="1">
+            <a:schemeClr val="accent1"/>
+          </a:fillRef>
+          <a:effectRef idx="0">
+            <a:schemeClr val="accent1"/>
+          </a:effectRef>
+          <a:fontRef idx="minor">
+            <a:schemeClr val="lt1"/>
+          </a:fontRef>
+        </p:style>
+        <p:txBody>
+          <a:bodyPr rtlCol="0" anchor="ctr"/>
+          <a:lstStyle/>
+          <a:p>
+            <a:pPr algn="ctr"/>
+            <a:r>
+              <a:rPr lang="en-US" dirty="0">
+                <a:latin typeface="Arial" panose="020B0604020202020204" pitchFamily="34" charset="0"/>
+                <a:cs typeface="Arial" panose="020B0604020202020204" pitchFamily="34" charset="0"/>
+              </a:rPr>
+              <a:t>→ (X1 + X2), ↑ Y1</a:t>
+            </a:r>
+            <a:endParaRPr lang="en-US" sz="1600" dirty="0">
+              <a:latin typeface="Arial" panose="020B0604020202020204" pitchFamily="34" charset="0"/>
+              <a:cs typeface="Arial" panose="020B0604020202020204" pitchFamily="34" charset="0"/>
+            </a:endParaRPr>
+          </a:p>
+        </p:txBody>
+      </p:sp>
+      <p:sp>
+        <p:nvSpPr>
+          <p:cNvPr id="15" name="Rectangle: Rounded Corners 14">
+            <a:extLst>
+              <a:ext uri="{FF2B5EF4-FFF2-40B4-BE49-F238E27FC236}">
+                <a16:creationId xmlns:a16="http://schemas.microsoft.com/office/drawing/2014/main" id="{D4987FB5-2A56-4A1C-B6F7-BBACEC26AE60}"/>
+              </a:ext>
+            </a:extLst>
+          </p:cNvPr>
+          <p:cNvSpPr/>
+          <p:nvPr/>
+        </p:nvSpPr>
+        <p:spPr>
+          <a:xfrm>
+            <a:off x="6061526" y="2489358"/>
+            <a:ext cx="1621315" cy="799547"/>
+          </a:xfrm>
+          <a:prstGeom prst="roundRect">
+            <a:avLst/>
+          </a:prstGeom>
+          <a:solidFill>
+            <a:srgbClr val="FFC000"/>
+          </a:solidFill>
+          <a:ln>
+            <a:noFill/>
+          </a:ln>
+        </p:spPr>
+        <p:style>
+          <a:lnRef idx="2">
+            <a:schemeClr val="accent1">
+              <a:shade val="50000"/>
+            </a:schemeClr>
+          </a:lnRef>
+          <a:fillRef idx="1">
+            <a:schemeClr val="accent1"/>
+          </a:fillRef>
+          <a:effectRef idx="0">
+            <a:schemeClr val="accent1"/>
+          </a:effectRef>
+          <a:fontRef idx="minor">
+            <a:schemeClr val="lt1"/>
+          </a:fontRef>
+        </p:style>
+        <p:txBody>
+          <a:bodyPr rtlCol="0" anchor="ctr"/>
+          <a:lstStyle/>
+          <a:p>
+            <a:pPr algn="ctr"/>
+            <a:r>
+              <a:rPr lang="en-US" dirty="0">
+                <a:latin typeface="Arial" panose="020B0604020202020204" pitchFamily="34" charset="0"/>
+                <a:cs typeface="Arial" panose="020B0604020202020204" pitchFamily="34" charset="0"/>
+              </a:rPr>
+              <a:t>← X3, ↑ Y1 </a:t>
+            </a:r>
+          </a:p>
+        </p:txBody>
+      </p:sp>
+      <p:sp>
+        <p:nvSpPr>
+          <p:cNvPr id="16" name="Rectangle: Rounded Corners 15">
+            <a:extLst>
+              <a:ext uri="{FF2B5EF4-FFF2-40B4-BE49-F238E27FC236}">
+                <a16:creationId xmlns:a16="http://schemas.microsoft.com/office/drawing/2014/main" id="{3C2C9F8A-C525-4270-AEE6-B98F07A6B1E5}"/>
+              </a:ext>
+            </a:extLst>
+          </p:cNvPr>
+          <p:cNvSpPr/>
+          <p:nvPr/>
+        </p:nvSpPr>
+        <p:spPr>
+          <a:xfrm>
+            <a:off x="6050081" y="3371589"/>
+            <a:ext cx="1653049" cy="799547"/>
+          </a:xfrm>
+          <a:prstGeom prst="roundRect">
+            <a:avLst/>
+          </a:prstGeom>
+          <a:solidFill>
+            <a:schemeClr val="accent2">
+              <a:lumMod val="75000"/>
+            </a:schemeClr>
+          </a:solidFill>
+          <a:ln>
+            <a:noFill/>
+          </a:ln>
+        </p:spPr>
+        <p:style>
+          <a:lnRef idx="2">
+            <a:schemeClr val="accent1">
+              <a:shade val="50000"/>
+            </a:schemeClr>
+          </a:lnRef>
+          <a:fillRef idx="1">
+            <a:schemeClr val="accent1"/>
+          </a:fillRef>
+          <a:effectRef idx="0">
+            <a:schemeClr val="accent1"/>
+          </a:effectRef>
+          <a:fontRef idx="minor">
+            <a:schemeClr val="lt1"/>
+          </a:fontRef>
+        </p:style>
+        <p:txBody>
+          <a:bodyPr rtlCol="0" anchor="ctr"/>
+          <a:lstStyle/>
+          <a:p>
+            <a:pPr algn="ctr"/>
+            <a:r>
+              <a:rPr lang="en-US" dirty="0">
+                <a:latin typeface="Arial" panose="020B0604020202020204" pitchFamily="34" charset="0"/>
+                <a:cs typeface="Arial" panose="020B0604020202020204" pitchFamily="34" charset="0"/>
+              </a:rPr>
+              <a:t>←(X + X3),     ↑ Y1</a:t>
+            </a:r>
+          </a:p>
+        </p:txBody>
+      </p:sp>
+      <p:sp>
+        <p:nvSpPr>
+          <p:cNvPr id="17" name="Rectangle: Rounded Corners 16">
+            <a:extLst>
+              <a:ext uri="{FF2B5EF4-FFF2-40B4-BE49-F238E27FC236}">
+                <a16:creationId xmlns:a16="http://schemas.microsoft.com/office/drawing/2014/main" id="{FE8B9AB8-BCA7-4AE1-B700-21B77AF21190}"/>
+              </a:ext>
+            </a:extLst>
+          </p:cNvPr>
+          <p:cNvSpPr/>
+          <p:nvPr/>
+        </p:nvSpPr>
+        <p:spPr>
+          <a:xfrm>
+            <a:off x="7876091" y="1567311"/>
+            <a:ext cx="1621315" cy="799547"/>
+          </a:xfrm>
+          <a:prstGeom prst="roundRect">
+            <a:avLst/>
+          </a:prstGeom>
+          <a:solidFill>
+            <a:srgbClr val="00B050"/>
+          </a:solidFill>
+          <a:ln>
+            <a:noFill/>
+          </a:ln>
+        </p:spPr>
+        <p:style>
+          <a:lnRef idx="2">
+            <a:schemeClr val="accent1">
+              <a:shade val="50000"/>
+            </a:schemeClr>
+          </a:lnRef>
+          <a:fillRef idx="1">
+            <a:schemeClr val="accent1"/>
+          </a:fillRef>
+          <a:effectRef idx="0">
+            <a:schemeClr val="accent1"/>
+          </a:effectRef>
+          <a:fontRef idx="minor">
+            <a:schemeClr val="lt1"/>
+          </a:fontRef>
+        </p:style>
+        <p:txBody>
+          <a:bodyPr rtlCol="0" anchor="ctr"/>
+          <a:lstStyle/>
+          <a:p>
+            <a:pPr algn="ctr"/>
+            <a:r>
+              <a:rPr lang="en-US" dirty="0">
+                <a:latin typeface="Arial" panose="020B0604020202020204" pitchFamily="34" charset="0"/>
+                <a:cs typeface="Arial" panose="020B0604020202020204" pitchFamily="34" charset="0"/>
+              </a:rPr>
+              <a:t>→ (X + X3),   ↑ Y1 </a:t>
+            </a:r>
+            <a:endParaRPr lang="en-US" sz="1600" dirty="0">
+              <a:latin typeface="Arial" panose="020B0604020202020204" pitchFamily="34" charset="0"/>
+              <a:cs typeface="Arial" panose="020B0604020202020204" pitchFamily="34" charset="0"/>
+            </a:endParaRPr>
+          </a:p>
+        </p:txBody>
+      </p:sp>
+      <p:sp>
+        <p:nvSpPr>
+          <p:cNvPr id="18" name="Rectangle: Rounded Corners 17">
+            <a:extLst>
+              <a:ext uri="{FF2B5EF4-FFF2-40B4-BE49-F238E27FC236}">
+                <a16:creationId xmlns:a16="http://schemas.microsoft.com/office/drawing/2014/main" id="{13F966A2-8698-4EBE-A4CA-9100F2C6D09B}"/>
+              </a:ext>
+            </a:extLst>
+          </p:cNvPr>
+          <p:cNvSpPr/>
+          <p:nvPr/>
+        </p:nvSpPr>
+        <p:spPr>
+          <a:xfrm>
+            <a:off x="7869988" y="2464675"/>
+            <a:ext cx="1621315" cy="799547"/>
+          </a:xfrm>
+          <a:prstGeom prst="roundRect">
+            <a:avLst/>
+          </a:prstGeom>
+          <a:solidFill>
+            <a:srgbClr val="FFC000"/>
+          </a:solidFill>
+          <a:ln>
+            <a:noFill/>
+          </a:ln>
+        </p:spPr>
+        <p:style>
+          <a:lnRef idx="2">
+            <a:schemeClr val="accent1">
+              <a:shade val="50000"/>
+            </a:schemeClr>
+          </a:lnRef>
+          <a:fillRef idx="1">
+            <a:schemeClr val="accent1"/>
+          </a:fillRef>
+          <a:effectRef idx="0">
+            <a:schemeClr val="accent1"/>
+          </a:effectRef>
+          <a:fontRef idx="minor">
+            <a:schemeClr val="lt1"/>
+          </a:fontRef>
+        </p:style>
+        <p:txBody>
+          <a:bodyPr rtlCol="0" anchor="ctr"/>
+          <a:lstStyle/>
+          <a:p>
+            <a:pPr algn="ctr"/>
+            <a:r>
+              <a:rPr lang="en-US" dirty="0">
+                <a:latin typeface="Arial" panose="020B0604020202020204" pitchFamily="34" charset="0"/>
+                <a:cs typeface="Arial" panose="020B0604020202020204" pitchFamily="34" charset="0"/>
+              </a:rPr>
+              <a:t>→ X3, ↑ Y1</a:t>
+            </a:r>
+          </a:p>
+        </p:txBody>
+      </p:sp>
+      <p:sp>
+        <p:nvSpPr>
+          <p:cNvPr id="19" name="Rectangle: Rounded Corners 18">
+            <a:extLst>
+              <a:ext uri="{FF2B5EF4-FFF2-40B4-BE49-F238E27FC236}">
+                <a16:creationId xmlns:a16="http://schemas.microsoft.com/office/drawing/2014/main" id="{73A84BE6-27DC-4711-AC23-01196166F678}"/>
+              </a:ext>
+            </a:extLst>
+          </p:cNvPr>
+          <p:cNvSpPr/>
+          <p:nvPr/>
+        </p:nvSpPr>
+        <p:spPr>
+          <a:xfrm>
+            <a:off x="7858543" y="3346906"/>
+            <a:ext cx="1653049" cy="799547"/>
+          </a:xfrm>
+          <a:prstGeom prst="roundRect">
+            <a:avLst/>
+          </a:prstGeom>
+          <a:solidFill>
+            <a:schemeClr val="accent2">
+              <a:lumMod val="75000"/>
+            </a:schemeClr>
+          </a:solidFill>
+          <a:ln>
+            <a:noFill/>
+          </a:ln>
+        </p:spPr>
+        <p:style>
+          <a:lnRef idx="2">
+            <a:schemeClr val="accent1">
+              <a:shade val="50000"/>
+            </a:schemeClr>
+          </a:lnRef>
+          <a:fillRef idx="1">
+            <a:schemeClr val="accent1"/>
+          </a:fillRef>
+          <a:effectRef idx="0">
+            <a:schemeClr val="accent1"/>
+          </a:effectRef>
+          <a:fontRef idx="minor">
+            <a:schemeClr val="lt1"/>
+          </a:fontRef>
+        </p:style>
+        <p:txBody>
+          <a:bodyPr rtlCol="0" anchor="ctr"/>
+          <a:lstStyle/>
+          <a:p>
+            <a:pPr algn="ctr"/>
+            <a:r>
+              <a:rPr lang="en-US" dirty="0">
+                <a:latin typeface="Arial" panose="020B0604020202020204" pitchFamily="34" charset="0"/>
+                <a:cs typeface="Arial" panose="020B0604020202020204" pitchFamily="34" charset="0"/>
+              </a:rPr>
+              <a:t>← (X1 + X2), ↑ Y1</a:t>
+            </a:r>
+          </a:p>
+        </p:txBody>
+      </p:sp>
+      <p:sp>
+        <p:nvSpPr>
+          <p:cNvPr id="20" name="TextBox 19">
+            <a:extLst>
+              <a:ext uri="{FF2B5EF4-FFF2-40B4-BE49-F238E27FC236}">
+                <a16:creationId xmlns:a16="http://schemas.microsoft.com/office/drawing/2014/main" id="{EE8E0734-2296-4BAC-A625-6504880ED17C}"/>
+              </a:ext>
+            </a:extLst>
+          </p:cNvPr>
+          <p:cNvSpPr txBox="1"/>
+          <p:nvPr/>
+        </p:nvSpPr>
+        <p:spPr>
+          <a:xfrm>
+            <a:off x="3089003" y="987355"/>
+            <a:ext cx="356188" cy="461665"/>
+          </a:xfrm>
+          <a:prstGeom prst="rect">
+            <a:avLst/>
+          </a:prstGeom>
+          <a:noFill/>
+        </p:spPr>
+        <p:txBody>
+          <a:bodyPr wrap="none" rtlCol="0">
+            <a:spAutoFit/>
+          </a:bodyPr>
+          <a:lstStyle/>
+          <a:p>
+            <a:r>
+              <a:rPr lang="en-US" sz="2400" b="1" dirty="0">
+                <a:solidFill>
+                  <a:schemeClr val="bg1"/>
+                </a:solidFill>
+                <a:latin typeface="Arial" panose="020B0604020202020204" pitchFamily="34" charset="0"/>
+                <a:cs typeface="Arial" panose="020B0604020202020204" pitchFamily="34" charset="0"/>
+              </a:rPr>
+              <a:t>1</a:t>
+            </a:r>
+          </a:p>
+        </p:txBody>
+      </p:sp>
+      <p:sp>
+        <p:nvSpPr>
+          <p:cNvPr id="21" name="TextBox 20">
+            <a:extLst>
+              <a:ext uri="{FF2B5EF4-FFF2-40B4-BE49-F238E27FC236}">
+                <a16:creationId xmlns:a16="http://schemas.microsoft.com/office/drawing/2014/main" id="{ECA5B939-59D2-4F0D-AD8E-F22E9B64EFB0}"/>
+              </a:ext>
+            </a:extLst>
+          </p:cNvPr>
+          <p:cNvSpPr txBox="1"/>
+          <p:nvPr/>
+        </p:nvSpPr>
+        <p:spPr>
+          <a:xfrm>
+            <a:off x="4946346" y="1008181"/>
+            <a:ext cx="356188" cy="461665"/>
+          </a:xfrm>
+          <a:prstGeom prst="rect">
+            <a:avLst/>
+          </a:prstGeom>
+          <a:noFill/>
+        </p:spPr>
+        <p:txBody>
+          <a:bodyPr wrap="none" rtlCol="0">
+            <a:spAutoFit/>
+          </a:bodyPr>
+          <a:lstStyle/>
+          <a:p>
+            <a:r>
+              <a:rPr lang="en-US" sz="2400" b="1" dirty="0">
+                <a:solidFill>
+                  <a:schemeClr val="bg1"/>
+                </a:solidFill>
+                <a:latin typeface="Arial" panose="020B0604020202020204" pitchFamily="34" charset="0"/>
+                <a:cs typeface="Arial" panose="020B0604020202020204" pitchFamily="34" charset="0"/>
+              </a:rPr>
+              <a:t>2</a:t>
+            </a:r>
+          </a:p>
+        </p:txBody>
+      </p:sp>
+      <p:sp>
+        <p:nvSpPr>
+          <p:cNvPr id="22" name="TextBox 21">
+            <a:extLst>
+              <a:ext uri="{FF2B5EF4-FFF2-40B4-BE49-F238E27FC236}">
+                <a16:creationId xmlns:a16="http://schemas.microsoft.com/office/drawing/2014/main" id="{C0A10A8B-8D46-41FA-91F2-E53E982132CE}"/>
+              </a:ext>
+            </a:extLst>
+          </p:cNvPr>
+          <p:cNvSpPr txBox="1"/>
+          <p:nvPr/>
+        </p:nvSpPr>
+        <p:spPr>
+          <a:xfrm>
+            <a:off x="6670439" y="1025383"/>
+            <a:ext cx="356188" cy="461665"/>
+          </a:xfrm>
+          <a:prstGeom prst="rect">
+            <a:avLst/>
+          </a:prstGeom>
+          <a:noFill/>
+        </p:spPr>
+        <p:txBody>
+          <a:bodyPr wrap="none" rtlCol="0">
+            <a:spAutoFit/>
+          </a:bodyPr>
+          <a:lstStyle/>
+          <a:p>
+            <a:r>
+              <a:rPr lang="en-US" sz="2400" b="1" dirty="0">
+                <a:solidFill>
+                  <a:schemeClr val="bg1"/>
+                </a:solidFill>
+                <a:latin typeface="Arial" panose="020B0604020202020204" pitchFamily="34" charset="0"/>
+                <a:cs typeface="Arial" panose="020B0604020202020204" pitchFamily="34" charset="0"/>
+              </a:rPr>
+              <a:t>3</a:t>
+            </a:r>
+          </a:p>
+        </p:txBody>
+      </p:sp>
+      <p:sp>
+        <p:nvSpPr>
+          <p:cNvPr id="23" name="TextBox 22">
+            <a:extLst>
+              <a:ext uri="{FF2B5EF4-FFF2-40B4-BE49-F238E27FC236}">
+                <a16:creationId xmlns:a16="http://schemas.microsoft.com/office/drawing/2014/main" id="{7E7F9623-AC19-404D-A6C7-DE1376D4A289}"/>
+              </a:ext>
+            </a:extLst>
+          </p:cNvPr>
+          <p:cNvSpPr txBox="1"/>
+          <p:nvPr/>
+        </p:nvSpPr>
+        <p:spPr>
+          <a:xfrm>
+            <a:off x="8510566" y="1008182"/>
+            <a:ext cx="356188" cy="461665"/>
+          </a:xfrm>
+          <a:prstGeom prst="rect">
+            <a:avLst/>
+          </a:prstGeom>
+          <a:noFill/>
+        </p:spPr>
+        <p:txBody>
+          <a:bodyPr wrap="none" rtlCol="0">
+            <a:spAutoFit/>
+          </a:bodyPr>
+          <a:lstStyle/>
+          <a:p>
+            <a:r>
+              <a:rPr lang="en-US" sz="2400" b="1" dirty="0">
+                <a:solidFill>
+                  <a:schemeClr val="bg1"/>
+                </a:solidFill>
+                <a:latin typeface="Arial" panose="020B0604020202020204" pitchFamily="34" charset="0"/>
+                <a:cs typeface="Arial" panose="020B0604020202020204" pitchFamily="34" charset="0"/>
+              </a:rPr>
+              <a:t>4</a:t>
+            </a:r>
+          </a:p>
+        </p:txBody>
+      </p:sp>
+      <p:cxnSp>
+        <p:nvCxnSpPr>
+          <p:cNvPr id="24" name="Straight Connector 23">
+            <a:extLst>
+              <a:ext uri="{FF2B5EF4-FFF2-40B4-BE49-F238E27FC236}">
+                <a16:creationId xmlns:a16="http://schemas.microsoft.com/office/drawing/2014/main" id="{F5F9067D-3763-4E54-9448-3CF16451DE8C}"/>
+              </a:ext>
+            </a:extLst>
+          </p:cNvPr>
+          <p:cNvCxnSpPr>
+            <a:cxnSpLocks/>
+          </p:cNvCxnSpPr>
+          <p:nvPr/>
+        </p:nvCxnSpPr>
+        <p:spPr>
+          <a:xfrm flipH="1">
+            <a:off x="2287751" y="1449020"/>
+            <a:ext cx="7437699" cy="8326"/>
+          </a:xfrm>
+          <a:prstGeom prst="line">
+            <a:avLst/>
+          </a:prstGeom>
+          <a:ln w="38100">
+            <a:solidFill>
+              <a:schemeClr val="bg1"/>
+            </a:solidFill>
+          </a:ln>
+        </p:spPr>
+        <p:style>
+          <a:lnRef idx="1">
+            <a:schemeClr val="accent1"/>
+          </a:lnRef>
+          <a:fillRef idx="0">
+            <a:schemeClr val="accent1"/>
+          </a:fillRef>
+          <a:effectRef idx="0">
+            <a:schemeClr val="accent1"/>
+          </a:effectRef>
+          <a:fontRef idx="minor">
+            <a:schemeClr val="tx1"/>
+          </a:fontRef>
+        </p:style>
+      </p:cxnSp>
+      <p:sp>
+        <p:nvSpPr>
+          <p:cNvPr id="25" name="Rectangle: Rounded Corners 24">
+            <a:extLst>
+              <a:ext uri="{FF2B5EF4-FFF2-40B4-BE49-F238E27FC236}">
+                <a16:creationId xmlns:a16="http://schemas.microsoft.com/office/drawing/2014/main" id="{418EADAA-4EB1-4815-B87A-74812F0C6EEE}"/>
+              </a:ext>
+            </a:extLst>
+          </p:cNvPr>
+          <p:cNvSpPr/>
+          <p:nvPr/>
+        </p:nvSpPr>
+        <p:spPr>
+          <a:xfrm>
+            <a:off x="322096" y="334587"/>
+            <a:ext cx="4910304" cy="450079"/>
+          </a:xfrm>
+          <a:prstGeom prst="roundRect">
+            <a:avLst/>
+          </a:prstGeom>
+        </p:spPr>
+        <p:style>
+          <a:lnRef idx="2">
+            <a:schemeClr val="accent1">
+              <a:shade val="50000"/>
+            </a:schemeClr>
+          </a:lnRef>
+          <a:fillRef idx="1">
+            <a:schemeClr val="accent1"/>
+          </a:fillRef>
+          <a:effectRef idx="0">
+            <a:schemeClr val="accent1"/>
+          </a:effectRef>
+          <a:fontRef idx="minor">
+            <a:schemeClr val="lt1"/>
+          </a:fontRef>
+        </p:style>
+        <p:txBody>
+          <a:bodyPr rtlCol="0" anchor="ctr"/>
+          <a:lstStyle/>
+          <a:p>
+            <a:r>
+              <a:rPr lang="en-US" dirty="0">
+                <a:latin typeface="Arial" panose="020B0604020202020204" pitchFamily="34" charset="0"/>
+                <a:cs typeface="Arial" panose="020B0604020202020204" pitchFamily="34" charset="0"/>
+              </a:rPr>
+              <a:t>Determine: Robot Location, Drop-off Location</a:t>
+            </a:r>
+          </a:p>
+        </p:txBody>
+      </p:sp>
+      <p:sp>
+        <p:nvSpPr>
+          <p:cNvPr id="26" name="Rectangle: Rounded Corners 25">
+            <a:extLst>
+              <a:ext uri="{FF2B5EF4-FFF2-40B4-BE49-F238E27FC236}">
+                <a16:creationId xmlns:a16="http://schemas.microsoft.com/office/drawing/2014/main" id="{7003E68B-C8CF-47B8-84A2-2F1DCA67215C}"/>
+              </a:ext>
+            </a:extLst>
+          </p:cNvPr>
+          <p:cNvSpPr/>
+          <p:nvPr/>
+        </p:nvSpPr>
+        <p:spPr>
+          <a:xfrm>
+            <a:off x="3980435" y="4498662"/>
+            <a:ext cx="1873535" cy="420630"/>
+          </a:xfrm>
+          <a:prstGeom prst="roundRect">
+            <a:avLst/>
+          </a:prstGeom>
+        </p:spPr>
+        <p:style>
+          <a:lnRef idx="2">
+            <a:schemeClr val="accent1">
+              <a:shade val="50000"/>
+            </a:schemeClr>
+          </a:lnRef>
+          <a:fillRef idx="1">
+            <a:schemeClr val="accent1"/>
+          </a:fillRef>
+          <a:effectRef idx="0">
+            <a:schemeClr val="accent1"/>
+          </a:effectRef>
+          <a:fontRef idx="minor">
+            <a:schemeClr val="lt1"/>
+          </a:fontRef>
+        </p:style>
+        <p:txBody>
+          <a:bodyPr rtlCol="0" anchor="ctr"/>
+          <a:lstStyle/>
+          <a:p>
+            <a:pPr algn="ctr"/>
+            <a:r>
+              <a:rPr lang="en-US" dirty="0">
+                <a:latin typeface="Arial" panose="020B0604020202020204" pitchFamily="34" charset="0"/>
+                <a:cs typeface="Arial" panose="020B0604020202020204" pitchFamily="34" charset="0"/>
+              </a:rPr>
+              <a:t>Drop off block</a:t>
+            </a:r>
+          </a:p>
+        </p:txBody>
+      </p:sp>
+      <p:sp>
+        <p:nvSpPr>
+          <p:cNvPr id="27" name="Rectangle: Rounded Corners 26">
+            <a:extLst>
+              <a:ext uri="{FF2B5EF4-FFF2-40B4-BE49-F238E27FC236}">
+                <a16:creationId xmlns:a16="http://schemas.microsoft.com/office/drawing/2014/main" id="{3846C833-EB06-4C82-A62B-0620B1AA6B82}"/>
+              </a:ext>
+            </a:extLst>
+          </p:cNvPr>
+          <p:cNvSpPr/>
+          <p:nvPr/>
+        </p:nvSpPr>
+        <p:spPr>
+          <a:xfrm>
+            <a:off x="10339312" y="5843792"/>
+            <a:ext cx="1653046" cy="439194"/>
+          </a:xfrm>
+          <a:prstGeom prst="roundRect">
+            <a:avLst/>
+          </a:prstGeom>
+        </p:spPr>
+        <p:style>
+          <a:lnRef idx="2">
+            <a:schemeClr val="accent1">
+              <a:shade val="50000"/>
+            </a:schemeClr>
+          </a:lnRef>
+          <a:fillRef idx="1">
+            <a:schemeClr val="accent1"/>
+          </a:fillRef>
+          <a:effectRef idx="0">
+            <a:schemeClr val="accent1"/>
+          </a:effectRef>
+          <a:fontRef idx="minor">
+            <a:schemeClr val="lt1"/>
+          </a:fontRef>
+        </p:style>
+        <p:txBody>
+          <a:bodyPr rtlCol="0" anchor="ctr"/>
+          <a:lstStyle/>
+          <a:p>
+            <a:pPr algn="ctr"/>
+            <a:r>
+              <a:rPr lang="en-US" dirty="0">
+                <a:latin typeface="Arial" panose="020B0604020202020204" pitchFamily="34" charset="0"/>
+                <a:cs typeface="Arial" panose="020B0604020202020204" pitchFamily="34" charset="0"/>
+              </a:rPr>
+              <a:t>Start teleop</a:t>
+            </a:r>
+          </a:p>
+        </p:txBody>
+      </p:sp>
+      <p:sp>
+        <p:nvSpPr>
+          <p:cNvPr id="28" name="Rectangle: Rounded Corners 27">
+            <a:extLst>
+              <a:ext uri="{FF2B5EF4-FFF2-40B4-BE49-F238E27FC236}">
+                <a16:creationId xmlns:a16="http://schemas.microsoft.com/office/drawing/2014/main" id="{A4F72297-3FF5-43AE-94A2-7A316A5CC767}"/>
+              </a:ext>
+            </a:extLst>
+          </p:cNvPr>
+          <p:cNvSpPr/>
+          <p:nvPr/>
+        </p:nvSpPr>
+        <p:spPr>
+          <a:xfrm>
+            <a:off x="4987586" y="5202585"/>
+            <a:ext cx="6178249" cy="439194"/>
+          </a:xfrm>
+          <a:prstGeom prst="roundRect">
+            <a:avLst/>
+          </a:prstGeom>
+        </p:spPr>
+        <p:style>
+          <a:lnRef idx="2">
+            <a:schemeClr val="accent1">
+              <a:shade val="50000"/>
+            </a:schemeClr>
+          </a:lnRef>
+          <a:fillRef idx="1">
+            <a:schemeClr val="accent1"/>
+          </a:fillRef>
+          <a:effectRef idx="0">
+            <a:schemeClr val="accent1"/>
+          </a:effectRef>
+          <a:fontRef idx="minor">
+            <a:schemeClr val="lt1"/>
+          </a:fontRef>
+        </p:style>
+        <p:txBody>
+          <a:bodyPr rtlCol="0" anchor="ctr"/>
+          <a:lstStyle/>
+          <a:p>
+            <a:pPr algn="ctr"/>
+            <a:r>
+              <a:rPr lang="en-US" dirty="0">
+                <a:latin typeface="Arial" panose="020B0604020202020204" pitchFamily="34" charset="0"/>
+                <a:cs typeface="Arial" panose="020B0604020202020204" pitchFamily="34" charset="0"/>
+              </a:rPr>
+              <a:t>Second autonomous mode (pick up/drop off second block)</a:t>
+            </a:r>
+          </a:p>
+        </p:txBody>
+      </p:sp>
+      <p:sp>
+        <p:nvSpPr>
+          <p:cNvPr id="31" name="Arrow: Bent 30">
+            <a:extLst>
+              <a:ext uri="{FF2B5EF4-FFF2-40B4-BE49-F238E27FC236}">
+                <a16:creationId xmlns:a16="http://schemas.microsoft.com/office/drawing/2014/main" id="{141338EE-4F72-4A04-A4D8-A8C819141A20}"/>
+              </a:ext>
+            </a:extLst>
+          </p:cNvPr>
+          <p:cNvSpPr/>
+          <p:nvPr/>
+        </p:nvSpPr>
+        <p:spPr>
+          <a:xfrm flipV="1">
+            <a:off x="4409440" y="5069764"/>
+            <a:ext cx="536906" cy="542951"/>
+          </a:xfrm>
+          <a:prstGeom prst="bentArrow">
+            <a:avLst/>
+          </a:prstGeom>
+          <a:solidFill>
+            <a:srgbClr val="00B0F0"/>
+          </a:solidFill>
+          <a:ln>
+            <a:noFill/>
+          </a:ln>
+        </p:spPr>
+        <p:style>
+          <a:lnRef idx="2">
+            <a:schemeClr val="accent1">
+              <a:shade val="50000"/>
+            </a:schemeClr>
+          </a:lnRef>
+          <a:fillRef idx="1">
+            <a:schemeClr val="accent1"/>
+          </a:fillRef>
+          <a:effectRef idx="0">
+            <a:schemeClr val="accent1"/>
+          </a:effectRef>
+          <a:fontRef idx="minor">
+            <a:schemeClr val="lt1"/>
+          </a:fontRef>
+        </p:style>
+        <p:txBody>
+          <a:bodyPr rtlCol="0" anchor="ctr"/>
+          <a:lstStyle/>
+          <a:p>
+            <a:pPr algn="r"/>
+            <a:endParaRPr lang="en-US" dirty="0">
+              <a:solidFill>
+                <a:schemeClr val="tx1"/>
+              </a:solidFill>
+            </a:endParaRPr>
+          </a:p>
+        </p:txBody>
+      </p:sp>
+      <p:sp>
+        <p:nvSpPr>
+          <p:cNvPr id="32" name="Arrow: Bent 31">
+            <a:extLst>
+              <a:ext uri="{FF2B5EF4-FFF2-40B4-BE49-F238E27FC236}">
+                <a16:creationId xmlns:a16="http://schemas.microsoft.com/office/drawing/2014/main" id="{4D1F26CC-A6B3-4AF4-A54C-AF0A076A30B3}"/>
+              </a:ext>
+            </a:extLst>
+          </p:cNvPr>
+          <p:cNvSpPr/>
+          <p:nvPr/>
+        </p:nvSpPr>
+        <p:spPr>
+          <a:xfrm flipV="1">
+            <a:off x="9755930" y="5699395"/>
+            <a:ext cx="536906" cy="542951"/>
+          </a:xfrm>
+          <a:prstGeom prst="bentArrow">
+            <a:avLst/>
+          </a:prstGeom>
+          <a:solidFill>
+            <a:srgbClr val="00B0F0"/>
+          </a:solidFill>
+          <a:ln>
+            <a:noFill/>
+          </a:ln>
+        </p:spPr>
+        <p:style>
+          <a:lnRef idx="2">
+            <a:schemeClr val="accent1">
+              <a:shade val="50000"/>
+            </a:schemeClr>
+          </a:lnRef>
+          <a:fillRef idx="1">
+            <a:schemeClr val="accent1"/>
+          </a:fillRef>
+          <a:effectRef idx="0">
+            <a:schemeClr val="accent1"/>
+          </a:effectRef>
+          <a:fontRef idx="minor">
+            <a:schemeClr val="lt1"/>
+          </a:fontRef>
+        </p:style>
+        <p:txBody>
+          <a:bodyPr rtlCol="0" anchor="ctr"/>
+          <a:lstStyle/>
+          <a:p>
+            <a:pPr algn="r"/>
+            <a:endParaRPr lang="en-US" dirty="0">
+              <a:solidFill>
+                <a:schemeClr val="tx1"/>
+              </a:solidFill>
+            </a:endParaRPr>
+          </a:p>
+        </p:txBody>
+      </p:sp>
+      <p:sp>
+        <p:nvSpPr>
+          <p:cNvPr id="33" name="Arrow: Bent 32">
+            <a:extLst>
+              <a:ext uri="{FF2B5EF4-FFF2-40B4-BE49-F238E27FC236}">
+                <a16:creationId xmlns:a16="http://schemas.microsoft.com/office/drawing/2014/main" id="{609BAB9C-5F05-4EF4-8A4A-3B42DD321531}"/>
+              </a:ext>
+            </a:extLst>
+          </p:cNvPr>
+          <p:cNvSpPr/>
+          <p:nvPr/>
+        </p:nvSpPr>
+        <p:spPr>
+          <a:xfrm flipV="1">
+            <a:off x="1360637" y="868913"/>
+            <a:ext cx="870824" cy="1975886"/>
+          </a:xfrm>
+          <a:prstGeom prst="bentArrow">
+            <a:avLst/>
+          </a:prstGeom>
+          <a:solidFill>
+            <a:srgbClr val="00B0F0"/>
+          </a:solidFill>
+          <a:ln>
+            <a:noFill/>
+          </a:ln>
+        </p:spPr>
+        <p:style>
+          <a:lnRef idx="2">
+            <a:schemeClr val="accent1">
+              <a:shade val="50000"/>
+            </a:schemeClr>
+          </a:lnRef>
+          <a:fillRef idx="1">
+            <a:schemeClr val="accent1"/>
+          </a:fillRef>
+          <a:effectRef idx="0">
+            <a:schemeClr val="accent1"/>
+          </a:effectRef>
+          <a:fontRef idx="minor">
+            <a:schemeClr val="lt1"/>
+          </a:fontRef>
+        </p:style>
+        <p:txBody>
+          <a:bodyPr rtlCol="0" anchor="ctr"/>
+          <a:lstStyle/>
+          <a:p>
+            <a:pPr algn="r"/>
+            <a:endParaRPr lang="en-US" dirty="0">
+              <a:solidFill>
+                <a:schemeClr val="tx1"/>
+              </a:solidFill>
+            </a:endParaRPr>
+          </a:p>
+        </p:txBody>
+      </p:sp>
+      <p:pic>
+        <p:nvPicPr>
+          <p:cNvPr id="34" name="Picture 33">
+            <a:extLst>
+              <a:ext uri="{FF2B5EF4-FFF2-40B4-BE49-F238E27FC236}">
+                <a16:creationId xmlns:a16="http://schemas.microsoft.com/office/drawing/2014/main" id="{D3967006-D21F-4E8D-9BB5-3D290C7EDA14}"/>
+              </a:ext>
+            </a:extLst>
+          </p:cNvPr>
+          <p:cNvPicPr>
+            <a:picLocks noChangeAspect="1"/>
+          </p:cNvPicPr>
+          <p:nvPr/>
+        </p:nvPicPr>
+        <p:blipFill>
+          <a:blip r:embed="rId2"/>
+          <a:stretch>
+            <a:fillRect/>
+          </a:stretch>
+        </p:blipFill>
+        <p:spPr>
+          <a:xfrm>
+            <a:off x="-57077" y="5243671"/>
+            <a:ext cx="4420041" cy="1555382"/>
+          </a:xfrm>
+          <a:prstGeom prst="rect">
+            <a:avLst/>
+          </a:prstGeom>
+        </p:spPr>
+      </p:pic>
+      <p:sp>
+        <p:nvSpPr>
+          <p:cNvPr id="35" name="Rectangle: Rounded Corners 34">
+            <a:extLst>
+              <a:ext uri="{FF2B5EF4-FFF2-40B4-BE49-F238E27FC236}">
+                <a16:creationId xmlns:a16="http://schemas.microsoft.com/office/drawing/2014/main" id="{978B5255-C2CC-4B5E-8060-0615169C1008}"/>
+              </a:ext>
+            </a:extLst>
+          </p:cNvPr>
+          <p:cNvSpPr/>
+          <p:nvPr/>
+        </p:nvSpPr>
+        <p:spPr>
+          <a:xfrm>
+            <a:off x="71120" y="58947"/>
+            <a:ext cx="10312400" cy="4970177"/>
+          </a:xfrm>
+          <a:prstGeom prst="roundRect">
+            <a:avLst/>
+          </a:prstGeom>
+          <a:noFill/>
+          <a:ln w="38100">
+            <a:solidFill>
+              <a:srgbClr val="FF0000"/>
+            </a:solidFill>
+          </a:ln>
+        </p:spPr>
+        <p:style>
+          <a:lnRef idx="2">
+            <a:schemeClr val="accent1">
+              <a:shade val="50000"/>
+            </a:schemeClr>
+          </a:lnRef>
+          <a:fillRef idx="1">
+            <a:schemeClr val="accent1"/>
+          </a:fillRef>
+          <a:effectRef idx="0">
+            <a:schemeClr val="accent1"/>
+          </a:effectRef>
+          <a:fontRef idx="minor">
+            <a:schemeClr val="lt1"/>
+          </a:fontRef>
+        </p:style>
+        <p:txBody>
+          <a:bodyPr rtlCol="0" anchor="ctr"/>
+          <a:lstStyle/>
+          <a:p>
+            <a:pPr algn="ctr"/>
+            <a:endParaRPr lang="en-US"/>
+          </a:p>
+        </p:txBody>
+      </p:sp>
+      <p:sp>
+        <p:nvSpPr>
+          <p:cNvPr id="37" name="TextBox 36">
+            <a:extLst>
+              <a:ext uri="{FF2B5EF4-FFF2-40B4-BE49-F238E27FC236}">
+                <a16:creationId xmlns:a16="http://schemas.microsoft.com/office/drawing/2014/main" id="{858F537F-4F15-4A4F-901C-956593E288B7}"/>
+              </a:ext>
+            </a:extLst>
+          </p:cNvPr>
+          <p:cNvSpPr txBox="1"/>
+          <p:nvPr/>
+        </p:nvSpPr>
+        <p:spPr>
+          <a:xfrm>
+            <a:off x="7155034" y="58947"/>
+            <a:ext cx="2711063" cy="369332"/>
+          </a:xfrm>
+          <a:prstGeom prst="rect">
+            <a:avLst/>
+          </a:prstGeom>
+          <a:noFill/>
+        </p:spPr>
+        <p:txBody>
+          <a:bodyPr wrap="none" rtlCol="0">
+            <a:spAutoFit/>
+          </a:bodyPr>
+          <a:lstStyle/>
+          <a:p>
+            <a:r>
+              <a:rPr lang="en-US" dirty="0">
+                <a:solidFill>
+                  <a:srgbClr val="FF0000"/>
+                </a:solidFill>
+                <a:latin typeface="Arial" panose="020B0604020202020204" pitchFamily="34" charset="0"/>
+                <a:cs typeface="Arial" panose="020B0604020202020204" pitchFamily="34" charset="0"/>
+              </a:rPr>
+              <a:t>Initial Autonomous Mode</a:t>
+            </a:r>
+          </a:p>
+        </p:txBody>
+      </p:sp>
+      <p:sp>
+        <p:nvSpPr>
+          <p:cNvPr id="38" name="Arrow: Bent 37">
+            <a:extLst>
+              <a:ext uri="{FF2B5EF4-FFF2-40B4-BE49-F238E27FC236}">
+                <a16:creationId xmlns:a16="http://schemas.microsoft.com/office/drawing/2014/main" id="{A8F3B3DC-10F2-42CA-B322-80981CBF32BC}"/>
+              </a:ext>
+            </a:extLst>
+          </p:cNvPr>
+          <p:cNvSpPr/>
+          <p:nvPr/>
+        </p:nvSpPr>
+        <p:spPr>
+          <a:xfrm flipV="1">
+            <a:off x="3445191" y="4409750"/>
+            <a:ext cx="491140" cy="482996"/>
+          </a:xfrm>
+          <a:prstGeom prst="bentArrow">
+            <a:avLst/>
+          </a:prstGeom>
+          <a:solidFill>
+            <a:srgbClr val="00B0F0"/>
+          </a:solidFill>
+          <a:ln>
+            <a:noFill/>
+          </a:ln>
+        </p:spPr>
+        <p:style>
+          <a:lnRef idx="2">
+            <a:schemeClr val="accent1">
+              <a:shade val="50000"/>
+            </a:schemeClr>
+          </a:lnRef>
+          <a:fillRef idx="1">
+            <a:schemeClr val="accent1"/>
+          </a:fillRef>
+          <a:effectRef idx="0">
+            <a:schemeClr val="accent1"/>
+          </a:effectRef>
+          <a:fontRef idx="minor">
+            <a:schemeClr val="lt1"/>
+          </a:fontRef>
+        </p:style>
+        <p:txBody>
+          <a:bodyPr rtlCol="0" anchor="ctr"/>
+          <a:lstStyle/>
+          <a:p>
+            <a:pPr algn="r"/>
+            <a:endParaRPr lang="en-US" dirty="0">
+              <a:solidFill>
+                <a:schemeClr val="tx1"/>
+              </a:solidFill>
+            </a:endParaRPr>
+          </a:p>
+        </p:txBody>
+      </p:sp>
+    </p:spTree>
+    <p:extLst>
+      <p:ext uri="{BB962C8B-B14F-4D97-AF65-F5344CB8AC3E}">
+        <p14:creationId xmlns:p14="http://schemas.microsoft.com/office/powerpoint/2010/main" val="2641200220"/>
       </p:ext>
     </p:extLst>
   </p:cSld>
@@ -5670,4 +7921,299 @@
     </a:ext>
   </a:extLst>
 </a:theme>
+</file>
+
+<file path=ppt/theme/theme2.xml><?xml version="1.0" encoding="utf-8"?>
+<a:theme xmlns:a="http://schemas.openxmlformats.org/drawingml/2006/main" name="Office Theme">
+  <a:themeElements>
+    <a:clrScheme name="Office">
+      <a:dk1>
+        <a:sysClr val="windowText" lastClr="000000"/>
+      </a:dk1>
+      <a:lt1>
+        <a:sysClr val="window" lastClr="FFFFFF"/>
+      </a:lt1>
+      <a:dk2>
+        <a:srgbClr val="44546A"/>
+      </a:dk2>
+      <a:lt2>
+        <a:srgbClr val="E7E6E6"/>
+      </a:lt2>
+      <a:accent1>
+        <a:srgbClr val="4472C4"/>
+      </a:accent1>
+      <a:accent2>
+        <a:srgbClr val="ED7D31"/>
+      </a:accent2>
+      <a:accent3>
+        <a:srgbClr val="A5A5A5"/>
+      </a:accent3>
+      <a:accent4>
+        <a:srgbClr val="FFC000"/>
+      </a:accent4>
+      <a:accent5>
+        <a:srgbClr val="5B9BD5"/>
+      </a:accent5>
+      <a:accent6>
+        <a:srgbClr val="70AD47"/>
+      </a:accent6>
+      <a:hlink>
+        <a:srgbClr val="0563C1"/>
+      </a:hlink>
+      <a:folHlink>
+        <a:srgbClr val="954F72"/>
+      </a:folHlink>
+    </a:clrScheme>
+    <a:fontScheme name="Office">
+      <a:majorFont>
+        <a:latin typeface="Calibri Light" panose="020F0302020204030204"/>
+        <a:ea typeface=""/>
+        <a:cs typeface=""/>
+        <a:font script="Jpan" typeface="游ゴシック Light"/>
+        <a:font script="Hang" typeface="맑은 고딕"/>
+        <a:font script="Hans" typeface="等线 Light"/>
+        <a:font script="Hant" typeface="新細明體"/>
+        <a:font script="Arab" typeface="Times New Roman"/>
+        <a:font script="Hebr" typeface="Times New Roman"/>
+        <a:font script="Thai" typeface="Angsana New"/>
+        <a:font script="Ethi" typeface="Nyala"/>
+        <a:font script="Beng" typeface="Vrinda"/>
+        <a:font script="Gujr" typeface="Shruti"/>
+        <a:font script="Khmr" typeface="MoolBoran"/>
+        <a:font script="Knda" typeface="Tunga"/>
+        <a:font script="Guru" typeface="Raavi"/>
+        <a:font script="Cans" typeface="Euphemia"/>
+        <a:font script="Cher" typeface="Plantagenet Cherokee"/>
+        <a:font script="Yiii" typeface="Microsoft Yi Baiti"/>
+        <a:font script="Tibt" typeface="Microsoft Himalaya"/>
+        <a:font script="Thaa" typeface="MV Boli"/>
+        <a:font script="Deva" typeface="Mangal"/>
+        <a:font script="Telu" typeface="Gautami"/>
+        <a:font script="Taml" typeface="Latha"/>
+        <a:font script="Syrc" typeface="Estrangelo Edessa"/>
+        <a:font script="Orya" typeface="Kalinga"/>
+        <a:font script="Mlym" typeface="Kartika"/>
+        <a:font script="Laoo" typeface="DokChampa"/>
+        <a:font script="Sinh" typeface="Iskoola Pota"/>
+        <a:font script="Mong" typeface="Mongolian Baiti"/>
+        <a:font script="Viet" typeface="Times New Roman"/>
+        <a:font script="Uigh" typeface="Microsoft Uighur"/>
+        <a:font script="Geor" typeface="Sylfaen"/>
+        <a:font script="Armn" typeface="Arial"/>
+        <a:font script="Bugi" typeface="Leelawadee UI"/>
+        <a:font script="Bopo" typeface="Microsoft JhengHei"/>
+        <a:font script="Java" typeface="Javanese Text"/>
+        <a:font script="Lisu" typeface="Segoe UI"/>
+        <a:font script="Mymr" typeface="Myanmar Text"/>
+        <a:font script="Nkoo" typeface="Ebrima"/>
+        <a:font script="Olck" typeface="Nirmala UI"/>
+        <a:font script="Osma" typeface="Ebrima"/>
+        <a:font script="Phag" typeface="Phagspa"/>
+        <a:font script="Syrn" typeface="Estrangelo Edessa"/>
+        <a:font script="Syrj" typeface="Estrangelo Edessa"/>
+        <a:font script="Syre" typeface="Estrangelo Edessa"/>
+        <a:font script="Sora" typeface="Nirmala UI"/>
+        <a:font script="Tale" typeface="Microsoft Tai Le"/>
+        <a:font script="Talu" typeface="Microsoft New Tai Lue"/>
+        <a:font script="Tfng" typeface="Ebrima"/>
+      </a:majorFont>
+      <a:minorFont>
+        <a:latin typeface="Calibri" panose="020F0502020204030204"/>
+        <a:ea typeface=""/>
+        <a:cs typeface=""/>
+        <a:font script="Jpan" typeface="游ゴシック"/>
+        <a:font script="Hang" typeface="맑은 고딕"/>
+        <a:font script="Hans" typeface="等线"/>
+        <a:font script="Hant" typeface="新細明體"/>
+        <a:font script="Arab" typeface="Arial"/>
+        <a:font script="Hebr" typeface="Arial"/>
+        <a:font script="Thai" typeface="Cordia New"/>
+        <a:font script="Ethi" typeface="Nyala"/>
+        <a:font script="Beng" typeface="Vrinda"/>
+        <a:font script="Gujr" typeface="Shruti"/>
+        <a:font script="Khmr" typeface="DaunPenh"/>
+        <a:font script="Knda" typeface="Tunga"/>
+        <a:font script="Guru" typeface="Raavi"/>
+        <a:font script="Cans" typeface="Euphemia"/>
+        <a:font script="Cher" typeface="Plantagenet Cherokee"/>
+        <a:font script="Yiii" typeface="Microsoft Yi Baiti"/>
+        <a:font script="Tibt" typeface="Microsoft Himalaya"/>
+        <a:font script="Thaa" typeface="MV Boli"/>
+        <a:font script="Deva" typeface="Mangal"/>
+        <a:font script="Telu" typeface="Gautami"/>
+        <a:font script="Taml" typeface="Latha"/>
+        <a:font script="Syrc" typeface="Estrangelo Edessa"/>
+        <a:font script="Orya" typeface="Kalinga"/>
+        <a:font script="Mlym" typeface="Kartika"/>
+        <a:font script="Laoo" typeface="DokChampa"/>
+        <a:font script="Sinh" typeface="Iskoola Pota"/>
+        <a:font script="Mong" typeface="Mongolian Baiti"/>
+        <a:font script="Viet" typeface="Arial"/>
+        <a:font script="Uigh" typeface="Microsoft Uighur"/>
+        <a:font script="Geor" typeface="Sylfaen"/>
+        <a:font script="Armn" typeface="Arial"/>
+        <a:font script="Bugi" typeface="Leelawadee UI"/>
+        <a:font script="Bopo" typeface="Microsoft JhengHei"/>
+        <a:font script="Java" typeface="Javanese Text"/>
+        <a:font script="Lisu" typeface="Segoe UI"/>
+        <a:font script="Mymr" typeface="Myanmar Text"/>
+        <a:font script="Nkoo" typeface="Ebrima"/>
+        <a:font script="Olck" typeface="Nirmala UI"/>
+        <a:font script="Osma" typeface="Ebrima"/>
+        <a:font script="Phag" typeface="Phagspa"/>
+        <a:font script="Syrn" typeface="Estrangelo Edessa"/>
+        <a:font script="Syrj" typeface="Estrangelo Edessa"/>
+        <a:font script="Syre" typeface="Estrangelo Edessa"/>
+        <a:font script="Sora" typeface="Nirmala UI"/>
+        <a:font script="Tale" typeface="Microsoft Tai Le"/>
+        <a:font script="Talu" typeface="Microsoft New Tai Lue"/>
+        <a:font script="Tfng" typeface="Ebrima"/>
+      </a:minorFont>
+    </a:fontScheme>
+    <a:fmtScheme name="Office">
+      <a:fillStyleLst>
+        <a:solidFill>
+          <a:schemeClr val="phClr"/>
+        </a:solidFill>
+        <a:gradFill rotWithShape="1">
+          <a:gsLst>
+            <a:gs pos="0">
+              <a:schemeClr val="phClr">
+                <a:lumMod val="110000"/>
+                <a:satMod val="105000"/>
+                <a:tint val="67000"/>
+              </a:schemeClr>
+            </a:gs>
+            <a:gs pos="50000">
+              <a:schemeClr val="phClr">
+                <a:lumMod val="105000"/>
+                <a:satMod val="103000"/>
+                <a:tint val="73000"/>
+              </a:schemeClr>
+            </a:gs>
+            <a:gs pos="100000">
+              <a:schemeClr val="phClr">
+                <a:lumMod val="105000"/>
+                <a:satMod val="109000"/>
+                <a:tint val="81000"/>
+              </a:schemeClr>
+            </a:gs>
+          </a:gsLst>
+          <a:lin ang="5400000" scaled="0"/>
+        </a:gradFill>
+        <a:gradFill rotWithShape="1">
+          <a:gsLst>
+            <a:gs pos="0">
+              <a:schemeClr val="phClr">
+                <a:satMod val="103000"/>
+                <a:lumMod val="102000"/>
+                <a:tint val="94000"/>
+              </a:schemeClr>
+            </a:gs>
+            <a:gs pos="50000">
+              <a:schemeClr val="phClr">
+                <a:satMod val="110000"/>
+                <a:lumMod val="100000"/>
+                <a:shade val="100000"/>
+              </a:schemeClr>
+            </a:gs>
+            <a:gs pos="100000">
+              <a:schemeClr val="phClr">
+                <a:lumMod val="99000"/>
+                <a:satMod val="120000"/>
+                <a:shade val="78000"/>
+              </a:schemeClr>
+            </a:gs>
+          </a:gsLst>
+          <a:lin ang="5400000" scaled="0"/>
+        </a:gradFill>
+      </a:fillStyleLst>
+      <a:lnStyleLst>
+        <a:ln w="6350" cap="flat" cmpd="sng" algn="ctr">
+          <a:solidFill>
+            <a:schemeClr val="phClr"/>
+          </a:solidFill>
+          <a:prstDash val="solid"/>
+          <a:miter lim="800000"/>
+        </a:ln>
+        <a:ln w="12700" cap="flat" cmpd="sng" algn="ctr">
+          <a:solidFill>
+            <a:schemeClr val="phClr"/>
+          </a:solidFill>
+          <a:prstDash val="solid"/>
+          <a:miter lim="800000"/>
+        </a:ln>
+        <a:ln w="19050" cap="flat" cmpd="sng" algn="ctr">
+          <a:solidFill>
+            <a:schemeClr val="phClr"/>
+          </a:solidFill>
+          <a:prstDash val="solid"/>
+          <a:miter lim="800000"/>
+        </a:ln>
+      </a:lnStyleLst>
+      <a:effectStyleLst>
+        <a:effectStyle>
+          <a:effectLst/>
+        </a:effectStyle>
+        <a:effectStyle>
+          <a:effectLst/>
+        </a:effectStyle>
+        <a:effectStyle>
+          <a:effectLst>
+            <a:outerShdw blurRad="57150" dist="19050" dir="5400000" algn="ctr" rotWithShape="0">
+              <a:srgbClr val="000000">
+                <a:alpha val="63000"/>
+              </a:srgbClr>
+            </a:outerShdw>
+          </a:effectLst>
+        </a:effectStyle>
+      </a:effectStyleLst>
+      <a:bgFillStyleLst>
+        <a:solidFill>
+          <a:schemeClr val="phClr"/>
+        </a:solidFill>
+        <a:solidFill>
+          <a:schemeClr val="phClr">
+            <a:tint val="95000"/>
+            <a:satMod val="170000"/>
+          </a:schemeClr>
+        </a:solidFill>
+        <a:gradFill rotWithShape="1">
+          <a:gsLst>
+            <a:gs pos="0">
+              <a:schemeClr val="phClr">
+                <a:tint val="93000"/>
+                <a:satMod val="150000"/>
+                <a:shade val="98000"/>
+                <a:lumMod val="102000"/>
+              </a:schemeClr>
+            </a:gs>
+            <a:gs pos="50000">
+              <a:schemeClr val="phClr">
+                <a:tint val="98000"/>
+                <a:satMod val="130000"/>
+                <a:shade val="90000"/>
+                <a:lumMod val="103000"/>
+              </a:schemeClr>
+            </a:gs>
+            <a:gs pos="100000">
+              <a:schemeClr val="phClr">
+                <a:shade val="63000"/>
+                <a:satMod val="120000"/>
+              </a:schemeClr>
+            </a:gs>
+          </a:gsLst>
+          <a:lin ang="5400000" scaled="0"/>
+        </a:gradFill>
+      </a:bgFillStyleLst>
+    </a:fmtScheme>
+  </a:themeElements>
+  <a:objectDefaults/>
+  <a:extraClrSchemeLst/>
+  <a:extLst>
+    <a:ext uri="{05A4C25C-085E-4340-85A3-A5531E510DB2}">
+      <thm15:themeFamily xmlns:thm15="http://schemas.microsoft.com/office/thememl/2012/main" name="Office Theme" id="{62F939B6-93AF-4DB8-9C6B-D6C7DFDC589F}" vid="{4A3C46E8-61CC-4603-A589-7422A47A8E4A}"/>
+    </a:ext>
+  </a:extLst>
+</a:theme>
 </file>